--- a/Documents/SuperStocks.pptx
+++ b/Documents/SuperStocks.pptx
@@ -5,7 +5,7 @@
     <p:sldMasterId id="2147483648" r:id="rId1"/>
   </p:sldMasterIdLst>
   <p:notesMasterIdLst>
-    <p:notesMasterId r:id="rId22"/>
+    <p:notesMasterId r:id="rId21"/>
   </p:notesMasterIdLst>
   <p:sldIdLst>
     <p:sldId id="256" r:id="rId2"/>
@@ -23,11 +23,10 @@
     <p:sldId id="270" r:id="rId14"/>
     <p:sldId id="271" r:id="rId15"/>
     <p:sldId id="272" r:id="rId16"/>
-    <p:sldId id="274" r:id="rId17"/>
-    <p:sldId id="275" r:id="rId18"/>
-    <p:sldId id="276" r:id="rId19"/>
-    <p:sldId id="277" r:id="rId20"/>
-    <p:sldId id="266" r:id="rId21"/>
+    <p:sldId id="276" r:id="rId17"/>
+    <p:sldId id="274" r:id="rId18"/>
+    <p:sldId id="275" r:id="rId19"/>
+    <p:sldId id="266" r:id="rId20"/>
   </p:sldIdLst>
   <p:sldSz cx="12192000" cy="6858000"/>
   <p:notesSz cx="6858000" cy="9144000"/>
@@ -135,11 +134,11 @@
 </file>
 
 <file path=ppt/diagrams/colors1.xml><?xml version="1.0" encoding="utf-8"?>
-<dgm:colorsDef xmlns:dgm="http://schemas.openxmlformats.org/drawingml/2006/diagram" xmlns:a="http://schemas.openxmlformats.org/drawingml/2006/main" uniqueId="urn:microsoft.com/office/officeart/2005/8/colors/colorful1">
+<dgm:colorsDef xmlns:dgm="http://schemas.openxmlformats.org/drawingml/2006/diagram" xmlns:a="http://schemas.openxmlformats.org/drawingml/2006/main" uniqueId="urn:microsoft.com/office/officeart/2005/8/colors/accent1_2">
   <dgm:title val=""/>
   <dgm:desc val=""/>
   <dgm:catLst>
-    <dgm:cat type="colorful" pri="10100"/>
+    <dgm:cat type="accent1" pri="11200"/>
   </dgm:catLst>
   <dgm:styleLbl name="node0">
     <dgm:fillClrLst meth="repeat">
@@ -153,13 +152,21 @@
     <dgm:txFillClrLst/>
     <dgm:txEffectClrLst/>
   </dgm:styleLbl>
+  <dgm:styleLbl name="alignNode1">
+    <dgm:fillClrLst meth="repeat">
+      <a:schemeClr val="accent1"/>
+    </dgm:fillClrLst>
+    <dgm:linClrLst meth="repeat">
+      <a:schemeClr val="accent1"/>
+    </dgm:linClrLst>
+    <dgm:effectClrLst/>
+    <dgm:txLinClrLst/>
+    <dgm:txFillClrLst/>
+    <dgm:txEffectClrLst/>
+  </dgm:styleLbl>
   <dgm:styleLbl name="node1">
     <dgm:fillClrLst meth="repeat">
-      <a:schemeClr val="accent2"/>
-      <a:schemeClr val="accent3"/>
-      <a:schemeClr val="accent4"/>
-      <a:schemeClr val="accent5"/>
-      <a:schemeClr val="accent6"/>
+      <a:schemeClr val="accent1"/>
     </dgm:fillClrLst>
     <dgm:linClrLst meth="repeat">
       <a:schemeClr val="lt1"/>
@@ -169,33 +176,9 @@
     <dgm:txFillClrLst/>
     <dgm:txEffectClrLst/>
   </dgm:styleLbl>
-  <dgm:styleLbl name="alignNode1">
-    <dgm:fillClrLst meth="repeat">
-      <a:schemeClr val="accent2"/>
-      <a:schemeClr val="accent3"/>
-      <a:schemeClr val="accent4"/>
-      <a:schemeClr val="accent5"/>
-      <a:schemeClr val="accent6"/>
-    </dgm:fillClrLst>
-    <dgm:linClrLst meth="repeat">
-      <a:schemeClr val="accent2"/>
-      <a:schemeClr val="accent3"/>
-      <a:schemeClr val="accent4"/>
-      <a:schemeClr val="accent5"/>
-      <a:schemeClr val="accent6"/>
-    </dgm:linClrLst>
-    <dgm:effectClrLst/>
-    <dgm:txLinClrLst/>
-    <dgm:txFillClrLst/>
-    <dgm:txEffectClrLst/>
-  </dgm:styleLbl>
   <dgm:styleLbl name="lnNode1">
     <dgm:fillClrLst meth="repeat">
-      <a:schemeClr val="accent2"/>
-      <a:schemeClr val="accent3"/>
-      <a:schemeClr val="accent4"/>
-      <a:schemeClr val="accent5"/>
-      <a:schemeClr val="accent6"/>
+      <a:schemeClr val="accent1"/>
     </dgm:fillClrLst>
     <dgm:linClrLst meth="repeat">
       <a:schemeClr val="lt1"/>
@@ -207,19 +190,7 @@
   </dgm:styleLbl>
   <dgm:styleLbl name="vennNode1">
     <dgm:fillClrLst meth="repeat">
-      <a:schemeClr val="accent2">
-        <a:alpha val="50000"/>
-      </a:schemeClr>
-      <a:schemeClr val="accent3">
-        <a:alpha val="50000"/>
-      </a:schemeClr>
-      <a:schemeClr val="accent4">
-        <a:alpha val="50000"/>
-      </a:schemeClr>
-      <a:schemeClr val="accent5">
-        <a:alpha val="50000"/>
-      </a:schemeClr>
-      <a:schemeClr val="accent6">
+      <a:schemeClr val="accent1">
         <a:alpha val="50000"/>
       </a:schemeClr>
     </dgm:fillClrLst>
@@ -232,8 +203,8 @@
     <dgm:txEffectClrLst/>
   </dgm:styleLbl>
   <dgm:styleLbl name="node2">
-    <dgm:fillClrLst>
-      <a:schemeClr val="accent2"/>
+    <dgm:fillClrLst meth="repeat">
+      <a:schemeClr val="accent1"/>
     </dgm:fillClrLst>
     <dgm:linClrLst meth="repeat">
       <a:schemeClr val="lt1"/>
@@ -244,8 +215,8 @@
     <dgm:txEffectClrLst/>
   </dgm:styleLbl>
   <dgm:styleLbl name="node3">
-    <dgm:fillClrLst>
-      <a:schemeClr val="accent3"/>
+    <dgm:fillClrLst meth="repeat">
+      <a:schemeClr val="accent1"/>
     </dgm:fillClrLst>
     <dgm:linClrLst meth="repeat">
       <a:schemeClr val="lt1"/>
@@ -256,8 +227,8 @@
     <dgm:txEffectClrLst/>
   </dgm:styleLbl>
   <dgm:styleLbl name="node4">
-    <dgm:fillClrLst>
-      <a:schemeClr val="accent4"/>
+    <dgm:fillClrLst meth="repeat">
+      <a:schemeClr val="accent1"/>
     </dgm:fillClrLst>
     <dgm:linClrLst meth="repeat">
       <a:schemeClr val="lt1"/>
@@ -269,19 +240,7 @@
   </dgm:styleLbl>
   <dgm:styleLbl name="fgImgPlace1">
     <dgm:fillClrLst meth="repeat">
-      <a:schemeClr val="accent2">
-        <a:tint val="50000"/>
-      </a:schemeClr>
-      <a:schemeClr val="accent3">
-        <a:tint val="50000"/>
-      </a:schemeClr>
-      <a:schemeClr val="accent4">
-        <a:tint val="50000"/>
-      </a:schemeClr>
-      <a:schemeClr val="accent5">
-        <a:tint val="50000"/>
-      </a:schemeClr>
-      <a:schemeClr val="accent6">
+      <a:schemeClr val="accent1">
         <a:tint val="50000"/>
       </a:schemeClr>
     </dgm:fillClrLst>
@@ -296,12 +255,9 @@
     <dgm:txEffectClrLst/>
   </dgm:styleLbl>
   <dgm:styleLbl name="alignImgPlace1">
-    <dgm:fillClrLst>
+    <dgm:fillClrLst meth="repeat">
       <a:schemeClr val="accent1">
         <a:tint val="50000"/>
-      </a:schemeClr>
-      <a:schemeClr val="accent2">
-        <a:tint val="20000"/>
       </a:schemeClr>
     </dgm:fillClrLst>
     <dgm:linClrLst meth="repeat">
@@ -315,12 +271,9 @@
     <dgm:txEffectClrLst/>
   </dgm:styleLbl>
   <dgm:styleLbl name="bgImgPlace1">
-    <dgm:fillClrLst>
+    <dgm:fillClrLst meth="repeat">
       <a:schemeClr val="accent1">
         <a:tint val="50000"/>
-      </a:schemeClr>
-      <a:schemeClr val="accent2">
-        <a:tint val="20000"/>
       </a:schemeClr>
     </dgm:fillClrLst>
     <dgm:linClrLst meth="repeat">
@@ -335,14 +288,14 @@
   </dgm:styleLbl>
   <dgm:styleLbl name="sibTrans2D1">
     <dgm:fillClrLst meth="repeat">
-      <a:schemeClr val="accent2"/>
-      <a:schemeClr val="accent3"/>
-      <a:schemeClr val="accent4"/>
-      <a:schemeClr val="accent5"/>
-      <a:schemeClr val="accent6"/>
+      <a:schemeClr val="accent1">
+        <a:tint val="60000"/>
+      </a:schemeClr>
     </dgm:fillClrLst>
-    <dgm:linClrLst meth="cycle">
-      <a:schemeClr val="lt1"/>
+    <dgm:linClrLst meth="repeat">
+      <a:schemeClr val="accent1">
+        <a:tint val="60000"/>
+      </a:schemeClr>
     </dgm:linClrLst>
     <dgm:effectClrLst/>
     <dgm:txLinClrLst/>
@@ -351,54 +304,42 @@
   </dgm:styleLbl>
   <dgm:styleLbl name="fgSibTrans2D1">
     <dgm:fillClrLst meth="repeat">
-      <a:schemeClr val="accent2"/>
-      <a:schemeClr val="accent3"/>
-      <a:schemeClr val="accent4"/>
-      <a:schemeClr val="accent5"/>
-      <a:schemeClr val="accent6"/>
+      <a:schemeClr val="accent1">
+        <a:tint val="60000"/>
+      </a:schemeClr>
     </dgm:fillClrLst>
-    <dgm:linClrLst meth="cycle">
-      <a:schemeClr val="lt1"/>
+    <dgm:linClrLst meth="repeat">
+      <a:schemeClr val="accent1">
+        <a:tint val="60000"/>
+      </a:schemeClr>
     </dgm:linClrLst>
     <dgm:effectClrLst/>
     <dgm:txLinClrLst/>
-    <dgm:txFillClrLst meth="repeat">
-      <a:schemeClr val="lt1"/>
-    </dgm:txFillClrLst>
+    <dgm:txFillClrLst/>
     <dgm:txEffectClrLst/>
   </dgm:styleLbl>
   <dgm:styleLbl name="bgSibTrans2D1">
     <dgm:fillClrLst meth="repeat">
-      <a:schemeClr val="accent2"/>
-      <a:schemeClr val="accent3"/>
-      <a:schemeClr val="accent4"/>
-      <a:schemeClr val="accent5"/>
-      <a:schemeClr val="accent6"/>
+      <a:schemeClr val="accent1">
+        <a:tint val="60000"/>
+      </a:schemeClr>
     </dgm:fillClrLst>
-    <dgm:linClrLst meth="cycle">
-      <a:schemeClr val="lt1"/>
+    <dgm:linClrLst meth="repeat">
+      <a:schemeClr val="accent1">
+        <a:tint val="60000"/>
+      </a:schemeClr>
     </dgm:linClrLst>
     <dgm:effectClrLst/>
     <dgm:txLinClrLst/>
-    <dgm:txFillClrLst meth="repeat">
-      <a:schemeClr val="lt1"/>
-    </dgm:txFillClrLst>
+    <dgm:txFillClrLst/>
     <dgm:txEffectClrLst/>
   </dgm:styleLbl>
   <dgm:styleLbl name="sibTrans1D1">
     <dgm:fillClrLst meth="repeat">
-      <a:schemeClr val="accent2"/>
-      <a:schemeClr val="accent3"/>
-      <a:schemeClr val="accent4"/>
-      <a:schemeClr val="accent5"/>
-      <a:schemeClr val="accent6"/>
+      <a:schemeClr val="accent1"/>
     </dgm:fillClrLst>
     <dgm:linClrLst meth="repeat">
-      <a:schemeClr val="accent2"/>
-      <a:schemeClr val="accent3"/>
-      <a:schemeClr val="accent4"/>
-      <a:schemeClr val="accent5"/>
-      <a:schemeClr val="accent6"/>
+      <a:schemeClr val="accent1"/>
     </dgm:linClrLst>
     <dgm:effectClrLst/>
     <dgm:txLinClrLst/>
@@ -409,10 +350,10 @@
   </dgm:styleLbl>
   <dgm:styleLbl name="callout">
     <dgm:fillClrLst meth="repeat">
-      <a:schemeClr val="accent2"/>
+      <a:schemeClr val="accent1"/>
     </dgm:fillClrLst>
     <dgm:linClrLst meth="repeat">
-      <a:schemeClr val="accent2">
+      <a:schemeClr val="accent1">
         <a:tint val="50000"/>
       </a:schemeClr>
     </dgm:linClrLst>
@@ -437,7 +378,7 @@
   </dgm:styleLbl>
   <dgm:styleLbl name="asst1">
     <dgm:fillClrLst meth="repeat">
-      <a:schemeClr val="accent2"/>
+      <a:schemeClr val="accent1"/>
     </dgm:fillClrLst>
     <dgm:linClrLst meth="repeat">
       <a:schemeClr val="lt1"/>
@@ -448,8 +389,8 @@
     <dgm:txEffectClrLst/>
   </dgm:styleLbl>
   <dgm:styleLbl name="asst2">
-    <dgm:fillClrLst>
-      <a:schemeClr val="accent3"/>
+    <dgm:fillClrLst meth="repeat">
+      <a:schemeClr val="accent1"/>
     </dgm:fillClrLst>
     <dgm:linClrLst meth="repeat">
       <a:schemeClr val="lt1"/>
@@ -460,8 +401,8 @@
     <dgm:txEffectClrLst/>
   </dgm:styleLbl>
   <dgm:styleLbl name="asst3">
-    <dgm:fillClrLst>
-      <a:schemeClr val="accent4"/>
+    <dgm:fillClrLst meth="repeat">
+      <a:schemeClr val="accent1"/>
     </dgm:fillClrLst>
     <dgm:linClrLst meth="repeat">
       <a:schemeClr val="lt1"/>
@@ -472,8 +413,8 @@
     <dgm:txEffectClrLst/>
   </dgm:styleLbl>
   <dgm:styleLbl name="asst4">
-    <dgm:fillClrLst>
-      <a:schemeClr val="accent5"/>
+    <dgm:fillClrLst meth="repeat">
+      <a:schemeClr val="accent1"/>
     </dgm:fillClrLst>
     <dgm:linClrLst meth="repeat">
       <a:schemeClr val="lt1"/>
@@ -485,10 +426,14 @@
   </dgm:styleLbl>
   <dgm:styleLbl name="parChTrans2D1">
     <dgm:fillClrLst meth="repeat">
-      <a:schemeClr val="accent2"/>
+      <a:schemeClr val="accent1">
+        <a:tint val="60000"/>
+      </a:schemeClr>
     </dgm:fillClrLst>
     <dgm:linClrLst meth="repeat">
-      <a:schemeClr val="lt1"/>
+      <a:schemeClr val="accent1">
+        <a:tint val="60000"/>
+      </a:schemeClr>
     </dgm:linClrLst>
     <dgm:effectClrLst/>
     <dgm:txLinClrLst/>
@@ -499,34 +444,38 @@
   </dgm:styleLbl>
   <dgm:styleLbl name="parChTrans2D2">
     <dgm:fillClrLst meth="repeat">
-      <a:schemeClr val="accent3"/>
+      <a:schemeClr val="accent1"/>
     </dgm:fillClrLst>
     <dgm:linClrLst meth="repeat">
-      <a:schemeClr val="lt1"/>
+      <a:schemeClr val="accent1"/>
     </dgm:linClrLst>
     <dgm:effectClrLst/>
     <dgm:txLinClrLst/>
-    <dgm:txFillClrLst/>
+    <dgm:txFillClrLst meth="repeat">
+      <a:schemeClr val="lt1"/>
+    </dgm:txFillClrLst>
     <dgm:txEffectClrLst/>
   </dgm:styleLbl>
   <dgm:styleLbl name="parChTrans2D3">
     <dgm:fillClrLst meth="repeat">
-      <a:schemeClr val="accent4"/>
+      <a:schemeClr val="accent1"/>
     </dgm:fillClrLst>
     <dgm:linClrLst meth="repeat">
-      <a:schemeClr val="lt1"/>
+      <a:schemeClr val="accent1"/>
     </dgm:linClrLst>
     <dgm:effectClrLst/>
     <dgm:txLinClrLst/>
-    <dgm:txFillClrLst/>
+    <dgm:txFillClrLst meth="repeat">
+      <a:schemeClr val="lt1"/>
+    </dgm:txFillClrLst>
     <dgm:txEffectClrLst/>
   </dgm:styleLbl>
   <dgm:styleLbl name="parChTrans2D4">
     <dgm:fillClrLst meth="repeat">
-      <a:schemeClr val="accent5"/>
+      <a:schemeClr val="accent1"/>
     </dgm:fillClrLst>
     <dgm:linClrLst meth="repeat">
-      <a:schemeClr val="lt1"/>
+      <a:schemeClr val="accent1"/>
     </dgm:linClrLst>
     <dgm:effectClrLst/>
     <dgm:txLinClrLst/>
@@ -537,10 +486,12 @@
   </dgm:styleLbl>
   <dgm:styleLbl name="parChTrans1D1">
     <dgm:fillClrLst meth="repeat">
-      <a:schemeClr val="accent2"/>
+      <a:schemeClr val="accent1"/>
     </dgm:fillClrLst>
     <dgm:linClrLst meth="repeat">
-      <a:schemeClr val="accent1"/>
+      <a:schemeClr val="accent1">
+        <a:shade val="60000"/>
+      </a:schemeClr>
     </dgm:linClrLst>
     <dgm:effectClrLst/>
     <dgm:txLinClrLst/>
@@ -551,12 +502,12 @@
   </dgm:styleLbl>
   <dgm:styleLbl name="parChTrans1D2">
     <dgm:fillClrLst meth="repeat">
-      <a:schemeClr val="accent3">
-        <a:tint val="90000"/>
-      </a:schemeClr>
+      <a:schemeClr val="accent1"/>
     </dgm:fillClrLst>
     <dgm:linClrLst meth="repeat">
-      <a:schemeClr val="accent2"/>
+      <a:schemeClr val="accent1">
+        <a:shade val="60000"/>
+      </a:schemeClr>
     </dgm:linClrLst>
     <dgm:effectClrLst/>
     <dgm:txLinClrLst/>
@@ -567,12 +518,12 @@
   </dgm:styleLbl>
   <dgm:styleLbl name="parChTrans1D3">
     <dgm:fillClrLst meth="repeat">
-      <a:schemeClr val="accent4">
-        <a:tint val="70000"/>
-      </a:schemeClr>
+      <a:schemeClr val="accent1"/>
     </dgm:fillClrLst>
     <dgm:linClrLst meth="repeat">
-      <a:schemeClr val="accent3"/>
+      <a:schemeClr val="accent1">
+        <a:shade val="80000"/>
+      </a:schemeClr>
     </dgm:linClrLst>
     <dgm:effectClrLst/>
     <dgm:txLinClrLst/>
@@ -583,12 +534,12 @@
   </dgm:styleLbl>
   <dgm:styleLbl name="parChTrans1D4">
     <dgm:fillClrLst meth="repeat">
-      <a:schemeClr val="accent5">
-        <a:tint val="50000"/>
-      </a:schemeClr>
+      <a:schemeClr val="accent1"/>
     </dgm:fillClrLst>
     <dgm:linClrLst meth="repeat">
-      <a:schemeClr val="accent4"/>
+      <a:schemeClr val="accent1">
+        <a:shade val="80000"/>
+      </a:schemeClr>
     </dgm:linClrLst>
     <dgm:effectClrLst/>
     <dgm:txLinClrLst/>
@@ -604,11 +555,7 @@
       </a:schemeClr>
     </dgm:fillClrLst>
     <dgm:linClrLst meth="repeat">
-      <a:schemeClr val="accent2"/>
-      <a:schemeClr val="accent3"/>
-      <a:schemeClr val="accent4"/>
-      <a:schemeClr val="accent5"/>
-      <a:schemeClr val="accent6"/>
+      <a:schemeClr val="accent1"/>
     </dgm:linClrLst>
     <dgm:effectClrLst/>
     <dgm:txLinClrLst/>
@@ -624,11 +571,7 @@
       </a:schemeClr>
     </dgm:fillClrLst>
     <dgm:linClrLst meth="repeat">
-      <a:schemeClr val="accent2"/>
-      <a:schemeClr val="accent3"/>
-      <a:schemeClr val="accent4"/>
-      <a:schemeClr val="accent5"/>
-      <a:schemeClr val="accent6"/>
+      <a:schemeClr val="accent1"/>
     </dgm:linClrLst>
     <dgm:effectClrLst/>
     <dgm:txLinClrLst/>
@@ -644,11 +587,7 @@
       </a:schemeClr>
     </dgm:fillClrLst>
     <dgm:linClrLst meth="repeat">
-      <a:schemeClr val="accent2"/>
-      <a:schemeClr val="accent3"/>
-      <a:schemeClr val="accent4"/>
-      <a:schemeClr val="accent5"/>
-      <a:schemeClr val="accent6"/>
+      <a:schemeClr val="accent1"/>
     </dgm:linClrLst>
     <dgm:effectClrLst/>
     <dgm:txLinClrLst/>
@@ -680,11 +619,7 @@
       </a:schemeClr>
     </dgm:fillClrLst>
     <dgm:linClrLst meth="repeat">
-      <a:schemeClr val="accent2"/>
-      <a:schemeClr val="accent3"/>
-      <a:schemeClr val="accent4"/>
-      <a:schemeClr val="accent5"/>
-      <a:schemeClr val="accent6"/>
+      <a:schemeClr val="accent1"/>
     </dgm:linClrLst>
     <dgm:effectClrLst/>
     <dgm:txLinClrLst/>
@@ -698,11 +633,7 @@
       <a:schemeClr val="lt1"/>
     </dgm:fillClrLst>
     <dgm:linClrLst meth="repeat">
-      <a:schemeClr val="accent2"/>
-      <a:schemeClr val="accent3"/>
-      <a:schemeClr val="accent4"/>
-      <a:schemeClr val="accent5"/>
-      <a:schemeClr val="accent6"/>
+      <a:schemeClr val="accent1"/>
     </dgm:linClrLst>
     <dgm:effectClrLst/>
     <dgm:txLinClrLst/>
@@ -716,11 +647,7 @@
       <a:schemeClr val="lt1"/>
     </dgm:fillClrLst>
     <dgm:linClrLst meth="repeat">
-      <a:schemeClr val="accent2"/>
-      <a:schemeClr val="accent3"/>
-      <a:schemeClr val="accent4"/>
-      <a:schemeClr val="accent5"/>
-      <a:schemeClr val="accent6"/>
+      <a:schemeClr val="accent1"/>
     </dgm:linClrLst>
     <dgm:effectClrLst/>
     <dgm:txLinClrLst/>
@@ -734,11 +661,7 @@
       <a:schemeClr val="lt1"/>
     </dgm:fillClrLst>
     <dgm:linClrLst meth="repeat">
-      <a:schemeClr val="accent2"/>
-      <a:schemeClr val="accent3"/>
-      <a:schemeClr val="accent4"/>
-      <a:schemeClr val="accent5"/>
-      <a:schemeClr val="accent6"/>
+      <a:schemeClr val="accent1"/>
     </dgm:linClrLst>
     <dgm:effectClrLst/>
     <dgm:txLinClrLst/>
@@ -749,47 +672,15 @@
   </dgm:styleLbl>
   <dgm:styleLbl name="fgAccFollowNode1">
     <dgm:fillClrLst meth="repeat">
-      <a:schemeClr val="accent2">
+      <a:schemeClr val="accent1">
+        <a:alpha val="90000"/>
         <a:tint val="40000"/>
-        <a:alpha val="90000"/>
-      </a:schemeClr>
-      <a:schemeClr val="accent3">
-        <a:tint val="40000"/>
-        <a:alpha val="90000"/>
-      </a:schemeClr>
-      <a:schemeClr val="accent4">
-        <a:tint val="40000"/>
-        <a:alpha val="90000"/>
-      </a:schemeClr>
-      <a:schemeClr val="accent5">
-        <a:tint val="40000"/>
-        <a:alpha val="90000"/>
-      </a:schemeClr>
-      <a:schemeClr val="accent6">
-        <a:tint val="40000"/>
-        <a:alpha val="90000"/>
       </a:schemeClr>
     </dgm:fillClrLst>
     <dgm:linClrLst meth="repeat">
-      <a:schemeClr val="accent2">
+      <a:schemeClr val="accent1">
+        <a:alpha val="90000"/>
         <a:tint val="40000"/>
-        <a:alpha val="90000"/>
-      </a:schemeClr>
-      <a:schemeClr val="accent3">
-        <a:tint val="40000"/>
-        <a:alpha val="90000"/>
-      </a:schemeClr>
-      <a:schemeClr val="accent4">
-        <a:tint val="40000"/>
-        <a:alpha val="90000"/>
-      </a:schemeClr>
-      <a:schemeClr val="accent5">
-        <a:tint val="40000"/>
-        <a:alpha val="90000"/>
-      </a:schemeClr>
-      <a:schemeClr val="accent6">
-        <a:tint val="40000"/>
-        <a:alpha val="90000"/>
       </a:schemeClr>
     </dgm:linClrLst>
     <dgm:effectClrLst/>
@@ -801,47 +692,15 @@
   </dgm:styleLbl>
   <dgm:styleLbl name="alignAccFollowNode1">
     <dgm:fillClrLst meth="repeat">
-      <a:schemeClr val="accent2">
+      <a:schemeClr val="accent1">
+        <a:alpha val="90000"/>
         <a:tint val="40000"/>
-        <a:alpha val="90000"/>
-      </a:schemeClr>
-      <a:schemeClr val="accent3">
-        <a:tint val="40000"/>
-        <a:alpha val="90000"/>
-      </a:schemeClr>
-      <a:schemeClr val="accent4">
-        <a:tint val="40000"/>
-        <a:alpha val="90000"/>
-      </a:schemeClr>
-      <a:schemeClr val="accent5">
-        <a:tint val="40000"/>
-        <a:alpha val="90000"/>
-      </a:schemeClr>
-      <a:schemeClr val="accent6">
-        <a:tint val="40000"/>
-        <a:alpha val="90000"/>
       </a:schemeClr>
     </dgm:fillClrLst>
     <dgm:linClrLst meth="repeat">
-      <a:schemeClr val="accent2">
+      <a:schemeClr val="accent1">
+        <a:alpha val="90000"/>
         <a:tint val="40000"/>
-        <a:alpha val="90000"/>
-      </a:schemeClr>
-      <a:schemeClr val="accent3">
-        <a:tint val="40000"/>
-        <a:alpha val="90000"/>
-      </a:schemeClr>
-      <a:schemeClr val="accent4">
-        <a:tint val="40000"/>
-        <a:alpha val="90000"/>
-      </a:schemeClr>
-      <a:schemeClr val="accent5">
-        <a:tint val="40000"/>
-        <a:alpha val="90000"/>
-      </a:schemeClr>
-      <a:schemeClr val="accent6">
-        <a:tint val="40000"/>
-        <a:alpha val="90000"/>
       </a:schemeClr>
     </dgm:linClrLst>
     <dgm:effectClrLst/>
@@ -853,47 +712,15 @@
   </dgm:styleLbl>
   <dgm:styleLbl name="bgAccFollowNode1">
     <dgm:fillClrLst meth="repeat">
-      <a:schemeClr val="accent2">
+      <a:schemeClr val="accent1">
+        <a:alpha val="90000"/>
         <a:tint val="40000"/>
-        <a:alpha val="90000"/>
-      </a:schemeClr>
-      <a:schemeClr val="accent3">
-        <a:tint val="40000"/>
-        <a:alpha val="90000"/>
-      </a:schemeClr>
-      <a:schemeClr val="accent4">
-        <a:tint val="40000"/>
-        <a:alpha val="90000"/>
-      </a:schemeClr>
-      <a:schemeClr val="accent5">
-        <a:tint val="40000"/>
-        <a:alpha val="90000"/>
-      </a:schemeClr>
-      <a:schemeClr val="accent6">
-        <a:tint val="40000"/>
-        <a:alpha val="90000"/>
       </a:schemeClr>
     </dgm:fillClrLst>
     <dgm:linClrLst meth="repeat">
-      <a:schemeClr val="accent2">
+      <a:schemeClr val="accent1">
+        <a:alpha val="90000"/>
         <a:tint val="40000"/>
-        <a:alpha val="90000"/>
-      </a:schemeClr>
-      <a:schemeClr val="accent3">
-        <a:tint val="40000"/>
-        <a:alpha val="90000"/>
-      </a:schemeClr>
-      <a:schemeClr val="accent4">
-        <a:tint val="40000"/>
-        <a:alpha val="90000"/>
-      </a:schemeClr>
-      <a:schemeClr val="accent5">
-        <a:tint val="40000"/>
-        <a:alpha val="90000"/>
-      </a:schemeClr>
-      <a:schemeClr val="accent6">
-        <a:tint val="40000"/>
-        <a:alpha val="90000"/>
       </a:schemeClr>
     </dgm:linClrLst>
     <dgm:effectClrLst/>
@@ -909,7 +736,7 @@
         <a:alpha val="90000"/>
       </a:schemeClr>
     </dgm:fillClrLst>
-    <dgm:linClrLst>
+    <dgm:linClrLst meth="repeat">
       <a:schemeClr val="accent1"/>
     </dgm:linClrLst>
     <dgm:effectClrLst/>
@@ -925,8 +752,8 @@
         <a:alpha val="90000"/>
       </a:schemeClr>
     </dgm:fillClrLst>
-    <dgm:linClrLst>
-      <a:schemeClr val="accent2"/>
+    <dgm:linClrLst meth="repeat">
+      <a:schemeClr val="accent1"/>
     </dgm:linClrLst>
     <dgm:effectClrLst/>
     <dgm:txLinClrLst/>
@@ -941,8 +768,8 @@
         <a:alpha val="90000"/>
       </a:schemeClr>
     </dgm:fillClrLst>
-    <dgm:linClrLst>
-      <a:schemeClr val="accent3"/>
+    <dgm:linClrLst meth="repeat">
+      <a:schemeClr val="accent1"/>
     </dgm:linClrLst>
     <dgm:effectClrLst/>
     <dgm:txLinClrLst/>
@@ -957,8 +784,8 @@
         <a:alpha val="90000"/>
       </a:schemeClr>
     </dgm:fillClrLst>
-    <dgm:linClrLst>
-      <a:schemeClr val="accent4"/>
+    <dgm:linClrLst meth="repeat">
+      <a:schemeClr val="accent1"/>
     </dgm:linClrLst>
     <dgm:effectClrLst/>
     <dgm:txLinClrLst/>
@@ -969,12 +796,12 @@
   </dgm:styleLbl>
   <dgm:styleLbl name="bgShp">
     <dgm:fillClrLst meth="repeat">
-      <a:schemeClr val="accent2">
+      <a:schemeClr val="accent1">
         <a:tint val="40000"/>
       </a:schemeClr>
     </dgm:fillClrLst>
     <dgm:linClrLst meth="repeat">
-      <a:schemeClr val="dk1"/>
+      <a:schemeClr val="accent1"/>
     </dgm:linClrLst>
     <dgm:effectClrLst/>
     <dgm:txLinClrLst/>
@@ -985,12 +812,12 @@
   </dgm:styleLbl>
   <dgm:styleLbl name="dkBgShp">
     <dgm:fillClrLst meth="repeat">
-      <a:schemeClr val="accent2">
-        <a:shade val="90000"/>
+      <a:schemeClr val="accent1">
+        <a:shade val="80000"/>
       </a:schemeClr>
     </dgm:fillClrLst>
     <dgm:linClrLst meth="repeat">
-      <a:schemeClr val="dk1"/>
+      <a:schemeClr val="accent1"/>
     </dgm:linClrLst>
     <dgm:effectClrLst/>
     <dgm:txLinClrLst/>
@@ -1007,7 +834,7 @@
       </a:schemeClr>
     </dgm:fillClrLst>
     <dgm:linClrLst meth="repeat">
-      <a:schemeClr val="accent2"/>
+      <a:schemeClr val="accent1"/>
     </dgm:linClrLst>
     <dgm:effectClrLst/>
     <dgm:txLinClrLst/>
@@ -1018,8 +845,8 @@
   </dgm:styleLbl>
   <dgm:styleLbl name="fgShp">
     <dgm:fillClrLst meth="repeat">
-      <a:schemeClr val="accent2">
-        <a:tint val="40000"/>
+      <a:schemeClr val="accent1">
+        <a:tint val="60000"/>
       </a:schemeClr>
     </dgm:fillClrLst>
     <dgm:linClrLst meth="repeat">
@@ -1057,7 +884,7 @@
 <dgm:dataModel xmlns:dgm="http://schemas.openxmlformats.org/drawingml/2006/diagram" xmlns:a="http://schemas.openxmlformats.org/drawingml/2006/main">
   <dgm:ptLst>
     <dgm:pt modelId="{2ED485D3-2C5C-4E01-ADD3-4765B2740BC3}" type="doc">
-      <dgm:prSet loTypeId="urn:microsoft.com/office/officeart/2018/2/layout/IconLabelList" loCatId="icon" qsTypeId="urn:microsoft.com/office/officeart/2005/8/quickstyle/simple1" qsCatId="simple" csTypeId="urn:microsoft.com/office/officeart/2005/8/colors/colorful1" csCatId="colorful" phldr="1"/>
+      <dgm:prSet loTypeId="urn:microsoft.com/office/officeart/2005/8/layout/vList2" loCatId="list" qsTypeId="urn:microsoft.com/office/officeart/2005/8/quickstyle/simple5" qsCatId="simple" csTypeId="urn:microsoft.com/office/officeart/2005/8/colors/accent1_2" csCatId="accent1" phldr="1"/>
       <dgm:spPr/>
       <dgm:t>
         <a:bodyPr/>
@@ -1074,11 +901,6 @@
         <a:bodyPr/>
         <a:lstStyle/>
         <a:p>
-          <a:pPr>
-            <a:lnSpc>
-              <a:spcPct val="100000"/>
-            </a:lnSpc>
-          </a:pPr>
           <a:r>
             <a:rPr lang="en-US"/>
             <a:t>Access to the database controlled by code (Injection OWASP-1)</a:t>
@@ -1115,11 +937,6 @@
         <a:bodyPr/>
         <a:lstStyle/>
         <a:p>
-          <a:pPr>
-            <a:lnSpc>
-              <a:spcPct val="100000"/>
-            </a:lnSpc>
-          </a:pPr>
           <a:r>
             <a:rPr lang="en-US"/>
             <a:t>Passwords are hashed by the application (Broken Authentication OWASP-2)</a:t>
@@ -1156,11 +973,6 @@
         <a:bodyPr/>
         <a:lstStyle/>
         <a:p>
-          <a:pPr>
-            <a:lnSpc>
-              <a:spcPct val="100000"/>
-            </a:lnSpc>
-          </a:pPr>
           <a:r>
             <a:rPr lang="en-US"/>
             <a:t>Application uses frameworks with a proven record of security (OWIN, Identity, EF) (Using Components with Known Vulnerabilities OWASP-9)</a:t>
@@ -1190,178 +1002,70 @@
         </a:p>
       </dgm:t>
     </dgm:pt>
-    <dgm:pt modelId="{5CC647DB-5BDF-4AF8-AEEA-184B01629215}" type="pres">
-      <dgm:prSet presAssocID="{2ED485D3-2C5C-4E01-ADD3-4765B2740BC3}" presName="root" presStyleCnt="0">
+    <dgm:pt modelId="{9E9B11CC-9EB2-4AF7-B704-81C510FE982E}" type="pres">
+      <dgm:prSet presAssocID="{2ED485D3-2C5C-4E01-ADD3-4765B2740BC3}" presName="linear" presStyleCnt="0">
         <dgm:presLayoutVars>
-          <dgm:dir/>
+          <dgm:animLvl val="lvl"/>
           <dgm:resizeHandles val="exact"/>
         </dgm:presLayoutVars>
       </dgm:prSet>
       <dgm:spPr/>
     </dgm:pt>
-    <dgm:pt modelId="{129F9561-2FD5-4B14-8D26-D4B3C2399D38}" type="pres">
-      <dgm:prSet presAssocID="{791EA031-54A6-4104-87DA-42BA0BF11A0B}" presName="compNode" presStyleCnt="0"/>
-      <dgm:spPr/>
-    </dgm:pt>
-    <dgm:pt modelId="{112CFE83-653E-4419-B9B3-ED4849EDD656}" type="pres">
-      <dgm:prSet presAssocID="{791EA031-54A6-4104-87DA-42BA0BF11A0B}" presName="iconRect" presStyleLbl="node1" presStyleIdx="0" presStyleCnt="3"/>
-      <dgm:spPr>
-        <a:blipFill>
-          <a:blip xmlns:r="http://schemas.openxmlformats.org/officeDocument/2006/relationships" r:embed="rId1">
-            <a:extLst>
-              <a:ext uri="{28A0092B-C50C-407E-A947-70E740481C1C}">
-                <a14:useLocalDpi xmlns:a14="http://schemas.microsoft.com/office/drawing/2010/main" val="0"/>
-              </a:ext>
-              <a:ext uri="{96DAC541-7B7A-43D3-8B79-37D633B846F1}">
-                <asvg:svgBlip xmlns:asvg="http://schemas.microsoft.com/office/drawing/2016/SVG/main" r:embed="rId2"/>
-              </a:ext>
-            </a:extLst>
-          </a:blip>
-          <a:stretch>
-            <a:fillRect/>
-          </a:stretch>
-        </a:blipFill>
-      </dgm:spPr>
-      <dgm:extLst>
-        <a:ext uri="{E40237B7-FDA0-4F09-8148-C483321AD2D9}">
-          <dgm14:cNvPr xmlns:dgm14="http://schemas.microsoft.com/office/drawing/2010/diagram" id="0" name="" descr="Processor"/>
-        </a:ext>
-      </dgm:extLst>
-    </dgm:pt>
-    <dgm:pt modelId="{A68EEEBC-63B7-43E9-887C-2F7F4787570D}" type="pres">
-      <dgm:prSet presAssocID="{791EA031-54A6-4104-87DA-42BA0BF11A0B}" presName="spaceRect" presStyleCnt="0"/>
-      <dgm:spPr/>
-    </dgm:pt>
-    <dgm:pt modelId="{D74283F4-5078-4CB5-AD73-8DFD597D6E00}" type="pres">
-      <dgm:prSet presAssocID="{791EA031-54A6-4104-87DA-42BA0BF11A0B}" presName="textRect" presStyleLbl="revTx" presStyleIdx="0" presStyleCnt="3">
+    <dgm:pt modelId="{E6F8CB63-971A-4DC7-AC52-2D7DFC4612B2}" type="pres">
+      <dgm:prSet presAssocID="{791EA031-54A6-4104-87DA-42BA0BF11A0B}" presName="parentText" presStyleLbl="node1" presStyleIdx="0" presStyleCnt="3">
         <dgm:presLayoutVars>
-          <dgm:chMax val="1"/>
-          <dgm:chPref val="1"/>
+          <dgm:chMax val="0"/>
+          <dgm:bulletEnabled val="1"/>
         </dgm:presLayoutVars>
       </dgm:prSet>
       <dgm:spPr/>
     </dgm:pt>
-    <dgm:pt modelId="{08A44560-E5E0-4362-B0E2-F2E62B2E4242}" type="pres">
-      <dgm:prSet presAssocID="{7839FC1C-C82D-4161-BF59-43662DB60720}" presName="sibTrans" presStyleCnt="0"/>
+    <dgm:pt modelId="{D5D7FB1A-4140-4015-9EF4-C4C78BB4CCC4}" type="pres">
+      <dgm:prSet presAssocID="{7839FC1C-C82D-4161-BF59-43662DB60720}" presName="spacer" presStyleCnt="0"/>
       <dgm:spPr/>
     </dgm:pt>
-    <dgm:pt modelId="{12643E23-71BA-467B-88F2-F9267244B658}" type="pres">
-      <dgm:prSet presAssocID="{A1A2352E-2880-4E23-9AC4-EF9FCC0040BE}" presName="compNode" presStyleCnt="0"/>
-      <dgm:spPr/>
-    </dgm:pt>
-    <dgm:pt modelId="{2C8612BB-576E-4D5B-A0F6-7FF4047CB451}" type="pres">
-      <dgm:prSet presAssocID="{A1A2352E-2880-4E23-9AC4-EF9FCC0040BE}" presName="iconRect" presStyleLbl="node1" presStyleIdx="1" presStyleCnt="3"/>
-      <dgm:spPr>
-        <a:blipFill>
-          <a:blip xmlns:r="http://schemas.openxmlformats.org/officeDocument/2006/relationships" r:embed="rId3">
-            <a:extLst>
-              <a:ext uri="{28A0092B-C50C-407E-A947-70E740481C1C}">
-                <a14:useLocalDpi xmlns:a14="http://schemas.microsoft.com/office/drawing/2010/main" val="0"/>
-              </a:ext>
-              <a:ext uri="{96DAC541-7B7A-43D3-8B79-37D633B846F1}">
-                <asvg:svgBlip xmlns:asvg="http://schemas.microsoft.com/office/drawing/2016/SVG/main" r:embed="rId4"/>
-              </a:ext>
-            </a:extLst>
-          </a:blip>
-          <a:stretch>
-            <a:fillRect/>
-          </a:stretch>
-        </a:blipFill>
-      </dgm:spPr>
-      <dgm:extLst>
-        <a:ext uri="{E40237B7-FDA0-4F09-8148-C483321AD2D9}">
-          <dgm14:cNvPr xmlns:dgm14="http://schemas.microsoft.com/office/drawing/2010/diagram" id="0" name="" descr="Unlock"/>
-        </a:ext>
-      </dgm:extLst>
-    </dgm:pt>
-    <dgm:pt modelId="{67B5A9F3-54D1-4ED6-BCF4-565F5ED72EB7}" type="pres">
-      <dgm:prSet presAssocID="{A1A2352E-2880-4E23-9AC4-EF9FCC0040BE}" presName="spaceRect" presStyleCnt="0"/>
-      <dgm:spPr/>
-    </dgm:pt>
-    <dgm:pt modelId="{6B145A81-06CD-43D2-B001-AE7C5D96DD76}" type="pres">
-      <dgm:prSet presAssocID="{A1A2352E-2880-4E23-9AC4-EF9FCC0040BE}" presName="textRect" presStyleLbl="revTx" presStyleIdx="1" presStyleCnt="3">
+    <dgm:pt modelId="{22ABCFE8-669F-4A41-950E-8A6C1C45AA52}" type="pres">
+      <dgm:prSet presAssocID="{A1A2352E-2880-4E23-9AC4-EF9FCC0040BE}" presName="parentText" presStyleLbl="node1" presStyleIdx="1" presStyleCnt="3">
         <dgm:presLayoutVars>
-          <dgm:chMax val="1"/>
-          <dgm:chPref val="1"/>
+          <dgm:chMax val="0"/>
+          <dgm:bulletEnabled val="1"/>
         </dgm:presLayoutVars>
       </dgm:prSet>
       <dgm:spPr/>
     </dgm:pt>
-    <dgm:pt modelId="{25DB7031-4B19-408F-A16C-8EB0BBC1A838}" type="pres">
-      <dgm:prSet presAssocID="{B1B0B502-3A60-4638-B955-3C474BD88937}" presName="sibTrans" presStyleCnt="0"/>
+    <dgm:pt modelId="{61EE9F24-2D44-4703-9E5D-C576C0D4F0B5}" type="pres">
+      <dgm:prSet presAssocID="{B1B0B502-3A60-4638-B955-3C474BD88937}" presName="spacer" presStyleCnt="0"/>
       <dgm:spPr/>
     </dgm:pt>
-    <dgm:pt modelId="{E9AFDB92-6599-4EAF-B0AE-865171758F09}" type="pres">
-      <dgm:prSet presAssocID="{DA5F7A42-F288-40EA-822D-BA2BD33D51A9}" presName="compNode" presStyleCnt="0"/>
-      <dgm:spPr/>
-    </dgm:pt>
-    <dgm:pt modelId="{38E3979D-5289-4D81-B9B4-5E1D70B36FA6}" type="pres">
-      <dgm:prSet presAssocID="{DA5F7A42-F288-40EA-822D-BA2BD33D51A9}" presName="iconRect" presStyleLbl="node1" presStyleIdx="2" presStyleCnt="3"/>
-      <dgm:spPr>
-        <a:blipFill>
-          <a:blip xmlns:r="http://schemas.openxmlformats.org/officeDocument/2006/relationships" r:embed="rId5">
-            <a:extLst>
-              <a:ext uri="{28A0092B-C50C-407E-A947-70E740481C1C}">
-                <a14:useLocalDpi xmlns:a14="http://schemas.microsoft.com/office/drawing/2010/main" val="0"/>
-              </a:ext>
-              <a:ext uri="{96DAC541-7B7A-43D3-8B79-37D633B846F1}">
-                <asvg:svgBlip xmlns:asvg="http://schemas.microsoft.com/office/drawing/2016/SVG/main" r:embed="rId6"/>
-              </a:ext>
-            </a:extLst>
-          </a:blip>
-          <a:stretch>
-            <a:fillRect/>
-          </a:stretch>
-        </a:blipFill>
-      </dgm:spPr>
-      <dgm:extLst>
-        <a:ext uri="{E40237B7-FDA0-4F09-8148-C483321AD2D9}">
-          <dgm14:cNvPr xmlns:dgm14="http://schemas.microsoft.com/office/drawing/2010/diagram" id="0" name="" descr="Security Camera Sign"/>
-        </a:ext>
-      </dgm:extLst>
-    </dgm:pt>
-    <dgm:pt modelId="{F14A3010-4D64-4D53-A679-13F526378839}" type="pres">
-      <dgm:prSet presAssocID="{DA5F7A42-F288-40EA-822D-BA2BD33D51A9}" presName="spaceRect" presStyleCnt="0"/>
-      <dgm:spPr/>
-    </dgm:pt>
-    <dgm:pt modelId="{05BBCFD9-F3FC-41F1-8032-AAB99FB422EE}" type="pres">
-      <dgm:prSet presAssocID="{DA5F7A42-F288-40EA-822D-BA2BD33D51A9}" presName="textRect" presStyleLbl="revTx" presStyleIdx="2" presStyleCnt="3">
+    <dgm:pt modelId="{A7FAD159-7ADE-4DB7-8DA4-ACCD089FD207}" type="pres">
+      <dgm:prSet presAssocID="{DA5F7A42-F288-40EA-822D-BA2BD33D51A9}" presName="parentText" presStyleLbl="node1" presStyleIdx="2" presStyleCnt="3">
         <dgm:presLayoutVars>
-          <dgm:chMax val="1"/>
-          <dgm:chPref val="1"/>
+          <dgm:chMax val="0"/>
+          <dgm:bulletEnabled val="1"/>
         </dgm:presLayoutVars>
       </dgm:prSet>
       <dgm:spPr/>
     </dgm:pt>
   </dgm:ptLst>
   <dgm:cxnLst>
-    <dgm:cxn modelId="{CD7FD119-2EA4-4035-8CF3-17BB7A6155A6}" type="presOf" srcId="{2ED485D3-2C5C-4E01-ADD3-4765B2740BC3}" destId="{5CC647DB-5BDF-4AF8-AEEA-184B01629215}" srcOrd="0" destOrd="0" presId="urn:microsoft.com/office/officeart/2018/2/layout/IconLabelList"/>
     <dgm:cxn modelId="{5EE9AF20-F6A0-404A-8363-70781116C6E6}" srcId="{2ED485D3-2C5C-4E01-ADD3-4765B2740BC3}" destId="{791EA031-54A6-4104-87DA-42BA0BF11A0B}" srcOrd="0" destOrd="0" parTransId="{164D0464-FB74-4C95-AA03-3247449396E7}" sibTransId="{7839FC1C-C82D-4161-BF59-43662DB60720}"/>
-    <dgm:cxn modelId="{A44A2545-EE55-43F3-A434-21E1A3A8E30A}" type="presOf" srcId="{A1A2352E-2880-4E23-9AC4-EF9FCC0040BE}" destId="{6B145A81-06CD-43D2-B001-AE7C5D96DD76}" srcOrd="0" destOrd="0" presId="urn:microsoft.com/office/officeart/2018/2/layout/IconLabelList"/>
-    <dgm:cxn modelId="{BCEFCC81-354A-4B3D-BB9E-5A16FB5DA52D}" type="presOf" srcId="{DA5F7A42-F288-40EA-822D-BA2BD33D51A9}" destId="{05BBCFD9-F3FC-41F1-8032-AAB99FB422EE}" srcOrd="0" destOrd="0" presId="urn:microsoft.com/office/officeart/2018/2/layout/IconLabelList"/>
-    <dgm:cxn modelId="{1A8ABE86-8A79-4BF8-A857-03CAA8CFD147}" type="presOf" srcId="{791EA031-54A6-4104-87DA-42BA0BF11A0B}" destId="{D74283F4-5078-4CB5-AD73-8DFD597D6E00}" srcOrd="0" destOrd="0" presId="urn:microsoft.com/office/officeart/2018/2/layout/IconLabelList"/>
+    <dgm:cxn modelId="{44A2AC28-F185-44F8-9037-BF5D239F6212}" type="presOf" srcId="{791EA031-54A6-4104-87DA-42BA0BF11A0B}" destId="{E6F8CB63-971A-4DC7-AC52-2D7DFC4612B2}" srcOrd="0" destOrd="0" presId="urn:microsoft.com/office/officeart/2005/8/layout/vList2"/>
+    <dgm:cxn modelId="{D167B269-D3A9-4E71-A7AB-AA8EF402CA80}" type="presOf" srcId="{2ED485D3-2C5C-4E01-ADD3-4765B2740BC3}" destId="{9E9B11CC-9EB2-4AF7-B704-81C510FE982E}" srcOrd="0" destOrd="0" presId="urn:microsoft.com/office/officeart/2005/8/layout/vList2"/>
     <dgm:cxn modelId="{578FCBAE-B658-4436-8FFB-68C554FF1382}" srcId="{2ED485D3-2C5C-4E01-ADD3-4765B2740BC3}" destId="{DA5F7A42-F288-40EA-822D-BA2BD33D51A9}" srcOrd="2" destOrd="0" parTransId="{31CD53FC-829A-4055-AF6D-C50C2F2DE5BA}" sibTransId="{A71058AB-E585-4C5D-9E47-E4D6BA9A268D}"/>
     <dgm:cxn modelId="{51C6E8B0-621E-43F4-8BC3-B7D65DB895C6}" srcId="{2ED485D3-2C5C-4E01-ADD3-4765B2740BC3}" destId="{A1A2352E-2880-4E23-9AC4-EF9FCC0040BE}" srcOrd="1" destOrd="0" parTransId="{546B984E-80A7-42F7-BDFF-68055EBD8781}" sibTransId="{B1B0B502-3A60-4638-B955-3C474BD88937}"/>
-    <dgm:cxn modelId="{B7721843-21D2-416C-A724-E3008E5B60C4}" type="presParOf" srcId="{5CC647DB-5BDF-4AF8-AEEA-184B01629215}" destId="{129F9561-2FD5-4B14-8D26-D4B3C2399D38}" srcOrd="0" destOrd="0" presId="urn:microsoft.com/office/officeart/2018/2/layout/IconLabelList"/>
-    <dgm:cxn modelId="{DAD3DA46-4855-4955-AF93-6A45C8B5B739}" type="presParOf" srcId="{129F9561-2FD5-4B14-8D26-D4B3C2399D38}" destId="{112CFE83-653E-4419-B9B3-ED4849EDD656}" srcOrd="0" destOrd="0" presId="urn:microsoft.com/office/officeart/2018/2/layout/IconLabelList"/>
-    <dgm:cxn modelId="{D080959B-346C-4BF2-B4E9-E97B7A27E6CD}" type="presParOf" srcId="{129F9561-2FD5-4B14-8D26-D4B3C2399D38}" destId="{A68EEEBC-63B7-43E9-887C-2F7F4787570D}" srcOrd="1" destOrd="0" presId="urn:microsoft.com/office/officeart/2018/2/layout/IconLabelList"/>
-    <dgm:cxn modelId="{F71068A5-7482-44BC-A933-BB53DA2D2508}" type="presParOf" srcId="{129F9561-2FD5-4B14-8D26-D4B3C2399D38}" destId="{D74283F4-5078-4CB5-AD73-8DFD597D6E00}" srcOrd="2" destOrd="0" presId="urn:microsoft.com/office/officeart/2018/2/layout/IconLabelList"/>
-    <dgm:cxn modelId="{40C0A127-1A92-4D5D-ACCA-3C761E24A5E9}" type="presParOf" srcId="{5CC647DB-5BDF-4AF8-AEEA-184B01629215}" destId="{08A44560-E5E0-4362-B0E2-F2E62B2E4242}" srcOrd="1" destOrd="0" presId="urn:microsoft.com/office/officeart/2018/2/layout/IconLabelList"/>
-    <dgm:cxn modelId="{6C447E2C-223C-46EE-81C1-97EA401AAE9B}" type="presParOf" srcId="{5CC647DB-5BDF-4AF8-AEEA-184B01629215}" destId="{12643E23-71BA-467B-88F2-F9267244B658}" srcOrd="2" destOrd="0" presId="urn:microsoft.com/office/officeart/2018/2/layout/IconLabelList"/>
-    <dgm:cxn modelId="{F38B7811-C472-4D72-8C2A-3B089DE3D3C6}" type="presParOf" srcId="{12643E23-71BA-467B-88F2-F9267244B658}" destId="{2C8612BB-576E-4D5B-A0F6-7FF4047CB451}" srcOrd="0" destOrd="0" presId="urn:microsoft.com/office/officeart/2018/2/layout/IconLabelList"/>
-    <dgm:cxn modelId="{C42D6074-0D6A-41A1-ABB2-67E07BAC3937}" type="presParOf" srcId="{12643E23-71BA-467B-88F2-F9267244B658}" destId="{67B5A9F3-54D1-4ED6-BCF4-565F5ED72EB7}" srcOrd="1" destOrd="0" presId="urn:microsoft.com/office/officeart/2018/2/layout/IconLabelList"/>
-    <dgm:cxn modelId="{3ED4EFC3-B365-4787-9C0C-66981E4E22EA}" type="presParOf" srcId="{12643E23-71BA-467B-88F2-F9267244B658}" destId="{6B145A81-06CD-43D2-B001-AE7C5D96DD76}" srcOrd="2" destOrd="0" presId="urn:microsoft.com/office/officeart/2018/2/layout/IconLabelList"/>
-    <dgm:cxn modelId="{0F31FAF4-0551-44C5-9CA5-D844398F4EE7}" type="presParOf" srcId="{5CC647DB-5BDF-4AF8-AEEA-184B01629215}" destId="{25DB7031-4B19-408F-A16C-8EB0BBC1A838}" srcOrd="3" destOrd="0" presId="urn:microsoft.com/office/officeart/2018/2/layout/IconLabelList"/>
-    <dgm:cxn modelId="{C209458E-14CE-4C68-B0A6-D8EEFCFD2608}" type="presParOf" srcId="{5CC647DB-5BDF-4AF8-AEEA-184B01629215}" destId="{E9AFDB92-6599-4EAF-B0AE-865171758F09}" srcOrd="4" destOrd="0" presId="urn:microsoft.com/office/officeart/2018/2/layout/IconLabelList"/>
-    <dgm:cxn modelId="{515B4592-EFF9-4416-BE8C-7B725CB4B0B4}" type="presParOf" srcId="{E9AFDB92-6599-4EAF-B0AE-865171758F09}" destId="{38E3979D-5289-4D81-B9B4-5E1D70B36FA6}" srcOrd="0" destOrd="0" presId="urn:microsoft.com/office/officeart/2018/2/layout/IconLabelList"/>
-    <dgm:cxn modelId="{25BB2947-5FA2-44F9-AFA7-E60F3EC251EC}" type="presParOf" srcId="{E9AFDB92-6599-4EAF-B0AE-865171758F09}" destId="{F14A3010-4D64-4D53-A679-13F526378839}" srcOrd="1" destOrd="0" presId="urn:microsoft.com/office/officeart/2018/2/layout/IconLabelList"/>
-    <dgm:cxn modelId="{12DEB666-C6D3-4C49-8E86-F5E41B489A6B}" type="presParOf" srcId="{E9AFDB92-6599-4EAF-B0AE-865171758F09}" destId="{05BBCFD9-F3FC-41F1-8032-AAB99FB422EE}" srcOrd="2" destOrd="0" presId="urn:microsoft.com/office/officeart/2018/2/layout/IconLabelList"/>
+    <dgm:cxn modelId="{0A8411C2-DE53-4F1F-BC5C-8D2A2E1CC40A}" type="presOf" srcId="{DA5F7A42-F288-40EA-822D-BA2BD33D51A9}" destId="{A7FAD159-7ADE-4DB7-8DA4-ACCD089FD207}" srcOrd="0" destOrd="0" presId="urn:microsoft.com/office/officeart/2005/8/layout/vList2"/>
+    <dgm:cxn modelId="{B70780F9-6196-4B51-B362-8A3DCFB8E639}" type="presOf" srcId="{A1A2352E-2880-4E23-9AC4-EF9FCC0040BE}" destId="{22ABCFE8-669F-4A41-950E-8A6C1C45AA52}" srcOrd="0" destOrd="0" presId="urn:microsoft.com/office/officeart/2005/8/layout/vList2"/>
+    <dgm:cxn modelId="{BA85E84A-987B-4B92-881D-6BBA1FA0946C}" type="presParOf" srcId="{9E9B11CC-9EB2-4AF7-B704-81C510FE982E}" destId="{E6F8CB63-971A-4DC7-AC52-2D7DFC4612B2}" srcOrd="0" destOrd="0" presId="urn:microsoft.com/office/officeart/2005/8/layout/vList2"/>
+    <dgm:cxn modelId="{6CCC2E6D-E1E6-45EF-84CA-5D49F1224C12}" type="presParOf" srcId="{9E9B11CC-9EB2-4AF7-B704-81C510FE982E}" destId="{D5D7FB1A-4140-4015-9EF4-C4C78BB4CCC4}" srcOrd="1" destOrd="0" presId="urn:microsoft.com/office/officeart/2005/8/layout/vList2"/>
+    <dgm:cxn modelId="{6795AF9B-53F2-4A62-8832-91ECB97F21C4}" type="presParOf" srcId="{9E9B11CC-9EB2-4AF7-B704-81C510FE982E}" destId="{22ABCFE8-669F-4A41-950E-8A6C1C45AA52}" srcOrd="2" destOrd="0" presId="urn:microsoft.com/office/officeart/2005/8/layout/vList2"/>
+    <dgm:cxn modelId="{55F70145-4028-4A27-8A50-AABB01214FB6}" type="presParOf" srcId="{9E9B11CC-9EB2-4AF7-B704-81C510FE982E}" destId="{61EE9F24-2D44-4703-9E5D-C576C0D4F0B5}" srcOrd="3" destOrd="0" presId="urn:microsoft.com/office/officeart/2005/8/layout/vList2"/>
+    <dgm:cxn modelId="{52E7B9B9-D618-43EA-A1B8-D3155E7DA4A2}" type="presParOf" srcId="{9E9B11CC-9EB2-4AF7-B704-81C510FE982E}" destId="{A7FAD159-7ADE-4DB7-8DA4-ACCD089FD207}" srcOrd="4" destOrd="0" presId="urn:microsoft.com/office/officeart/2005/8/layout/vList2"/>
   </dgm:cxnLst>
   <dgm:bg/>
   <dgm:whole/>
   <dgm:extLst>
     <a:ext uri="http://schemas.microsoft.com/office/drawing/2008/diagram">
-      <dsp:dataModelExt xmlns:dsp="http://schemas.microsoft.com/office/drawing/2008/diagram" relId="rId6" minVer="http://schemas.openxmlformats.org/drawingml/2006/diagram"/>
+      <dsp:dataModelExt xmlns:dsp="http://schemas.microsoft.com/office/drawing/2008/diagram" relId="rId8" minVer="http://schemas.openxmlformats.org/drawingml/2006/diagram"/>
     </a:ext>
   </dgm:extLst>
 </dgm:dataModel>
@@ -1375,103 +1079,91 @@
       <dsp:cNvGrpSpPr/>
     </dsp:nvGrpSpPr>
     <dsp:grpSpPr/>
-    <dsp:sp modelId="{112CFE83-653E-4419-B9B3-ED4849EDD656}">
+    <dsp:sp modelId="{E6F8CB63-971A-4DC7-AC52-2D7DFC4612B2}">
       <dsp:nvSpPr>
         <dsp:cNvPr id="0" name=""/>
         <dsp:cNvSpPr/>
       </dsp:nvSpPr>
       <dsp:spPr>
         <a:xfrm>
-          <a:off x="831993" y="310966"/>
-          <a:ext cx="1148438" cy="1148438"/>
+          <a:off x="0" y="257407"/>
+          <a:ext cx="4977578" cy="1006931"/>
         </a:xfrm>
-        <a:prstGeom prst="rect">
+        <a:prstGeom prst="roundRect">
           <a:avLst/>
         </a:prstGeom>
-        <a:blipFill>
-          <a:blip xmlns:r="http://schemas.openxmlformats.org/officeDocument/2006/relationships" r:embed="rId1">
-            <a:extLst>
-              <a:ext uri="{28A0092B-C50C-407E-A947-70E740481C1C}">
-                <a14:useLocalDpi xmlns:a14="http://schemas.microsoft.com/office/drawing/2010/main" val="0"/>
-              </a:ext>
-              <a:ext uri="{96DAC541-7B7A-43D3-8B79-37D633B846F1}">
-                <asvg:svgBlip xmlns:asvg="http://schemas.microsoft.com/office/drawing/2016/SVG/main" r:embed="rId2"/>
-              </a:ext>
-            </a:extLst>
-          </a:blip>
-          <a:stretch>
-            <a:fillRect/>
-          </a:stretch>
-        </a:blipFill>
-        <a:ln w="12700" cap="flat" cmpd="sng" algn="ctr">
-          <a:solidFill>
-            <a:schemeClr val="lt1">
-              <a:hueOff val="0"/>
-              <a:satOff val="0"/>
-              <a:lumOff val="0"/>
-              <a:alphaOff val="0"/>
-            </a:schemeClr>
-          </a:solidFill>
-          <a:prstDash val="solid"/>
-          <a:miter lim="800000"/>
+        <a:gradFill rotWithShape="0">
+          <a:gsLst>
+            <a:gs pos="0">
+              <a:schemeClr val="accent1">
+                <a:hueOff val="0"/>
+                <a:satOff val="0"/>
+                <a:lumOff val="0"/>
+                <a:alphaOff val="0"/>
+                <a:satMod val="103000"/>
+                <a:lumMod val="102000"/>
+                <a:tint val="94000"/>
+              </a:schemeClr>
+            </a:gs>
+            <a:gs pos="50000">
+              <a:schemeClr val="accent1">
+                <a:hueOff val="0"/>
+                <a:satOff val="0"/>
+                <a:lumOff val="0"/>
+                <a:alphaOff val="0"/>
+                <a:satMod val="110000"/>
+                <a:lumMod val="100000"/>
+                <a:shade val="100000"/>
+              </a:schemeClr>
+            </a:gs>
+            <a:gs pos="100000">
+              <a:schemeClr val="accent1">
+                <a:hueOff val="0"/>
+                <a:satOff val="0"/>
+                <a:lumOff val="0"/>
+                <a:alphaOff val="0"/>
+                <a:lumMod val="99000"/>
+                <a:satMod val="120000"/>
+                <a:shade val="78000"/>
+              </a:schemeClr>
+            </a:gs>
+          </a:gsLst>
+          <a:lin ang="5400000" scaled="0"/>
+        </a:gradFill>
+        <a:ln>
+          <a:noFill/>
         </a:ln>
-        <a:effectLst/>
+        <a:effectLst>
+          <a:outerShdw blurRad="57150" dist="19050" dir="5400000" algn="ctr" rotWithShape="0">
+            <a:srgbClr val="000000">
+              <a:alpha val="63000"/>
+            </a:srgbClr>
+          </a:outerShdw>
+        </a:effectLst>
       </dsp:spPr>
       <dsp:style>
-        <a:lnRef idx="2">
+        <a:lnRef idx="0">
           <a:scrgbClr r="0" g="0" b="0"/>
         </a:lnRef>
-        <a:fillRef idx="1">
+        <a:fillRef idx="3">
           <a:scrgbClr r="0" g="0" b="0"/>
         </a:fillRef>
-        <a:effectRef idx="0">
+        <a:effectRef idx="3">
           <a:scrgbClr r="0" g="0" b="0"/>
         </a:effectRef>
         <a:fontRef idx="minor">
           <a:schemeClr val="lt1"/>
         </a:fontRef>
       </dsp:style>
-    </dsp:sp>
-    <dsp:sp modelId="{D74283F4-5078-4CB5-AD73-8DFD597D6E00}">
-      <dsp:nvSpPr>
-        <dsp:cNvPr id="0" name=""/>
-        <dsp:cNvSpPr/>
-      </dsp:nvSpPr>
-      <dsp:spPr>
-        <a:xfrm>
-          <a:off x="130169" y="1800098"/>
-          <a:ext cx="2552086" cy="720000"/>
-        </a:xfrm>
-        <a:prstGeom prst="rect">
-          <a:avLst/>
-        </a:prstGeom>
-        <a:noFill/>
-        <a:ln>
-          <a:noFill/>
-        </a:ln>
-        <a:effectLst/>
-      </dsp:spPr>
-      <dsp:style>
-        <a:lnRef idx="0">
-          <a:scrgbClr r="0" g="0" b="0"/>
-        </a:lnRef>
-        <a:fillRef idx="0">
-          <a:scrgbClr r="0" g="0" b="0"/>
-        </a:fillRef>
-        <a:effectRef idx="0">
-          <a:scrgbClr r="0" g="0" b="0"/>
-        </a:effectRef>
-        <a:fontRef idx="minor"/>
-      </dsp:style>
       <dsp:txBody>
-        <a:bodyPr spcFirstLastPara="0" vert="horz" wrap="square" lIns="0" tIns="0" rIns="0" bIns="0" numCol="1" spcCol="1270" anchor="t" anchorCtr="0">
+        <a:bodyPr spcFirstLastPara="0" vert="horz" wrap="square" lIns="68580" tIns="68580" rIns="68580" bIns="68580" numCol="1" spcCol="1270" anchor="ctr" anchorCtr="0">
           <a:noAutofit/>
         </a:bodyPr>
         <a:lstStyle/>
         <a:p>
-          <a:pPr marL="0" lvl="0" indent="0" algn="ctr" defTabSz="488950">
+          <a:pPr marL="0" lvl="0" indent="0" algn="l" defTabSz="800100">
             <a:lnSpc>
-              <a:spcPct val="100000"/>
+              <a:spcPct val="90000"/>
             </a:lnSpc>
             <a:spcBef>
               <a:spcPct val="0"/>
@@ -1482,113 +1174,101 @@
             <a:buNone/>
           </a:pPr>
           <a:r>
-            <a:rPr lang="en-US" sz="1100" kern="1200"/>
+            <a:rPr lang="en-US" sz="1800" kern="1200"/>
             <a:t>Access to the database controlled by code (Injection OWASP-1)</a:t>
           </a:r>
         </a:p>
       </dsp:txBody>
       <dsp:txXfrm>
-        <a:off x="130169" y="1800098"/>
-        <a:ext cx="2552086" cy="720000"/>
+        <a:off x="49154" y="306561"/>
+        <a:ext cx="4879270" cy="908623"/>
       </dsp:txXfrm>
     </dsp:sp>
-    <dsp:sp modelId="{2C8612BB-576E-4D5B-A0F6-7FF4047CB451}">
+    <dsp:sp modelId="{22ABCFE8-669F-4A41-950E-8A6C1C45AA52}">
       <dsp:nvSpPr>
         <dsp:cNvPr id="0" name=""/>
         <dsp:cNvSpPr/>
       </dsp:nvSpPr>
       <dsp:spPr>
         <a:xfrm>
-          <a:off x="3830695" y="310966"/>
-          <a:ext cx="1148438" cy="1148438"/>
+          <a:off x="0" y="1316178"/>
+          <a:ext cx="4977578" cy="1006931"/>
         </a:xfrm>
-        <a:prstGeom prst="rect">
+        <a:prstGeom prst="roundRect">
           <a:avLst/>
         </a:prstGeom>
-        <a:blipFill>
-          <a:blip xmlns:r="http://schemas.openxmlformats.org/officeDocument/2006/relationships" r:embed="rId3">
-            <a:extLst>
-              <a:ext uri="{28A0092B-C50C-407E-A947-70E740481C1C}">
-                <a14:useLocalDpi xmlns:a14="http://schemas.microsoft.com/office/drawing/2010/main" val="0"/>
-              </a:ext>
-              <a:ext uri="{96DAC541-7B7A-43D3-8B79-37D633B846F1}">
-                <asvg:svgBlip xmlns:asvg="http://schemas.microsoft.com/office/drawing/2016/SVG/main" r:embed="rId4"/>
-              </a:ext>
-            </a:extLst>
-          </a:blip>
-          <a:stretch>
-            <a:fillRect/>
-          </a:stretch>
-        </a:blipFill>
-        <a:ln w="12700" cap="flat" cmpd="sng" algn="ctr">
-          <a:solidFill>
-            <a:schemeClr val="lt1">
-              <a:hueOff val="0"/>
-              <a:satOff val="0"/>
-              <a:lumOff val="0"/>
-              <a:alphaOff val="0"/>
-            </a:schemeClr>
-          </a:solidFill>
-          <a:prstDash val="solid"/>
-          <a:miter lim="800000"/>
+        <a:gradFill rotWithShape="0">
+          <a:gsLst>
+            <a:gs pos="0">
+              <a:schemeClr val="accent1">
+                <a:hueOff val="0"/>
+                <a:satOff val="0"/>
+                <a:lumOff val="0"/>
+                <a:alphaOff val="0"/>
+                <a:satMod val="103000"/>
+                <a:lumMod val="102000"/>
+                <a:tint val="94000"/>
+              </a:schemeClr>
+            </a:gs>
+            <a:gs pos="50000">
+              <a:schemeClr val="accent1">
+                <a:hueOff val="0"/>
+                <a:satOff val="0"/>
+                <a:lumOff val="0"/>
+                <a:alphaOff val="0"/>
+                <a:satMod val="110000"/>
+                <a:lumMod val="100000"/>
+                <a:shade val="100000"/>
+              </a:schemeClr>
+            </a:gs>
+            <a:gs pos="100000">
+              <a:schemeClr val="accent1">
+                <a:hueOff val="0"/>
+                <a:satOff val="0"/>
+                <a:lumOff val="0"/>
+                <a:alphaOff val="0"/>
+                <a:lumMod val="99000"/>
+                <a:satMod val="120000"/>
+                <a:shade val="78000"/>
+              </a:schemeClr>
+            </a:gs>
+          </a:gsLst>
+          <a:lin ang="5400000" scaled="0"/>
+        </a:gradFill>
+        <a:ln>
+          <a:noFill/>
         </a:ln>
-        <a:effectLst/>
+        <a:effectLst>
+          <a:outerShdw blurRad="57150" dist="19050" dir="5400000" algn="ctr" rotWithShape="0">
+            <a:srgbClr val="000000">
+              <a:alpha val="63000"/>
+            </a:srgbClr>
+          </a:outerShdw>
+        </a:effectLst>
       </dsp:spPr>
       <dsp:style>
-        <a:lnRef idx="2">
+        <a:lnRef idx="0">
           <a:scrgbClr r="0" g="0" b="0"/>
         </a:lnRef>
-        <a:fillRef idx="1">
+        <a:fillRef idx="3">
           <a:scrgbClr r="0" g="0" b="0"/>
         </a:fillRef>
-        <a:effectRef idx="0">
+        <a:effectRef idx="3">
           <a:scrgbClr r="0" g="0" b="0"/>
         </a:effectRef>
         <a:fontRef idx="minor">
           <a:schemeClr val="lt1"/>
         </a:fontRef>
       </dsp:style>
-    </dsp:sp>
-    <dsp:sp modelId="{6B145A81-06CD-43D2-B001-AE7C5D96DD76}">
-      <dsp:nvSpPr>
-        <dsp:cNvPr id="0" name=""/>
-        <dsp:cNvSpPr/>
-      </dsp:nvSpPr>
-      <dsp:spPr>
-        <a:xfrm>
-          <a:off x="3128871" y="1800098"/>
-          <a:ext cx="2552086" cy="720000"/>
-        </a:xfrm>
-        <a:prstGeom prst="rect">
-          <a:avLst/>
-        </a:prstGeom>
-        <a:noFill/>
-        <a:ln>
-          <a:noFill/>
-        </a:ln>
-        <a:effectLst/>
-      </dsp:spPr>
-      <dsp:style>
-        <a:lnRef idx="0">
-          <a:scrgbClr r="0" g="0" b="0"/>
-        </a:lnRef>
-        <a:fillRef idx="0">
-          <a:scrgbClr r="0" g="0" b="0"/>
-        </a:fillRef>
-        <a:effectRef idx="0">
-          <a:scrgbClr r="0" g="0" b="0"/>
-        </a:effectRef>
-        <a:fontRef idx="minor"/>
-      </dsp:style>
       <dsp:txBody>
-        <a:bodyPr spcFirstLastPara="0" vert="horz" wrap="square" lIns="0" tIns="0" rIns="0" bIns="0" numCol="1" spcCol="1270" anchor="t" anchorCtr="0">
+        <a:bodyPr spcFirstLastPara="0" vert="horz" wrap="square" lIns="68580" tIns="68580" rIns="68580" bIns="68580" numCol="1" spcCol="1270" anchor="ctr" anchorCtr="0">
           <a:noAutofit/>
         </a:bodyPr>
         <a:lstStyle/>
         <a:p>
-          <a:pPr marL="0" lvl="0" indent="0" algn="ctr" defTabSz="488950">
+          <a:pPr marL="0" lvl="0" indent="0" algn="l" defTabSz="800100">
             <a:lnSpc>
-              <a:spcPct val="100000"/>
+              <a:spcPct val="90000"/>
             </a:lnSpc>
             <a:spcBef>
               <a:spcPct val="0"/>
@@ -1599,113 +1279,101 @@
             <a:buNone/>
           </a:pPr>
           <a:r>
-            <a:rPr lang="en-US" sz="1100" kern="1200"/>
+            <a:rPr lang="en-US" sz="1800" kern="1200"/>
             <a:t>Passwords are hashed by the application (Broken Authentication OWASP-2)</a:t>
           </a:r>
         </a:p>
       </dsp:txBody>
       <dsp:txXfrm>
-        <a:off x="3128871" y="1800098"/>
-        <a:ext cx="2552086" cy="720000"/>
+        <a:off x="49154" y="1365332"/>
+        <a:ext cx="4879270" cy="908623"/>
       </dsp:txXfrm>
     </dsp:sp>
-    <dsp:sp modelId="{38E3979D-5289-4D81-B9B4-5E1D70B36FA6}">
+    <dsp:sp modelId="{A7FAD159-7ADE-4DB7-8DA4-ACCD089FD207}">
       <dsp:nvSpPr>
         <dsp:cNvPr id="0" name=""/>
         <dsp:cNvSpPr/>
       </dsp:nvSpPr>
       <dsp:spPr>
         <a:xfrm>
-          <a:off x="2331344" y="3158120"/>
-          <a:ext cx="1148438" cy="1148438"/>
+          <a:off x="0" y="2374950"/>
+          <a:ext cx="4977578" cy="1006931"/>
         </a:xfrm>
-        <a:prstGeom prst="rect">
+        <a:prstGeom prst="roundRect">
           <a:avLst/>
         </a:prstGeom>
-        <a:blipFill>
-          <a:blip xmlns:r="http://schemas.openxmlformats.org/officeDocument/2006/relationships" r:embed="rId5">
-            <a:extLst>
-              <a:ext uri="{28A0092B-C50C-407E-A947-70E740481C1C}">
-                <a14:useLocalDpi xmlns:a14="http://schemas.microsoft.com/office/drawing/2010/main" val="0"/>
-              </a:ext>
-              <a:ext uri="{96DAC541-7B7A-43D3-8B79-37D633B846F1}">
-                <asvg:svgBlip xmlns:asvg="http://schemas.microsoft.com/office/drawing/2016/SVG/main" r:embed="rId6"/>
-              </a:ext>
-            </a:extLst>
-          </a:blip>
-          <a:stretch>
-            <a:fillRect/>
-          </a:stretch>
-        </a:blipFill>
-        <a:ln w="12700" cap="flat" cmpd="sng" algn="ctr">
-          <a:solidFill>
-            <a:schemeClr val="lt1">
-              <a:hueOff val="0"/>
-              <a:satOff val="0"/>
-              <a:lumOff val="0"/>
-              <a:alphaOff val="0"/>
-            </a:schemeClr>
-          </a:solidFill>
-          <a:prstDash val="solid"/>
-          <a:miter lim="800000"/>
+        <a:gradFill rotWithShape="0">
+          <a:gsLst>
+            <a:gs pos="0">
+              <a:schemeClr val="accent1">
+                <a:hueOff val="0"/>
+                <a:satOff val="0"/>
+                <a:lumOff val="0"/>
+                <a:alphaOff val="0"/>
+                <a:satMod val="103000"/>
+                <a:lumMod val="102000"/>
+                <a:tint val="94000"/>
+              </a:schemeClr>
+            </a:gs>
+            <a:gs pos="50000">
+              <a:schemeClr val="accent1">
+                <a:hueOff val="0"/>
+                <a:satOff val="0"/>
+                <a:lumOff val="0"/>
+                <a:alphaOff val="0"/>
+                <a:satMod val="110000"/>
+                <a:lumMod val="100000"/>
+                <a:shade val="100000"/>
+              </a:schemeClr>
+            </a:gs>
+            <a:gs pos="100000">
+              <a:schemeClr val="accent1">
+                <a:hueOff val="0"/>
+                <a:satOff val="0"/>
+                <a:lumOff val="0"/>
+                <a:alphaOff val="0"/>
+                <a:lumMod val="99000"/>
+                <a:satMod val="120000"/>
+                <a:shade val="78000"/>
+              </a:schemeClr>
+            </a:gs>
+          </a:gsLst>
+          <a:lin ang="5400000" scaled="0"/>
+        </a:gradFill>
+        <a:ln>
+          <a:noFill/>
         </a:ln>
-        <a:effectLst/>
+        <a:effectLst>
+          <a:outerShdw blurRad="57150" dist="19050" dir="5400000" algn="ctr" rotWithShape="0">
+            <a:srgbClr val="000000">
+              <a:alpha val="63000"/>
+            </a:srgbClr>
+          </a:outerShdw>
+        </a:effectLst>
       </dsp:spPr>
       <dsp:style>
-        <a:lnRef idx="2">
+        <a:lnRef idx="0">
           <a:scrgbClr r="0" g="0" b="0"/>
         </a:lnRef>
-        <a:fillRef idx="1">
+        <a:fillRef idx="3">
           <a:scrgbClr r="0" g="0" b="0"/>
         </a:fillRef>
-        <a:effectRef idx="0">
+        <a:effectRef idx="3">
           <a:scrgbClr r="0" g="0" b="0"/>
         </a:effectRef>
         <a:fontRef idx="minor">
           <a:schemeClr val="lt1"/>
         </a:fontRef>
       </dsp:style>
-    </dsp:sp>
-    <dsp:sp modelId="{05BBCFD9-F3FC-41F1-8032-AAB99FB422EE}">
-      <dsp:nvSpPr>
-        <dsp:cNvPr id="0" name=""/>
-        <dsp:cNvSpPr/>
-      </dsp:nvSpPr>
-      <dsp:spPr>
-        <a:xfrm>
-          <a:off x="1629520" y="4647252"/>
-          <a:ext cx="2552086" cy="720000"/>
-        </a:xfrm>
-        <a:prstGeom prst="rect">
-          <a:avLst/>
-        </a:prstGeom>
-        <a:noFill/>
-        <a:ln>
-          <a:noFill/>
-        </a:ln>
-        <a:effectLst/>
-      </dsp:spPr>
-      <dsp:style>
-        <a:lnRef idx="0">
-          <a:scrgbClr r="0" g="0" b="0"/>
-        </a:lnRef>
-        <a:fillRef idx="0">
-          <a:scrgbClr r="0" g="0" b="0"/>
-        </a:fillRef>
-        <a:effectRef idx="0">
-          <a:scrgbClr r="0" g="0" b="0"/>
-        </a:effectRef>
-        <a:fontRef idx="minor"/>
-      </dsp:style>
       <dsp:txBody>
-        <a:bodyPr spcFirstLastPara="0" vert="horz" wrap="square" lIns="0" tIns="0" rIns="0" bIns="0" numCol="1" spcCol="1270" anchor="t" anchorCtr="0">
+        <a:bodyPr spcFirstLastPara="0" vert="horz" wrap="square" lIns="68580" tIns="68580" rIns="68580" bIns="68580" numCol="1" spcCol="1270" anchor="ctr" anchorCtr="0">
           <a:noAutofit/>
         </a:bodyPr>
         <a:lstStyle/>
         <a:p>
-          <a:pPr marL="0" lvl="0" indent="0" algn="ctr" defTabSz="488950">
+          <a:pPr marL="0" lvl="0" indent="0" algn="l" defTabSz="800100">
             <a:lnSpc>
-              <a:spcPct val="100000"/>
+              <a:spcPct val="90000"/>
             </a:lnSpc>
             <a:spcBef>
               <a:spcPct val="0"/>
@@ -1716,14 +1384,14 @@
             <a:buNone/>
           </a:pPr>
           <a:r>
-            <a:rPr lang="en-US" sz="1100" kern="1200"/>
+            <a:rPr lang="en-US" sz="1800" kern="1200"/>
             <a:t>Application uses frameworks with a proven record of security (OWIN, Identity, EF) (Using Components with Known Vulnerabilities OWASP-9)</a:t>
           </a:r>
         </a:p>
       </dsp:txBody>
       <dsp:txXfrm>
-        <a:off x="1629520" y="4647252"/>
-        <a:ext cx="2552086" cy="720000"/>
+        <a:off x="49154" y="2424104"/>
+        <a:ext cx="4879270" cy="908623"/>
       </dsp:txXfrm>
     </dsp:sp>
   </dsp:spTree>
@@ -1731,201 +1399,178 @@
 </file>
 
 <file path=ppt/diagrams/layout1.xml><?xml version="1.0" encoding="utf-8"?>
-<dgm:layoutDef xmlns:dgm="http://schemas.openxmlformats.org/drawingml/2006/diagram" xmlns:a="http://schemas.openxmlformats.org/drawingml/2006/main" uniqueId="urn:microsoft.com/office/officeart/2018/2/layout/IconLabelList">
-  <dgm:title val="Icon Label List"/>
-  <dgm:desc val="Use to show non-sequential or grouped chunks of information accompanied by a related visuals. Works best with icons or small pictures with short text captions."/>
+<dgm:layoutDef xmlns:dgm="http://schemas.openxmlformats.org/drawingml/2006/diagram" xmlns:a="http://schemas.openxmlformats.org/drawingml/2006/main" uniqueId="urn:microsoft.com/office/officeart/2005/8/layout/vList2">
+  <dgm:title val=""/>
+  <dgm:desc val=""/>
   <dgm:catLst>
-    <dgm:cat type="icon" pri="500"/>
+    <dgm:cat type="list" pri="3000"/>
+    <dgm:cat type="convert" pri="1000"/>
   </dgm:catLst>
-  <dgm:sampData useDef="1">
+  <dgm:sampData>
     <dgm:dataModel>
-      <dgm:ptLst/>
+      <dgm:ptLst>
+        <dgm:pt modelId="0" type="doc"/>
+        <dgm:pt modelId="1">
+          <dgm:prSet phldr="1"/>
+        </dgm:pt>
+        <dgm:pt modelId="11">
+          <dgm:prSet phldr="1"/>
+        </dgm:pt>
+        <dgm:pt modelId="2">
+          <dgm:prSet phldr="1"/>
+        </dgm:pt>
+        <dgm:pt modelId="21">
+          <dgm:prSet phldr="1"/>
+        </dgm:pt>
+      </dgm:ptLst>
+      <dgm:cxnLst>
+        <dgm:cxn modelId="4" srcId="0" destId="1" srcOrd="0" destOrd="0"/>
+        <dgm:cxn modelId="5" srcId="0" destId="2" srcOrd="1" destOrd="0"/>
+        <dgm:cxn modelId="12" srcId="1" destId="11" srcOrd="0" destOrd="0"/>
+        <dgm:cxn modelId="23" srcId="2" destId="21" srcOrd="0" destOrd="0"/>
+      </dgm:cxnLst>
       <dgm:bg/>
       <dgm:whole/>
     </dgm:dataModel>
   </dgm:sampData>
-  <dgm:styleData useDef="1">
+  <dgm:styleData>
     <dgm:dataModel>
-      <dgm:ptLst/>
+      <dgm:ptLst>
+        <dgm:pt modelId="0" type="doc"/>
+        <dgm:pt modelId="1"/>
+        <dgm:pt modelId="2"/>
+      </dgm:ptLst>
+      <dgm:cxnLst>
+        <dgm:cxn modelId="3" srcId="0" destId="1" srcOrd="0" destOrd="0"/>
+        <dgm:cxn modelId="4" srcId="0" destId="2" srcOrd="1" destOrd="0"/>
+      </dgm:cxnLst>
       <dgm:bg/>
       <dgm:whole/>
     </dgm:dataModel>
   </dgm:styleData>
-  <dgm:clrData useDef="1">
+  <dgm:clrData>
     <dgm:dataModel>
-      <dgm:ptLst/>
+      <dgm:ptLst>
+        <dgm:pt modelId="0" type="doc"/>
+        <dgm:pt modelId="1"/>
+        <dgm:pt modelId="2"/>
+        <dgm:pt modelId="3"/>
+        <dgm:pt modelId="4"/>
+      </dgm:ptLst>
+      <dgm:cxnLst>
+        <dgm:cxn modelId="5" srcId="0" destId="1" srcOrd="0" destOrd="0"/>
+        <dgm:cxn modelId="6" srcId="0" destId="2" srcOrd="1" destOrd="0"/>
+        <dgm:cxn modelId="7" srcId="0" destId="3" srcOrd="2" destOrd="0"/>
+        <dgm:cxn modelId="8" srcId="0" destId="4" srcOrd="3" destOrd="0"/>
+      </dgm:cxnLst>
       <dgm:bg/>
       <dgm:whole/>
     </dgm:dataModel>
   </dgm:clrData>
-  <dgm:layoutNode name="root">
+  <dgm:layoutNode name="linear">
     <dgm:varLst>
-      <dgm:dir/>
+      <dgm:animLvl val="lvl"/>
       <dgm:resizeHandles val="exact"/>
     </dgm:varLst>
-    <dgm:choose name="Name0">
-      <dgm:if name="Name1" axis="self" func="var" arg="dir" op="equ" val="norm">
-        <dgm:alg type="snake">
-          <dgm:param type="grDir" val="tL"/>
-          <dgm:param type="flowDir" val="row"/>
-          <dgm:param type="contDir" val="sameDir"/>
-          <dgm:param type="off" val="ctr"/>
-          <dgm:param type="vertAlign" val="mid"/>
-          <dgm:param type="horzAlign" val="ctr"/>
-        </dgm:alg>
-      </dgm:if>
-      <dgm:else name="Name2">
-        <dgm:alg type="snake">
-          <dgm:param type="grDir" val="tR"/>
-          <dgm:param type="flowDir" val="row"/>
-          <dgm:param type="contDir" val="sameDir"/>
-          <dgm:param type="off" val="ctr"/>
-          <dgm:param type="vertAlign" val="mid"/>
-          <dgm:param type="horzAlign" val="ctr"/>
-        </dgm:alg>
-      </dgm:else>
-    </dgm:choose>
+    <dgm:alg type="lin">
+      <dgm:param type="linDir" val="fromT"/>
+      <dgm:param type="vertAlign" val="mid"/>
+    </dgm:alg>
     <dgm:shape xmlns:r="http://schemas.openxmlformats.org/officeDocument/2006/relationships" r:blip="">
       <dgm:adjLst/>
     </dgm:shape>
     <dgm:presOf/>
-    <dgm:choose name="Name3">
-      <dgm:if name="Name4" axis="ch" ptType="node" func="cnt" op="lte" val="2">
-        <dgm:constrLst>
-          <dgm:constr type="h" for="ch" forName="compNode" refType="h" fact="0.4"/>
-          <dgm:constr type="w" for="ch" forName="compNode" val="120"/>
-          <dgm:constr type="w" for="ch" forName="sibTrans" refType="w" refFor="ch" refForName="compNode" fact="0.175"/>
-          <dgm:constr type="sp" refType="w" refFor="ch" refForName="compNode" op="equ" fact="0.25"/>
-          <dgm:constr type="primFontSz" for="des" ptType="node" op="equ" val="50"/>
-          <dgm:constr type="h" for="des" forName="compNode" op="equ"/>
-          <dgm:constr type="h" for="des" forName="textRect" op="equ"/>
-        </dgm:constrLst>
-      </dgm:if>
-      <dgm:if name="Name5" axis="ch" ptType="node" func="cnt" op="lte" val="4">
-        <dgm:constrLst>
-          <dgm:constr type="h" for="ch" forName="compNode" refType="h" fact="0.4"/>
-          <dgm:constr type="w" for="ch" forName="compNode" refType="w"/>
-          <dgm:constr type="w" for="ch" forName="sibTrans" refType="w" refFor="ch" refForName="compNode" fact="0.175"/>
-          <dgm:constr type="sp" refType="w" refFor="ch" refForName="compNode" op="equ" fact="0.25"/>
-          <dgm:constr type="primFontSz" for="des" ptType="node" op="equ" val="36"/>
-          <dgm:constr type="h" for="des" forName="compNode" op="equ"/>
-          <dgm:constr type="h" for="des" forName="textRect" op="equ"/>
-        </dgm:constrLst>
-      </dgm:if>
-      <dgm:else name="Name6">
-        <dgm:constrLst>
-          <dgm:constr type="h" for="ch" forName="compNode" refType="h" fact="0.4"/>
-          <dgm:constr type="w" for="ch" forName="compNode" refType="w"/>
-          <dgm:constr type="w" for="ch" forName="sibTrans" refType="w" refFor="ch" refForName="compNode" fact="0.175"/>
-          <dgm:constr type="sp" refType="w" refFor="ch" refForName="compNode" op="equ" fact="0.25"/>
-          <dgm:constr type="primFontSz" for="des" ptType="node" op="equ" val="24"/>
-          <dgm:constr type="h" for="des" forName="compNode" op="equ"/>
-          <dgm:constr type="h" for="des" forName="textRect" op="equ"/>
-        </dgm:constrLst>
-      </dgm:else>
-    </dgm:choose>
+    <dgm:constrLst>
+      <dgm:constr type="w" for="ch" forName="parentText" refType="w"/>
+      <dgm:constr type="h" for="ch" forName="parentText" refType="primFontSz" refFor="ch" refForName="parentText" fact="0.52"/>
+      <dgm:constr type="w" for="ch" forName="childText" refType="w"/>
+      <dgm:constr type="h" for="ch" forName="childText" refType="primFontSz" refFor="ch" refForName="parentText" fact="0.46"/>
+      <dgm:constr type="h" for="ch" forName="parentText" op="equ"/>
+      <dgm:constr type="primFontSz" for="ch" forName="parentText" op="equ" val="65"/>
+      <dgm:constr type="primFontSz" for="ch" forName="childText" refType="primFontSz" refFor="ch" refForName="parentText" op="equ"/>
+      <dgm:constr type="h" for="ch" forName="spacer" refType="primFontSz" refFor="ch" refForName="parentText" fact="0.08"/>
+    </dgm:constrLst>
     <dgm:ruleLst>
-      <dgm:rule type="w" for="ch" forName="compNode" val="50" fact="NaN" max="NaN"/>
+      <dgm:rule type="primFontSz" for="ch" forName="parentText" val="5" fact="NaN" max="NaN"/>
     </dgm:ruleLst>
-    <dgm:forEach name="Name7" axis="ch" ptType="node">
-      <dgm:layoutNode name="compNode">
-        <dgm:alg type="composite"/>
-        <dgm:shape xmlns:r="http://schemas.openxmlformats.org/officeDocument/2006/relationships" r:blip="">
+    <dgm:forEach name="Name0" axis="ch" ptType="node">
+      <dgm:layoutNode name="parentText" styleLbl="node1">
+        <dgm:varLst>
+          <dgm:chMax val="0"/>
+          <dgm:bulletEnabled val="1"/>
+        </dgm:varLst>
+        <dgm:alg type="tx">
+          <dgm:param type="parTxLTRAlign" val="l"/>
+          <dgm:param type="parTxRTLAlign" val="r"/>
+        </dgm:alg>
+        <dgm:shape xmlns:r="http://schemas.openxmlformats.org/officeDocument/2006/relationships" type="roundRect" r:blip="">
           <dgm:adjLst/>
         </dgm:shape>
         <dgm:presOf axis="self"/>
         <dgm:constrLst>
-          <dgm:constr type="w" for="ch" forName="iconRect" refType="w" fact="0.45"/>
-          <dgm:constr type="h" for="ch" forName="iconRect" refType="w" refFor="ch" refForName="iconRect"/>
-          <dgm:constr type="ctrX" for="ch" forName="iconRect" refType="w" fact="0.5"/>
-          <dgm:constr type="t" for="ch" forName="iconRect"/>
-          <dgm:constr type="h" for="ch" forName="spaceRect" refType="h" fact="0.15"/>
-          <dgm:constr type="w" for="ch" forName="spaceRect" refType="w"/>
-          <dgm:constr type="l" for="ch" forName="spaceRect"/>
-          <dgm:constr type="t" for="ch" forName="spaceRect" refType="b" refFor="ch" refForName="iconRect"/>
-          <dgm:constr type="h" for="ch" forName="textRect" val="20"/>
-          <dgm:constr type="w" for="ch" forName="textRect" refType="w"/>
-          <dgm:constr type="l" for="ch" forName="textRect"/>
-          <dgm:constr type="t" for="ch" forName="textRect" refType="b" refFor="ch" refForName="spaceRect"/>
+          <dgm:constr type="tMarg" refType="primFontSz" fact="0.3"/>
+          <dgm:constr type="bMarg" refType="primFontSz" fact="0.3"/>
+          <dgm:constr type="lMarg" refType="primFontSz" fact="0.3"/>
+          <dgm:constr type="rMarg" refType="primFontSz" fact="0.3"/>
         </dgm:constrLst>
         <dgm:ruleLst>
           <dgm:rule type="h" val="INF" fact="NaN" max="NaN"/>
         </dgm:ruleLst>
-        <dgm:layoutNode name="iconRect" styleLbl="node1">
-          <dgm:alg type="sp"/>
-          <dgm:shape xmlns:r="http://schemas.openxmlformats.org/officeDocument/2006/relationships" type="rect" r:blip="" blipPhldr="1">
-            <dgm:adjLst/>
-          </dgm:shape>
-          <dgm:presOf/>
-          <dgm:constrLst/>
-          <dgm:ruleLst/>
-        </dgm:layoutNode>
-        <dgm:layoutNode name="spaceRect">
-          <dgm:alg type="sp"/>
-          <dgm:shape xmlns:r="http://schemas.openxmlformats.org/officeDocument/2006/relationships" r:blip="">
-            <dgm:adjLst/>
-          </dgm:shape>
-          <dgm:presOf/>
-          <dgm:constrLst/>
-          <dgm:ruleLst/>
-        </dgm:layoutNode>
-        <dgm:layoutNode name="textRect" styleLbl="revTx">
-          <dgm:varLst>
-            <dgm:chMax val="1"/>
-            <dgm:chPref val="1"/>
-          </dgm:varLst>
-          <dgm:alg type="tx">
-            <dgm:param type="txAnchorVert" val="t"/>
-          </dgm:alg>
-          <dgm:shape xmlns:r="http://schemas.openxmlformats.org/officeDocument/2006/relationships" type="rect" r:blip="">
-            <dgm:adjLst/>
-          </dgm:shape>
-          <dgm:presOf axis="self" ptType="node"/>
-          <dgm:constrLst>
-            <dgm:constr type="lMarg"/>
-            <dgm:constr type="rMarg"/>
-            <dgm:constr type="tMarg"/>
-            <dgm:constr type="bMarg"/>
-          </dgm:constrLst>
-          <dgm:ruleLst>
-            <dgm:rule type="primFontSz" val="11" fact="NaN" max="NaN"/>
-            <dgm:rule type="h" val="INF" fact="NaN" max="NaN"/>
-          </dgm:ruleLst>
-        </dgm:layoutNode>
       </dgm:layoutNode>
-      <dgm:forEach name="Name8" axis="followSib" ptType="sibTrans" cnt="1">
-        <dgm:layoutNode name="sibTrans">
-          <dgm:alg type="sp"/>
-          <dgm:shape xmlns:r="http://schemas.openxmlformats.org/officeDocument/2006/relationships" r:blip="">
-            <dgm:adjLst/>
-          </dgm:shape>
-          <dgm:presOf axis="self"/>
-          <dgm:constrLst/>
-          <dgm:ruleLst/>
-        </dgm:layoutNode>
-      </dgm:forEach>
+      <dgm:choose name="Name1">
+        <dgm:if name="Name2" axis="ch" ptType="node" func="cnt" op="gte" val="1">
+          <dgm:layoutNode name="childText" styleLbl="revTx">
+            <dgm:varLst>
+              <dgm:bulletEnabled val="1"/>
+            </dgm:varLst>
+            <dgm:alg type="tx">
+              <dgm:param type="stBulletLvl" val="1"/>
+              <dgm:param type="lnSpAfChP" val="20"/>
+            </dgm:alg>
+            <dgm:shape xmlns:r="http://schemas.openxmlformats.org/officeDocument/2006/relationships" type="rect" r:blip="">
+              <dgm:adjLst/>
+            </dgm:shape>
+            <dgm:presOf axis="des" ptType="node"/>
+            <dgm:constrLst>
+              <dgm:constr type="tMarg" refType="primFontSz" fact="0.1"/>
+              <dgm:constr type="bMarg" refType="primFontSz" fact="0.1"/>
+              <dgm:constr type="lMarg" refType="w" fact="0.09"/>
+            </dgm:constrLst>
+            <dgm:ruleLst>
+              <dgm:rule type="h" val="INF" fact="NaN" max="NaN"/>
+            </dgm:ruleLst>
+          </dgm:layoutNode>
+        </dgm:if>
+        <dgm:else name="Name3">
+          <dgm:choose name="Name4">
+            <dgm:if name="Name5" axis="par ch" ptType="doc node" func="cnt" op="gte" val="2">
+              <dgm:forEach name="Name6" axis="followSib" ptType="sibTrans" cnt="1">
+                <dgm:layoutNode name="spacer">
+                  <dgm:alg type="sp"/>
+                  <dgm:shape xmlns:r="http://schemas.openxmlformats.org/officeDocument/2006/relationships" r:blip="">
+                    <dgm:adjLst/>
+                  </dgm:shape>
+                  <dgm:presOf/>
+                  <dgm:constrLst/>
+                  <dgm:ruleLst/>
+                </dgm:layoutNode>
+              </dgm:forEach>
+            </dgm:if>
+            <dgm:else name="Name7"/>
+          </dgm:choose>
+        </dgm:else>
+      </dgm:choose>
     </dgm:forEach>
   </dgm:layoutNode>
-  <dgm:extLst>
-    <a:ext uri="{68A01E43-0DF5-4B5B-8FA6-DAF915123BFB}">
-      <dgm1612:lstStyle xmlns:dgm1612="http://schemas.microsoft.com/office/drawing/2016/12/diagram">
-        <a:lvl1pPr>
-          <a:lnSpc>
-            <a:spcPct val="100000"/>
-          </a:lnSpc>
-        </a:lvl1pPr>
-      </dgm1612:lstStyle>
-    </a:ext>
-  </dgm:extLst>
 </dgm:layoutDef>
 </file>
 
 <file path=ppt/diagrams/quickStyle1.xml><?xml version="1.0" encoding="utf-8"?>
-<dgm:styleDef xmlns:dgm="http://schemas.openxmlformats.org/drawingml/2006/diagram" xmlns:a="http://schemas.openxmlformats.org/drawingml/2006/main" uniqueId="urn:microsoft.com/office/officeart/2005/8/quickstyle/simple1">
+<dgm:styleDef xmlns:dgm="http://schemas.openxmlformats.org/drawingml/2006/diagram" xmlns:a="http://schemas.openxmlformats.org/drawingml/2006/main" uniqueId="urn:microsoft.com/office/officeart/2005/8/quickstyle/simple5">
   <dgm:title val=""/>
   <dgm:desc val=""/>
   <dgm:catLst>
-    <dgm:cat type="simple" pri="10100"/>
+    <dgm:cat type="simple" pri="10500"/>
   </dgm:catLst>
   <dgm:scene3d>
     <a:camera prst="orthographicFront"/>
@@ -1939,13 +1584,13 @@
     <dgm:sp3d/>
     <dgm:txPr/>
     <dgm:style>
-      <a:lnRef idx="2">
+      <a:lnRef idx="0">
         <a:scrgbClr r="0" g="0" b="0"/>
       </a:lnRef>
-      <a:fillRef idx="1">
+      <a:fillRef idx="3">
         <a:scrgbClr r="0" g="0" b="0"/>
       </a:fillRef>
-      <a:effectRef idx="0">
+      <a:effectRef idx="3">
         <a:scrgbClr r="0" g="0" b="0"/>
       </a:effectRef>
       <a:fontRef idx="minor">
@@ -1961,13 +1606,13 @@
     <dgm:sp3d/>
     <dgm:txPr/>
     <dgm:style>
-      <a:lnRef idx="2">
+      <a:lnRef idx="0">
         <a:scrgbClr r="0" g="0" b="0"/>
       </a:lnRef>
-      <a:fillRef idx="1">
+      <a:fillRef idx="3">
         <a:scrgbClr r="0" g="0" b="0"/>
       </a:fillRef>
-      <a:effectRef idx="0">
+      <a:effectRef idx="3">
         <a:scrgbClr r="0" g="0" b="0"/>
       </a:effectRef>
       <a:fontRef idx="minor">
@@ -1983,13 +1628,13 @@
     <dgm:sp3d/>
     <dgm:txPr/>
     <dgm:style>
-      <a:lnRef idx="2">
+      <a:lnRef idx="0">
         <a:scrgbClr r="0" g="0" b="0"/>
       </a:lnRef>
-      <a:fillRef idx="1">
+      <a:fillRef idx="3">
         <a:scrgbClr r="0" g="0" b="0"/>
       </a:fillRef>
-      <a:effectRef idx="0">
+      <a:effectRef idx="3">
         <a:scrgbClr r="0" g="0" b="0"/>
       </a:effectRef>
       <a:fontRef idx="minor">
@@ -2005,13 +1650,13 @@
     <dgm:sp3d/>
     <dgm:txPr/>
     <dgm:style>
-      <a:lnRef idx="2">
+      <a:lnRef idx="1">
         <a:scrgbClr r="0" g="0" b="0"/>
       </a:lnRef>
-      <a:fillRef idx="1">
+      <a:fillRef idx="3">
         <a:scrgbClr r="0" g="0" b="0"/>
       </a:fillRef>
-      <a:effectRef idx="0">
+      <a:effectRef idx="3">
         <a:scrgbClr r="0" g="0" b="0"/>
       </a:effectRef>
       <a:fontRef idx="minor">
@@ -2027,13 +1672,13 @@
     <dgm:sp3d/>
     <dgm:txPr/>
     <dgm:style>
-      <a:lnRef idx="2">
+      <a:lnRef idx="0">
         <a:scrgbClr r="0" g="0" b="0"/>
       </a:lnRef>
-      <a:fillRef idx="1">
+      <a:fillRef idx="3">
         <a:scrgbClr r="0" g="0" b="0"/>
       </a:fillRef>
-      <a:effectRef idx="0">
+      <a:effectRef idx="3">
         <a:scrgbClr r="0" g="0" b="0"/>
       </a:effectRef>
       <a:fontRef idx="minor">
@@ -2049,13 +1694,13 @@
     <dgm:sp3d/>
     <dgm:txPr/>
     <dgm:style>
-      <a:lnRef idx="2">
+      <a:lnRef idx="0">
         <a:scrgbClr r="0" g="0" b="0"/>
       </a:lnRef>
-      <a:fillRef idx="1">
+      <a:fillRef idx="3">
         <a:scrgbClr r="0" g="0" b="0"/>
       </a:fillRef>
-      <a:effectRef idx="0">
+      <a:effectRef idx="3">
         <a:scrgbClr r="0" g="0" b="0"/>
       </a:effectRef>
       <a:fontRef idx="minor">
@@ -2071,13 +1716,13 @@
     <dgm:sp3d/>
     <dgm:txPr/>
     <dgm:style>
-      <a:lnRef idx="2">
+      <a:lnRef idx="0">
         <a:scrgbClr r="0" g="0" b="0"/>
       </a:lnRef>
-      <a:fillRef idx="1">
+      <a:fillRef idx="3">
         <a:scrgbClr r="0" g="0" b="0"/>
       </a:fillRef>
-      <a:effectRef idx="0">
+      <a:effectRef idx="3">
         <a:scrgbClr r="0" g="0" b="0"/>
       </a:effectRef>
       <a:fontRef idx="minor">
@@ -2093,13 +1738,13 @@
     <dgm:sp3d/>
     <dgm:txPr/>
     <dgm:style>
-      <a:lnRef idx="2">
+      <a:lnRef idx="0">
         <a:scrgbClr r="0" g="0" b="0"/>
       </a:lnRef>
-      <a:fillRef idx="1">
+      <a:fillRef idx="3">
         <a:scrgbClr r="0" g="0" b="0"/>
       </a:fillRef>
-      <a:effectRef idx="0">
+      <a:effectRef idx="3">
         <a:scrgbClr r="0" g="0" b="0"/>
       </a:effectRef>
       <a:fontRef idx="minor">
@@ -2115,13 +1760,13 @@
     <dgm:sp3d/>
     <dgm:txPr/>
     <dgm:style>
-      <a:lnRef idx="2">
+      <a:lnRef idx="0">
         <a:scrgbClr r="0" g="0" b="0"/>
       </a:lnRef>
       <a:fillRef idx="1">
         <a:scrgbClr r="0" g="0" b="0"/>
       </a:fillRef>
-      <a:effectRef idx="0">
+      <a:effectRef idx="3">
         <a:scrgbClr r="0" g="0" b="0"/>
       </a:effectRef>
       <a:fontRef idx="minor"/>
@@ -2135,13 +1780,13 @@
     <dgm:sp3d/>
     <dgm:txPr/>
     <dgm:style>
-      <a:lnRef idx="2">
+      <a:lnRef idx="0">
         <a:scrgbClr r="0" g="0" b="0"/>
       </a:lnRef>
       <a:fillRef idx="1">
         <a:scrgbClr r="0" g="0" b="0"/>
       </a:fillRef>
-      <a:effectRef idx="0">
+      <a:effectRef idx="3">
         <a:scrgbClr r="0" g="0" b="0"/>
       </a:effectRef>
       <a:fontRef idx="minor"/>
@@ -2155,13 +1800,13 @@
     <dgm:sp3d/>
     <dgm:txPr/>
     <dgm:style>
-      <a:lnRef idx="2">
+      <a:lnRef idx="0">
         <a:scrgbClr r="0" g="0" b="0"/>
       </a:lnRef>
       <a:fillRef idx="1">
         <a:scrgbClr r="0" g="0" b="0"/>
       </a:fillRef>
-      <a:effectRef idx="0">
+      <a:effectRef idx="3">
         <a:scrgbClr r="0" g="0" b="0"/>
       </a:effectRef>
       <a:fontRef idx="minor"/>
@@ -2178,10 +1823,10 @@
       <a:lnRef idx="0">
         <a:scrgbClr r="0" g="0" b="0"/>
       </a:lnRef>
-      <a:fillRef idx="1">
+      <a:fillRef idx="3">
         <a:scrgbClr r="0" g="0" b="0"/>
       </a:fillRef>
-      <a:effectRef idx="0">
+      <a:effectRef idx="3">
         <a:scrgbClr r="0" g="0" b="0"/>
       </a:effectRef>
       <a:fontRef idx="minor">
@@ -2200,10 +1845,10 @@
       <a:lnRef idx="0">
         <a:scrgbClr r="0" g="0" b="0"/>
       </a:lnRef>
-      <a:fillRef idx="1">
+      <a:fillRef idx="3">
         <a:scrgbClr r="0" g="0" b="0"/>
       </a:fillRef>
-      <a:effectRef idx="0">
+      <a:effectRef idx="3">
         <a:scrgbClr r="0" g="0" b="0"/>
       </a:effectRef>
       <a:fontRef idx="minor">
@@ -2222,10 +1867,10 @@
       <a:lnRef idx="0">
         <a:scrgbClr r="0" g="0" b="0"/>
       </a:lnRef>
-      <a:fillRef idx="1">
+      <a:fillRef idx="3">
         <a:scrgbClr r="0" g="0" b="0"/>
       </a:fillRef>
-      <a:effectRef idx="0">
+      <a:effectRef idx="3">
         <a:scrgbClr r="0" g="0" b="0"/>
       </a:effectRef>
       <a:fontRef idx="minor">
@@ -2261,13 +1906,13 @@
     <dgm:sp3d/>
     <dgm:txPr/>
     <dgm:style>
-      <a:lnRef idx="2">
+      <a:lnRef idx="1">
         <a:scrgbClr r="0" g="0" b="0"/>
       </a:lnRef>
-      <a:fillRef idx="1">
+      <a:fillRef idx="0">
         <a:scrgbClr r="0" g="0" b="0"/>
       </a:fillRef>
-      <a:effectRef idx="0">
+      <a:effectRef idx="1">
         <a:scrgbClr r="0" g="0" b="0"/>
       </a:effectRef>
       <a:fontRef idx="minor"/>
@@ -2281,13 +1926,13 @@
     <dgm:sp3d/>
     <dgm:txPr/>
     <dgm:style>
-      <a:lnRef idx="2">
+      <a:lnRef idx="0">
         <a:scrgbClr r="0" g="0" b="0"/>
       </a:lnRef>
-      <a:fillRef idx="1">
+      <a:fillRef idx="3">
         <a:scrgbClr r="0" g="0" b="0"/>
       </a:fillRef>
-      <a:effectRef idx="0">
+      <a:effectRef idx="3">
         <a:scrgbClr r="0" g="0" b="0"/>
       </a:effectRef>
       <a:fontRef idx="minor">
@@ -2303,13 +1948,13 @@
     <dgm:sp3d/>
     <dgm:txPr/>
     <dgm:style>
-      <a:lnRef idx="2">
+      <a:lnRef idx="0">
         <a:scrgbClr r="0" g="0" b="0"/>
       </a:lnRef>
-      <a:fillRef idx="1">
+      <a:fillRef idx="3">
         <a:scrgbClr r="0" g="0" b="0"/>
       </a:fillRef>
-      <a:effectRef idx="0">
+      <a:effectRef idx="3">
         <a:scrgbClr r="0" g="0" b="0"/>
       </a:effectRef>
       <a:fontRef idx="minor">
@@ -2325,13 +1970,13 @@
     <dgm:sp3d/>
     <dgm:txPr/>
     <dgm:style>
-      <a:lnRef idx="2">
+      <a:lnRef idx="0">
         <a:scrgbClr r="0" g="0" b="0"/>
       </a:lnRef>
-      <a:fillRef idx="1">
+      <a:fillRef idx="3">
         <a:scrgbClr r="0" g="0" b="0"/>
       </a:fillRef>
-      <a:effectRef idx="0">
+      <a:effectRef idx="3">
         <a:scrgbClr r="0" g="0" b="0"/>
       </a:effectRef>
       <a:fontRef idx="minor">
@@ -2347,13 +1992,13 @@
     <dgm:sp3d/>
     <dgm:txPr/>
     <dgm:style>
-      <a:lnRef idx="2">
+      <a:lnRef idx="0">
         <a:scrgbClr r="0" g="0" b="0"/>
       </a:lnRef>
-      <a:fillRef idx="1">
+      <a:fillRef idx="3">
         <a:scrgbClr r="0" g="0" b="0"/>
       </a:fillRef>
-      <a:effectRef idx="0">
+      <a:effectRef idx="3">
         <a:scrgbClr r="0" g="0" b="0"/>
       </a:effectRef>
       <a:fontRef idx="minor">
@@ -2369,13 +2014,13 @@
     <dgm:sp3d/>
     <dgm:txPr/>
     <dgm:style>
-      <a:lnRef idx="2">
+      <a:lnRef idx="0">
         <a:scrgbClr r="0" g="0" b="0"/>
       </a:lnRef>
-      <a:fillRef idx="1">
+      <a:fillRef idx="3">
         <a:scrgbClr r="0" g="0" b="0"/>
       </a:fillRef>
-      <a:effectRef idx="0">
+      <a:effectRef idx="3">
         <a:scrgbClr r="0" g="0" b="0"/>
       </a:effectRef>
       <a:fontRef idx="minor">
@@ -2391,13 +2036,13 @@
     <dgm:sp3d/>
     <dgm:txPr/>
     <dgm:style>
-      <a:lnRef idx="2">
+      <a:lnRef idx="0">
         <a:scrgbClr r="0" g="0" b="0"/>
       </a:lnRef>
-      <a:fillRef idx="1">
+      <a:fillRef idx="3">
         <a:scrgbClr r="0" g="0" b="0"/>
       </a:fillRef>
-      <a:effectRef idx="0">
+      <a:effectRef idx="3">
         <a:scrgbClr r="0" g="0" b="0"/>
       </a:effectRef>
       <a:fontRef idx="minor">
@@ -2413,13 +2058,13 @@
     <dgm:sp3d/>
     <dgm:txPr/>
     <dgm:style>
-      <a:lnRef idx="2">
+      <a:lnRef idx="0">
         <a:scrgbClr r="0" g="0" b="0"/>
       </a:lnRef>
-      <a:fillRef idx="1">
+      <a:fillRef idx="3">
         <a:scrgbClr r="0" g="0" b="0"/>
       </a:fillRef>
-      <a:effectRef idx="0">
+      <a:effectRef idx="3">
         <a:scrgbClr r="0" g="0" b="0"/>
       </a:effectRef>
       <a:fontRef idx="minor">
@@ -2435,13 +2080,13 @@
     <dgm:sp3d/>
     <dgm:txPr/>
     <dgm:style>
-      <a:lnRef idx="2">
+      <a:lnRef idx="0">
         <a:scrgbClr r="0" g="0" b="0"/>
       </a:lnRef>
-      <a:fillRef idx="1">
+      <a:fillRef idx="3">
         <a:scrgbClr r="0" g="0" b="0"/>
       </a:fillRef>
-      <a:effectRef idx="0">
+      <a:effectRef idx="3">
         <a:scrgbClr r="0" g="0" b="0"/>
       </a:effectRef>
       <a:fontRef idx="minor">
@@ -2457,13 +2102,13 @@
     <dgm:sp3d/>
     <dgm:txPr/>
     <dgm:style>
-      <a:lnRef idx="2">
+      <a:lnRef idx="0">
         <a:scrgbClr r="0" g="0" b="0"/>
       </a:lnRef>
-      <a:fillRef idx="1">
+      <a:fillRef idx="3">
         <a:scrgbClr r="0" g="0" b="0"/>
       </a:fillRef>
-      <a:effectRef idx="0">
+      <a:effectRef idx="3">
         <a:scrgbClr r="0" g="0" b="0"/>
       </a:effectRef>
       <a:fontRef idx="minor">
@@ -2559,13 +2204,13 @@
     <dgm:sp3d/>
     <dgm:txPr/>
     <dgm:style>
-      <a:lnRef idx="2">
+      <a:lnRef idx="1">
         <a:scrgbClr r="0" g="0" b="0"/>
       </a:lnRef>
       <a:fillRef idx="1">
         <a:scrgbClr r="0" g="0" b="0"/>
       </a:fillRef>
-      <a:effectRef idx="0">
+      <a:effectRef idx="2">
         <a:scrgbClr r="0" g="0" b="0"/>
       </a:effectRef>
       <a:fontRef idx="minor"/>
@@ -2579,13 +2224,13 @@
     <dgm:sp3d/>
     <dgm:txPr/>
     <dgm:style>
-      <a:lnRef idx="2">
+      <a:lnRef idx="1">
         <a:scrgbClr r="0" g="0" b="0"/>
       </a:lnRef>
       <a:fillRef idx="1">
         <a:scrgbClr r="0" g="0" b="0"/>
       </a:fillRef>
-      <a:effectRef idx="0">
+      <a:effectRef idx="2">
         <a:scrgbClr r="0" g="0" b="0"/>
       </a:effectRef>
       <a:fontRef idx="minor"/>
@@ -2599,13 +2244,13 @@
     <dgm:sp3d/>
     <dgm:txPr/>
     <dgm:style>
-      <a:lnRef idx="2">
+      <a:lnRef idx="1">
         <a:scrgbClr r="0" g="0" b="0"/>
       </a:lnRef>
       <a:fillRef idx="1">
         <a:scrgbClr r="0" g="0" b="0"/>
       </a:fillRef>
-      <a:effectRef idx="0">
+      <a:effectRef idx="2">
         <a:scrgbClr r="0" g="0" b="0"/>
       </a:effectRef>
       <a:fontRef idx="minor"/>
@@ -2639,13 +2284,13 @@
     <dgm:sp3d/>
     <dgm:txPr/>
     <dgm:style>
-      <a:lnRef idx="2">
+      <a:lnRef idx="1">
         <a:scrgbClr r="0" g="0" b="0"/>
       </a:lnRef>
       <a:fillRef idx="1">
         <a:scrgbClr r="0" g="0" b="0"/>
       </a:fillRef>
-      <a:effectRef idx="0">
+      <a:effectRef idx="2">
         <a:scrgbClr r="0" g="0" b="0"/>
       </a:effectRef>
       <a:fontRef idx="minor"/>
@@ -2659,13 +2304,13 @@
     <dgm:sp3d/>
     <dgm:txPr/>
     <dgm:style>
-      <a:lnRef idx="2">
+      <a:lnRef idx="1">
         <a:scrgbClr r="0" g="0" b="0"/>
       </a:lnRef>
       <a:fillRef idx="1">
         <a:scrgbClr r="0" g="0" b="0"/>
       </a:fillRef>
-      <a:effectRef idx="0">
+      <a:effectRef idx="2">
         <a:scrgbClr r="0" g="0" b="0"/>
       </a:effectRef>
       <a:fontRef idx="minor"/>
@@ -2679,13 +2324,13 @@
     <dgm:sp3d/>
     <dgm:txPr/>
     <dgm:style>
-      <a:lnRef idx="2">
+      <a:lnRef idx="1">
         <a:scrgbClr r="0" g="0" b="0"/>
       </a:lnRef>
       <a:fillRef idx="1">
         <a:scrgbClr r="0" g="0" b="0"/>
       </a:fillRef>
-      <a:effectRef idx="0">
+      <a:effectRef idx="3">
         <a:scrgbClr r="0" g="0" b="0"/>
       </a:effectRef>
       <a:fontRef idx="minor"/>
@@ -2699,13 +2344,13 @@
     <dgm:sp3d/>
     <dgm:txPr/>
     <dgm:style>
-      <a:lnRef idx="2">
+      <a:lnRef idx="1">
         <a:scrgbClr r="0" g="0" b="0"/>
       </a:lnRef>
       <a:fillRef idx="1">
         <a:scrgbClr r="0" g="0" b="0"/>
       </a:fillRef>
-      <a:effectRef idx="0">
+      <a:effectRef idx="3">
         <a:scrgbClr r="0" g="0" b="0"/>
       </a:effectRef>
       <a:fontRef idx="minor"/>
@@ -2719,13 +2364,13 @@
     <dgm:sp3d/>
     <dgm:txPr/>
     <dgm:style>
-      <a:lnRef idx="2">
+      <a:lnRef idx="1">
         <a:scrgbClr r="0" g="0" b="0"/>
       </a:lnRef>
       <a:fillRef idx="1">
         <a:scrgbClr r="0" g="0" b="0"/>
       </a:fillRef>
-      <a:effectRef idx="0">
+      <a:effectRef idx="2">
         <a:scrgbClr r="0" g="0" b="0"/>
       </a:effectRef>
       <a:fontRef idx="minor"/>
@@ -2739,13 +2384,13 @@
     <dgm:sp3d/>
     <dgm:txPr/>
     <dgm:style>
-      <a:lnRef idx="2">
+      <a:lnRef idx="1">
         <a:scrgbClr r="0" g="0" b="0"/>
       </a:lnRef>
       <a:fillRef idx="1">
         <a:scrgbClr r="0" g="0" b="0"/>
       </a:fillRef>
-      <a:effectRef idx="0">
+      <a:effectRef idx="2">
         <a:scrgbClr r="0" g="0" b="0"/>
       </a:effectRef>
       <a:fontRef idx="minor"/>
@@ -2759,13 +2404,13 @@
     <dgm:sp3d/>
     <dgm:txPr/>
     <dgm:style>
-      <a:lnRef idx="2">
+      <a:lnRef idx="1">
         <a:scrgbClr r="0" g="0" b="0"/>
       </a:lnRef>
       <a:fillRef idx="1">
         <a:scrgbClr r="0" g="0" b="0"/>
       </a:fillRef>
-      <a:effectRef idx="0">
+      <a:effectRef idx="2">
         <a:scrgbClr r="0" g="0" b="0"/>
       </a:effectRef>
       <a:fontRef idx="minor"/>
@@ -2779,13 +2424,13 @@
     <dgm:sp3d/>
     <dgm:txPr/>
     <dgm:style>
-      <a:lnRef idx="2">
+      <a:lnRef idx="1">
         <a:scrgbClr r="0" g="0" b="0"/>
       </a:lnRef>
       <a:fillRef idx="1">
         <a:scrgbClr r="0" g="0" b="0"/>
       </a:fillRef>
-      <a:effectRef idx="0">
+      <a:effectRef idx="2">
         <a:scrgbClr r="0" g="0" b="0"/>
       </a:effectRef>
       <a:fontRef idx="minor"/>
@@ -2799,13 +2444,13 @@
     <dgm:sp3d/>
     <dgm:txPr/>
     <dgm:style>
-      <a:lnRef idx="2">
+      <a:lnRef idx="1">
         <a:scrgbClr r="0" g="0" b="0"/>
       </a:lnRef>
       <a:fillRef idx="1">
         <a:scrgbClr r="0" g="0" b="0"/>
       </a:fillRef>
-      <a:effectRef idx="0">
+      <a:effectRef idx="2">
         <a:scrgbClr r="0" g="0" b="0"/>
       </a:effectRef>
       <a:fontRef idx="minor"/>
@@ -2819,13 +2464,13 @@
     <dgm:sp3d/>
     <dgm:txPr/>
     <dgm:style>
-      <a:lnRef idx="2">
+      <a:lnRef idx="1">
         <a:scrgbClr r="0" g="0" b="0"/>
       </a:lnRef>
       <a:fillRef idx="1">
         <a:scrgbClr r="0" g="0" b="0"/>
       </a:fillRef>
-      <a:effectRef idx="0">
+      <a:effectRef idx="2">
         <a:scrgbClr r="0" g="0" b="0"/>
       </a:effectRef>
       <a:fontRef idx="minor"/>
@@ -2839,13 +2484,13 @@
     <dgm:sp3d/>
     <dgm:txPr/>
     <dgm:style>
-      <a:lnRef idx="2">
+      <a:lnRef idx="1">
         <a:scrgbClr r="0" g="0" b="0"/>
       </a:lnRef>
       <a:fillRef idx="1">
         <a:scrgbClr r="0" g="0" b="0"/>
       </a:fillRef>
-      <a:effectRef idx="0">
+      <a:effectRef idx="2">
         <a:scrgbClr r="0" g="0" b="0"/>
       </a:effectRef>
       <a:fontRef idx="minor"/>
@@ -2865,7 +2510,7 @@
       <a:fillRef idx="1">
         <a:scrgbClr r="0" g="0" b="0"/>
       </a:fillRef>
-      <a:effectRef idx="0">
+      <a:effectRef idx="2">
         <a:scrgbClr r="0" g="0" b="0"/>
       </a:effectRef>
       <a:fontRef idx="minor"/>
@@ -2885,7 +2530,7 @@
       <a:fillRef idx="1">
         <a:scrgbClr r="0" g="0" b="0"/>
       </a:fillRef>
-      <a:effectRef idx="0">
+      <a:effectRef idx="3">
         <a:scrgbClr r="0" g="0" b="0"/>
       </a:effectRef>
       <a:fontRef idx="minor"/>
@@ -2919,13 +2564,13 @@
     <dgm:sp3d/>
     <dgm:txPr/>
     <dgm:style>
-      <a:lnRef idx="2">
+      <a:lnRef idx="0">
         <a:scrgbClr r="0" g="0" b="0"/>
       </a:lnRef>
-      <a:fillRef idx="1">
+      <a:fillRef idx="3">
         <a:scrgbClr r="0" g="0" b="0"/>
       </a:fillRef>
-      <a:effectRef idx="0">
+      <a:effectRef idx="3">
         <a:scrgbClr r="0" g="0" b="0"/>
       </a:effectRef>
       <a:fontRef idx="minor"/>
@@ -3304,6 +2949,103 @@
 </file>
 
 <file path=ppt/notesSlides/notesSlide1.xml><?xml version="1.0" encoding="utf-8"?>
+<p:notes xmlns:a="http://schemas.openxmlformats.org/drawingml/2006/main" xmlns:r="http://schemas.openxmlformats.org/officeDocument/2006/relationships" xmlns:p="http://schemas.openxmlformats.org/presentationml/2006/main">
+  <p:cSld>
+    <p:spTree>
+      <p:nvGrpSpPr>
+        <p:cNvPr id="1" name=""/>
+        <p:cNvGrpSpPr/>
+        <p:nvPr/>
+      </p:nvGrpSpPr>
+      <p:grpSpPr>
+        <a:xfrm>
+          <a:off x="0" y="0"/>
+          <a:ext cx="0" cy="0"/>
+          <a:chOff x="0" y="0"/>
+          <a:chExt cx="0" cy="0"/>
+        </a:xfrm>
+      </p:grpSpPr>
+      <p:sp>
+        <p:nvSpPr>
+          <p:cNvPr id="2" name="Slide Image Placeholder 1"/>
+          <p:cNvSpPr>
+            <a:spLocks noGrp="1" noRot="1" noChangeAspect="1"/>
+          </p:cNvSpPr>
+          <p:nvPr>
+            <p:ph type="sldImg"/>
+          </p:nvPr>
+        </p:nvSpPr>
+        <p:spPr/>
+      </p:sp>
+      <p:sp>
+        <p:nvSpPr>
+          <p:cNvPr id="3" name="Notes Placeholder 2"/>
+          <p:cNvSpPr>
+            <a:spLocks noGrp="1"/>
+          </p:cNvSpPr>
+          <p:nvPr>
+            <p:ph type="body" idx="1"/>
+          </p:nvPr>
+        </p:nvSpPr>
+        <p:spPr/>
+        <p:txBody>
+          <a:bodyPr/>
+          <a:lstStyle/>
+          <a:p>
+            <a:r>
+              <a:rPr lang="en-US" dirty="0"/>
+              <a:t>The following technologies, techniques and practices were incorporated into the project:</a:t>
+            </a:r>
+          </a:p>
+          <a:p>
+            <a:pPr marL="285750" indent="-285750">
+              <a:buFont typeface="Arial" panose="020B0604020202020204" pitchFamily="34" charset="0"/>
+              <a:buChar char="•"/>
+            </a:pPr>
+            <a:r>
+              <a:rPr lang="en-US" dirty="0"/>
+              <a:t>Hibernate</a:t>
+            </a:r>
+          </a:p>
+        </p:txBody>
+      </p:sp>
+      <p:sp>
+        <p:nvSpPr>
+          <p:cNvPr id="4" name="Slide Number Placeholder 3"/>
+          <p:cNvSpPr>
+            <a:spLocks noGrp="1"/>
+          </p:cNvSpPr>
+          <p:nvPr>
+            <p:ph type="sldNum" sz="quarter" idx="5"/>
+          </p:nvPr>
+        </p:nvSpPr>
+        <p:spPr/>
+        <p:txBody>
+          <a:bodyPr/>
+          <a:lstStyle/>
+          <a:p>
+            <a:fld id="{87AF613E-4CB7-482C-B5EE-D3ED42CF648F}" type="slidenum">
+              <a:rPr lang="en-US" smtClean="0"/>
+              <a:t>6</a:t>
+            </a:fld>
+            <a:endParaRPr lang="en-US"/>
+          </a:p>
+        </p:txBody>
+      </p:sp>
+    </p:spTree>
+    <p:extLst>
+      <p:ext uri="{BB962C8B-B14F-4D97-AF65-F5344CB8AC3E}">
+        <p14:creationId xmlns:p14="http://schemas.microsoft.com/office/powerpoint/2010/main" val="777439673"/>
+      </p:ext>
+    </p:extLst>
+  </p:cSld>
+  <p:clrMapOvr>
+    <a:masterClrMapping/>
+  </p:clrMapOvr>
+</p:notes>
+</file>
+
+<file path=ppt/notesSlides/notesSlide2.xml><?xml version="1.0" encoding="utf-8"?>
 <p:notes xmlns:a="http://schemas.openxmlformats.org/drawingml/2006/main" xmlns:r="http://schemas.openxmlformats.org/officeDocument/2006/relationships" xmlns:p="http://schemas.openxmlformats.org/presentationml/2006/main">
   <p:cSld>
     <p:spTree>
@@ -12318,6 +12060,324 @@
     <p:bg>
       <p:bgPr>
         <a:solidFill>
+          <a:schemeClr val="bg1"/>
+        </a:solidFill>
+        <a:effectLst/>
+      </p:bgPr>
+    </p:bg>
+    <p:spTree>
+      <p:nvGrpSpPr>
+        <p:cNvPr id="1" name=""/>
+        <p:cNvGrpSpPr/>
+        <p:nvPr/>
+      </p:nvGrpSpPr>
+      <p:grpSpPr>
+        <a:xfrm>
+          <a:off x="0" y="0"/>
+          <a:ext cx="0" cy="0"/>
+          <a:chOff x="0" y="0"/>
+          <a:chExt cx="0" cy="0"/>
+        </a:xfrm>
+      </p:grpSpPr>
+      <p:sp>
+        <p:nvSpPr>
+          <p:cNvPr id="9" name="Rectangle 8">
+            <a:extLst>
+              <a:ext uri="{FF2B5EF4-FFF2-40B4-BE49-F238E27FC236}">
+                <a16:creationId xmlns:a16="http://schemas.microsoft.com/office/drawing/2014/main" id="{FB5B0058-AF13-4859-B429-4EDDE2A26F7F}"/>
+              </a:ext>
+              <a:ext uri="{C183D7F6-B498-43B3-948B-1728B52AA6E4}">
+                <adec:decorative xmlns:adec="http://schemas.microsoft.com/office/drawing/2017/decorative" val="1"/>
+              </a:ext>
+            </a:extLst>
+          </p:cNvPr>
+          <p:cNvSpPr>
+            <a:spLocks noGrp="1" noRot="1" noChangeAspect="1" noMove="1" noResize="1" noEditPoints="1" noAdjustHandles="1" noChangeArrowheads="1" noChangeShapeType="1" noTextEdit="1"/>
+          </p:cNvSpPr>
+          <p:nvPr>
+            <p:extLst>
+              <p:ext uri="{386F3935-93C4-4BCD-93E2-E3B085C9AB24}">
+                <p16:designElem xmlns:p16="http://schemas.microsoft.com/office/powerpoint/2015/main" val="1"/>
+              </p:ext>
+            </p:extLst>
+          </p:nvPr>
+        </p:nvSpPr>
+        <p:spPr>
+          <a:xfrm>
+            <a:off x="0" y="0"/>
+            <a:ext cx="12192000" cy="6858000"/>
+          </a:xfrm>
+          <a:prstGeom prst="rect">
+            <a:avLst/>
+          </a:prstGeom>
+          <a:solidFill>
+            <a:schemeClr val="tx1">
+              <a:lumMod val="95000"/>
+              <a:lumOff val="5000"/>
+            </a:schemeClr>
+          </a:solidFill>
+          <a:ln>
+            <a:noFill/>
+          </a:ln>
+        </p:spPr>
+        <p:style>
+          <a:lnRef idx="2">
+            <a:schemeClr val="accent1">
+              <a:shade val="50000"/>
+            </a:schemeClr>
+          </a:lnRef>
+          <a:fillRef idx="1">
+            <a:schemeClr val="accent1"/>
+          </a:fillRef>
+          <a:effectRef idx="0">
+            <a:schemeClr val="accent1"/>
+          </a:effectRef>
+          <a:fontRef idx="minor">
+            <a:schemeClr val="lt1"/>
+          </a:fontRef>
+        </p:style>
+        <p:txBody>
+          <a:bodyPr rtlCol="0" anchor="ctr"/>
+          <a:lstStyle/>
+          <a:p>
+            <a:pPr algn="ctr"/>
+            <a:endParaRPr lang="en-US" dirty="0">
+              <a:solidFill>
+                <a:schemeClr val="tx1"/>
+              </a:solidFill>
+            </a:endParaRPr>
+          </a:p>
+        </p:txBody>
+      </p:sp>
+      <p:sp>
+        <p:nvSpPr>
+          <p:cNvPr id="4" name="Title 3">
+            <a:extLst>
+              <a:ext uri="{FF2B5EF4-FFF2-40B4-BE49-F238E27FC236}">
+                <a16:creationId xmlns:a16="http://schemas.microsoft.com/office/drawing/2014/main" id="{67F8D3D2-DB33-429D-BB36-6B298458DE01}"/>
+              </a:ext>
+            </a:extLst>
+          </p:cNvPr>
+          <p:cNvSpPr>
+            <a:spLocks noGrp="1"/>
+          </p:cNvSpPr>
+          <p:nvPr>
+            <p:ph type="title"/>
+          </p:nvPr>
+        </p:nvSpPr>
+        <p:spPr>
+          <a:xfrm>
+            <a:off x="2399234" y="2073715"/>
+            <a:ext cx="6935759" cy="2993042"/>
+          </a:xfrm>
+        </p:spPr>
+        <p:txBody>
+          <a:bodyPr vert="horz" lIns="91440" tIns="45720" rIns="91440" bIns="45720" rtlCol="0" anchor="ctr">
+            <a:normAutofit/>
+          </a:bodyPr>
+          <a:lstStyle/>
+          <a:p>
+            <a:pPr algn="ctr"/>
+            <a:r>
+              <a:rPr lang="en-US" sz="8800" kern="1200">
+                <a:solidFill>
+                  <a:schemeClr val="bg1"/>
+                </a:solidFill>
+                <a:latin typeface="+mj-lt"/>
+                <a:ea typeface="+mj-ea"/>
+                <a:cs typeface="+mj-cs"/>
+              </a:rPr>
+              <a:t>Demo</a:t>
+            </a:r>
+          </a:p>
+        </p:txBody>
+      </p:sp>
+      <p:sp>
+        <p:nvSpPr>
+          <p:cNvPr id="11" name="Rectangle 10">
+            <a:extLst>
+              <a:ext uri="{FF2B5EF4-FFF2-40B4-BE49-F238E27FC236}">
+                <a16:creationId xmlns:a16="http://schemas.microsoft.com/office/drawing/2014/main" id="{81BD432D-FAB3-4B5D-BF27-4DA7C75B3238}"/>
+              </a:ext>
+              <a:ext uri="{C183D7F6-B498-43B3-948B-1728B52AA6E4}">
+                <adec:decorative xmlns:adec="http://schemas.microsoft.com/office/drawing/2017/decorative" val="1"/>
+              </a:ext>
+            </a:extLst>
+          </p:cNvPr>
+          <p:cNvSpPr>
+            <a:spLocks noGrp="1" noRot="1" noChangeAspect="1" noMove="1" noResize="1" noEditPoints="1" noAdjustHandles="1" noChangeArrowheads="1" noChangeShapeType="1" noTextEdit="1"/>
+          </p:cNvSpPr>
+          <p:nvPr>
+            <p:extLst>
+              <p:ext uri="{386F3935-93C4-4BCD-93E2-E3B085C9AB24}">
+                <p16:designElem xmlns:p16="http://schemas.microsoft.com/office/powerpoint/2015/main" val="1"/>
+              </p:ext>
+            </p:extLst>
+          </p:nvPr>
+        </p:nvSpPr>
+        <p:spPr>
+          <a:xfrm>
+            <a:off x="126206" y="115193"/>
+            <a:ext cx="11939588" cy="6627614"/>
+          </a:xfrm>
+          <a:prstGeom prst="rect">
+            <a:avLst/>
+          </a:prstGeom>
+          <a:noFill/>
+          <a:ln w="12700">
+            <a:solidFill>
+              <a:schemeClr val="accent2"/>
+            </a:solidFill>
+          </a:ln>
+        </p:spPr>
+        <p:style>
+          <a:lnRef idx="2">
+            <a:schemeClr val="accent1">
+              <a:shade val="50000"/>
+            </a:schemeClr>
+          </a:lnRef>
+          <a:fillRef idx="1">
+            <a:schemeClr val="accent1"/>
+          </a:fillRef>
+          <a:effectRef idx="0">
+            <a:schemeClr val="accent1"/>
+          </a:effectRef>
+          <a:fontRef idx="minor">
+            <a:schemeClr val="lt1"/>
+          </a:fontRef>
+        </p:style>
+        <p:txBody>
+          <a:bodyPr rtlCol="0" anchor="ctr"/>
+          <a:lstStyle/>
+          <a:p>
+            <a:pPr algn="ctr"/>
+            <a:endParaRPr lang="en-US"/>
+          </a:p>
+        </p:txBody>
+      </p:sp>
+      <p:cxnSp>
+        <p:nvCxnSpPr>
+          <p:cNvPr id="13" name="Straight Connector 12">
+            <a:extLst>
+              <a:ext uri="{FF2B5EF4-FFF2-40B4-BE49-F238E27FC236}">
+                <a16:creationId xmlns:a16="http://schemas.microsoft.com/office/drawing/2014/main" id="{E6D6B450-4278-45B8-88C7-C061710E3C7E}"/>
+              </a:ext>
+              <a:ext uri="{C183D7F6-B498-43B3-948B-1728B52AA6E4}">
+                <adec:decorative xmlns:adec="http://schemas.microsoft.com/office/drawing/2017/decorative" val="1"/>
+              </a:ext>
+            </a:extLst>
+          </p:cNvPr>
+          <p:cNvCxnSpPr>
+            <a:cxnSpLocks noGrp="1" noRot="1" noChangeAspect="1" noMove="1" noResize="1" noEditPoints="1" noAdjustHandles="1" noChangeArrowheads="1" noChangeShapeType="1"/>
+          </p:cNvCxnSpPr>
+          <p:nvPr>
+            <p:extLst>
+              <p:ext uri="{386F3935-93C4-4BCD-93E2-E3B085C9AB24}">
+                <p16:designElem xmlns:p16="http://schemas.microsoft.com/office/powerpoint/2015/main" val="1"/>
+              </p:ext>
+            </p:extLst>
+          </p:nvPr>
+        </p:nvCxnSpPr>
+        <p:spPr>
+          <a:xfrm flipH="1">
+            <a:off x="2399233" y="1883640"/>
+            <a:ext cx="6935760" cy="0"/>
+          </a:xfrm>
+          <a:prstGeom prst="line">
+            <a:avLst/>
+          </a:prstGeom>
+          <a:ln w="12700">
+            <a:solidFill>
+              <a:schemeClr val="accent2"/>
+            </a:solidFill>
+          </a:ln>
+        </p:spPr>
+        <p:style>
+          <a:lnRef idx="1">
+            <a:schemeClr val="accent1"/>
+          </a:lnRef>
+          <a:fillRef idx="0">
+            <a:schemeClr val="accent1"/>
+          </a:fillRef>
+          <a:effectRef idx="0">
+            <a:schemeClr val="accent1"/>
+          </a:effectRef>
+          <a:fontRef idx="minor">
+            <a:schemeClr val="tx1"/>
+          </a:fontRef>
+        </p:style>
+      </p:cxnSp>
+      <p:cxnSp>
+        <p:nvCxnSpPr>
+          <p:cNvPr id="15" name="Straight Connector 14">
+            <a:extLst>
+              <a:ext uri="{FF2B5EF4-FFF2-40B4-BE49-F238E27FC236}">
+                <a16:creationId xmlns:a16="http://schemas.microsoft.com/office/drawing/2014/main" id="{74234A4C-A256-4139-A5F4-27078F0D6796}"/>
+              </a:ext>
+              <a:ext uri="{C183D7F6-B498-43B3-948B-1728B52AA6E4}">
+                <adec:decorative xmlns:adec="http://schemas.microsoft.com/office/drawing/2017/decorative" val="1"/>
+              </a:ext>
+            </a:extLst>
+          </p:cNvPr>
+          <p:cNvCxnSpPr>
+            <a:cxnSpLocks noGrp="1" noRot="1" noChangeAspect="1" noMove="1" noResize="1" noEditPoints="1" noAdjustHandles="1" noChangeArrowheads="1" noChangeShapeType="1"/>
+          </p:cNvCxnSpPr>
+          <p:nvPr>
+            <p:extLst>
+              <p:ext uri="{386F3935-93C4-4BCD-93E2-E3B085C9AB24}">
+                <p16:designElem xmlns:p16="http://schemas.microsoft.com/office/powerpoint/2015/main" val="1"/>
+              </p:ext>
+            </p:extLst>
+          </p:nvPr>
+        </p:nvCxnSpPr>
+        <p:spPr>
+          <a:xfrm flipH="1">
+            <a:off x="2399233" y="5066757"/>
+            <a:ext cx="6935760" cy="0"/>
+          </a:xfrm>
+          <a:prstGeom prst="line">
+            <a:avLst/>
+          </a:prstGeom>
+          <a:ln w="12700">
+            <a:solidFill>
+              <a:schemeClr val="accent2"/>
+            </a:solidFill>
+          </a:ln>
+        </p:spPr>
+        <p:style>
+          <a:lnRef idx="1">
+            <a:schemeClr val="accent1"/>
+          </a:lnRef>
+          <a:fillRef idx="0">
+            <a:schemeClr val="accent1"/>
+          </a:fillRef>
+          <a:effectRef idx="0">
+            <a:schemeClr val="accent1"/>
+          </a:effectRef>
+          <a:fontRef idx="minor">
+            <a:schemeClr val="tx1"/>
+          </a:fontRef>
+        </p:style>
+      </p:cxnSp>
+    </p:spTree>
+    <p:extLst>
+      <p:ext uri="{BB962C8B-B14F-4D97-AF65-F5344CB8AC3E}">
+        <p14:creationId xmlns:p14="http://schemas.microsoft.com/office/powerpoint/2010/main" val="1156368372"/>
+      </p:ext>
+    </p:extLst>
+  </p:cSld>
+  <p:clrMapOvr>
+    <a:masterClrMapping/>
+  </p:clrMapOvr>
+</p:sld>
+</file>
+
+<file path=ppt/slides/slide17.xml><?xml version="1.0" encoding="utf-8"?>
+<p:sld xmlns:a="http://schemas.openxmlformats.org/drawingml/2006/main" xmlns:r="http://schemas.openxmlformats.org/officeDocument/2006/relationships" xmlns:p="http://schemas.openxmlformats.org/presentationml/2006/main">
+  <p:cSld>
+    <p:bg>
+      <p:bgPr>
+        <a:solidFill>
           <a:schemeClr val="bg1">
             <a:tint val="95000"/>
             <a:satMod val="170000"/>
@@ -12681,353 +12741,16 @@
 </p:sld>
 </file>
 
-<file path=ppt/slides/slide17.xml><?xml version="1.0" encoding="utf-8"?>
-<p:sld xmlns:a="http://schemas.openxmlformats.org/drawingml/2006/main" xmlns:r="http://schemas.openxmlformats.org/officeDocument/2006/relationships" xmlns:p="http://schemas.openxmlformats.org/presentationml/2006/main">
-  <p:cSld>
-    <p:spTree>
-      <p:nvGrpSpPr>
-        <p:cNvPr id="1" name=""/>
-        <p:cNvGrpSpPr/>
-        <p:nvPr/>
-      </p:nvGrpSpPr>
-      <p:grpSpPr>
-        <a:xfrm>
-          <a:off x="0" y="0"/>
-          <a:ext cx="0" cy="0"/>
-          <a:chOff x="0" y="0"/>
-          <a:chExt cx="0" cy="0"/>
-        </a:xfrm>
-      </p:grpSpPr>
-      <p:sp>
-        <p:nvSpPr>
-          <p:cNvPr id="2" name="Title 1">
-            <a:extLst>
-              <a:ext uri="{FF2B5EF4-FFF2-40B4-BE49-F238E27FC236}">
-                <a16:creationId xmlns:a16="http://schemas.microsoft.com/office/drawing/2014/main" id="{0D0692E2-23A6-41E5-A4B5-9DC60430464A}"/>
-              </a:ext>
-            </a:extLst>
-          </p:cNvPr>
-          <p:cNvSpPr>
-            <a:spLocks noGrp="1"/>
-          </p:cNvSpPr>
-          <p:nvPr>
-            <p:ph type="title"/>
-          </p:nvPr>
-        </p:nvSpPr>
-        <p:spPr/>
-        <p:txBody>
-          <a:bodyPr/>
-          <a:lstStyle/>
-          <a:p>
-            <a:r>
-              <a:rPr lang="en-US" dirty="0"/>
-              <a:t>Unit Testing</a:t>
-            </a:r>
-          </a:p>
-        </p:txBody>
-      </p:sp>
-      <p:sp>
-        <p:nvSpPr>
-          <p:cNvPr id="3" name="Content Placeholder 2">
-            <a:extLst>
-              <a:ext uri="{FF2B5EF4-FFF2-40B4-BE49-F238E27FC236}">
-                <a16:creationId xmlns:a16="http://schemas.microsoft.com/office/drawing/2014/main" id="{B088F1D1-4C8B-4C63-A6EE-8BD590DB0DBA}"/>
-              </a:ext>
-            </a:extLst>
-          </p:cNvPr>
-          <p:cNvSpPr>
-            <a:spLocks noGrp="1"/>
-          </p:cNvSpPr>
-          <p:nvPr>
-            <p:ph idx="1"/>
-          </p:nvPr>
-        </p:nvSpPr>
-        <p:spPr/>
-        <p:txBody>
-          <a:bodyPr/>
-          <a:lstStyle/>
-          <a:p>
-            <a:r>
-              <a:rPr lang="en-US" dirty="0"/>
-              <a:t>Overall Coverage: </a:t>
-            </a:r>
-          </a:p>
-          <a:p>
-            <a:r>
-              <a:rPr lang="en-US" dirty="0"/>
-              <a:t>Service </a:t>
-            </a:r>
-            <a:r>
-              <a:rPr lang="en-US"/>
-              <a:t>Layer Coverage: </a:t>
-            </a:r>
-            <a:endParaRPr lang="en-US" dirty="0"/>
-          </a:p>
-        </p:txBody>
-      </p:sp>
-    </p:spTree>
-    <p:extLst>
-      <p:ext uri="{BB962C8B-B14F-4D97-AF65-F5344CB8AC3E}">
-        <p14:creationId xmlns:p14="http://schemas.microsoft.com/office/powerpoint/2010/main" val="3650063794"/>
-      </p:ext>
-    </p:extLst>
-  </p:cSld>
-  <p:clrMapOvr>
-    <a:masterClrMapping/>
-  </p:clrMapOvr>
-</p:sld>
-</file>
-
 <file path=ppt/slides/slide18.xml><?xml version="1.0" encoding="utf-8"?>
-<p:sld xmlns:a="http://schemas.openxmlformats.org/drawingml/2006/main" xmlns:r="http://schemas.openxmlformats.org/officeDocument/2006/relationships" xmlns:p="http://schemas.openxmlformats.org/presentationml/2006/main">
-  <p:cSld>
-    <p:spTree>
-      <p:nvGrpSpPr>
-        <p:cNvPr id="1" name=""/>
-        <p:cNvGrpSpPr/>
-        <p:nvPr/>
-      </p:nvGrpSpPr>
-      <p:grpSpPr>
-        <a:xfrm>
-          <a:off x="0" y="0"/>
-          <a:ext cx="0" cy="0"/>
-          <a:chOff x="0" y="0"/>
-          <a:chExt cx="0" cy="0"/>
-        </a:xfrm>
-      </p:grpSpPr>
-      <p:sp>
-        <p:nvSpPr>
-          <p:cNvPr id="2" name="Title 1">
-            <a:extLst>
-              <a:ext uri="{FF2B5EF4-FFF2-40B4-BE49-F238E27FC236}">
-                <a16:creationId xmlns:a16="http://schemas.microsoft.com/office/drawing/2014/main" id="{9A868593-F18C-4609-A585-283A72630BF4}"/>
-              </a:ext>
-            </a:extLst>
-          </p:cNvPr>
-          <p:cNvSpPr>
-            <a:spLocks noGrp="1"/>
-          </p:cNvSpPr>
-          <p:nvPr>
-            <p:ph type="title"/>
-          </p:nvPr>
-        </p:nvSpPr>
-        <p:spPr/>
-        <p:txBody>
-          <a:bodyPr/>
-          <a:lstStyle/>
-          <a:p>
-            <a:r>
-              <a:rPr lang="en-US" dirty="0"/>
-              <a:t>Selenium Testing</a:t>
-            </a:r>
-          </a:p>
-        </p:txBody>
-      </p:sp>
-      <p:sp>
-        <p:nvSpPr>
-          <p:cNvPr id="3" name="Content Placeholder 2">
-            <a:extLst>
-              <a:ext uri="{FF2B5EF4-FFF2-40B4-BE49-F238E27FC236}">
-                <a16:creationId xmlns:a16="http://schemas.microsoft.com/office/drawing/2014/main" id="{65807A3A-D084-45F1-A2F1-02F503808004}"/>
-              </a:ext>
-            </a:extLst>
-          </p:cNvPr>
-          <p:cNvSpPr>
-            <a:spLocks noGrp="1"/>
-          </p:cNvSpPr>
-          <p:nvPr>
-            <p:ph idx="1"/>
-          </p:nvPr>
-        </p:nvSpPr>
-        <p:spPr/>
-        <p:txBody>
-          <a:bodyPr/>
-          <a:lstStyle/>
-          <a:p>
-            <a:endParaRPr lang="en-US"/>
-          </a:p>
-        </p:txBody>
-      </p:sp>
-    </p:spTree>
-    <p:extLst>
-      <p:ext uri="{BB962C8B-B14F-4D97-AF65-F5344CB8AC3E}">
-        <p14:creationId xmlns:p14="http://schemas.microsoft.com/office/powerpoint/2010/main" val="1607434778"/>
-      </p:ext>
-    </p:extLst>
-  </p:cSld>
-  <p:clrMapOvr>
-    <a:masterClrMapping/>
-  </p:clrMapOvr>
-</p:sld>
-</file>
-
-<file path=ppt/slides/slide19.xml><?xml version="1.0" encoding="utf-8"?>
-<p:sld xmlns:a="http://schemas.openxmlformats.org/drawingml/2006/main" xmlns:r="http://schemas.openxmlformats.org/officeDocument/2006/relationships" xmlns:p="http://schemas.openxmlformats.org/presentationml/2006/main">
-  <p:cSld>
-    <p:spTree>
-      <p:nvGrpSpPr>
-        <p:cNvPr id="1" name=""/>
-        <p:cNvGrpSpPr/>
-        <p:nvPr/>
-      </p:nvGrpSpPr>
-      <p:grpSpPr>
-        <a:xfrm>
-          <a:off x="0" y="0"/>
-          <a:ext cx="0" cy="0"/>
-          <a:chOff x="0" y="0"/>
-          <a:chExt cx="0" cy="0"/>
-        </a:xfrm>
-      </p:grpSpPr>
-      <p:sp>
-        <p:nvSpPr>
-          <p:cNvPr id="2" name="Title 1">
-            <a:extLst>
-              <a:ext uri="{FF2B5EF4-FFF2-40B4-BE49-F238E27FC236}">
-                <a16:creationId xmlns:a16="http://schemas.microsoft.com/office/drawing/2014/main" id="{10793B27-FE2D-42E6-B1FA-66F68E0C5BAE}"/>
-              </a:ext>
-            </a:extLst>
-          </p:cNvPr>
-          <p:cNvSpPr>
-            <a:spLocks noGrp="1"/>
-          </p:cNvSpPr>
-          <p:nvPr>
-            <p:ph type="title"/>
-          </p:nvPr>
-        </p:nvSpPr>
-        <p:spPr/>
-        <p:txBody>
-          <a:bodyPr/>
-          <a:lstStyle/>
-          <a:p>
-            <a:r>
-              <a:rPr lang="en-US" dirty="0"/>
-              <a:t>Project Metrics(example)</a:t>
-            </a:r>
-          </a:p>
-        </p:txBody>
-      </p:sp>
-      <p:sp>
-        <p:nvSpPr>
-          <p:cNvPr id="3" name="Content Placeholder 2">
-            <a:extLst>
-              <a:ext uri="{FF2B5EF4-FFF2-40B4-BE49-F238E27FC236}">
-                <a16:creationId xmlns:a16="http://schemas.microsoft.com/office/drawing/2014/main" id="{65FE8C43-4BCE-4278-82B4-6D019B14E0AE}"/>
-              </a:ext>
-            </a:extLst>
-          </p:cNvPr>
-          <p:cNvSpPr>
-            <a:spLocks noGrp="1"/>
-          </p:cNvSpPr>
-          <p:nvPr>
-            <p:ph idx="1"/>
-          </p:nvPr>
-        </p:nvSpPr>
-        <p:spPr/>
-        <p:txBody>
-          <a:bodyPr/>
-          <a:lstStyle/>
-          <a:p>
-            <a:r>
-              <a:rPr lang="en-US" b="1" dirty="0"/>
-              <a:t>1235</a:t>
-            </a:r>
-            <a:r>
-              <a:rPr lang="en-US" dirty="0"/>
-              <a:t> Lines of Code</a:t>
-            </a:r>
-          </a:p>
-          <a:p>
-            <a:r>
-              <a:rPr lang="en-US" b="1" dirty="0"/>
-              <a:t>5 authors</a:t>
-            </a:r>
-            <a:r>
-              <a:rPr lang="en-US" dirty="0"/>
-              <a:t> have pushed </a:t>
-            </a:r>
-            <a:r>
-              <a:rPr lang="en-US" b="1" dirty="0"/>
-              <a:t>42commits</a:t>
-            </a:r>
-            <a:r>
-              <a:rPr lang="en-US" dirty="0"/>
-              <a:t> to master and </a:t>
-            </a:r>
-            <a:r>
-              <a:rPr lang="en-US" b="1" dirty="0"/>
-              <a:t>62 commits</a:t>
-            </a:r>
-            <a:r>
-              <a:rPr lang="en-US" dirty="0"/>
-              <a:t> to all branches</a:t>
-            </a:r>
-          </a:p>
-          <a:p>
-            <a:r>
-              <a:rPr lang="en-US" dirty="0"/>
-              <a:t>On master, </a:t>
-            </a:r>
-            <a:r>
-              <a:rPr lang="en-US" b="1" dirty="0"/>
-              <a:t>144 files</a:t>
-            </a:r>
-            <a:r>
-              <a:rPr lang="en-US" dirty="0"/>
-              <a:t> have changed and there have been </a:t>
-            </a:r>
-            <a:r>
-              <a:rPr lang="en-US" b="1" dirty="0"/>
-              <a:t>44,383</a:t>
-            </a:r>
-            <a:r>
-              <a:rPr lang="en-US" dirty="0"/>
-              <a:t> </a:t>
-            </a:r>
-            <a:r>
-              <a:rPr lang="en-US" b="1" dirty="0"/>
-              <a:t>additions</a:t>
-            </a:r>
-            <a:r>
-              <a:rPr lang="en-US" dirty="0"/>
-              <a:t> and </a:t>
-            </a:r>
-            <a:r>
-              <a:rPr lang="en-US" b="1" dirty="0"/>
-              <a:t>0 deletions</a:t>
-            </a:r>
-          </a:p>
-          <a:p>
-            <a:r>
-              <a:rPr lang="en-US" b="1" dirty="0"/>
-              <a:t>13 frameworks or libraries used in the project</a:t>
-            </a:r>
-            <a:endParaRPr lang="en-US" dirty="0"/>
-          </a:p>
-          <a:p>
-            <a:endParaRPr lang="en-US" dirty="0"/>
-          </a:p>
-        </p:txBody>
-      </p:sp>
-    </p:spTree>
-    <p:extLst>
-      <p:ext uri="{BB962C8B-B14F-4D97-AF65-F5344CB8AC3E}">
-        <p14:creationId xmlns:p14="http://schemas.microsoft.com/office/powerpoint/2010/main" val="4275677166"/>
-      </p:ext>
-    </p:extLst>
-  </p:cSld>
-  <p:clrMapOvr>
-    <a:masterClrMapping/>
-  </p:clrMapOvr>
-</p:sld>
-</file>
-
-<file path=ppt/slides/slide2.xml><?xml version="1.0" encoding="utf-8"?>
 <p:sld xmlns:a="http://schemas.openxmlformats.org/drawingml/2006/main" xmlns:r="http://schemas.openxmlformats.org/officeDocument/2006/relationships" xmlns:p="http://schemas.openxmlformats.org/presentationml/2006/main">
   <p:cSld>
     <p:bg>
       <p:bgPr>
         <a:solidFill>
-          <a:schemeClr val="bg1"/>
+          <a:schemeClr val="bg1">
+            <a:tint val="95000"/>
+            <a:satMod val="170000"/>
+          </a:schemeClr>
         </a:solidFill>
         <a:effectLst/>
       </p:bgPr>
@@ -13048,10 +12771,10 @@
       </p:grpSpPr>
       <p:sp useBgFill="1">
         <p:nvSpPr>
-          <p:cNvPr id="45" name="Rectangle 7">
+          <p:cNvPr id="10" name="Rectangle 9">
             <a:extLst>
               <a:ext uri="{FF2B5EF4-FFF2-40B4-BE49-F238E27FC236}">
-                <a16:creationId xmlns:a16="http://schemas.microsoft.com/office/drawing/2014/main" id="{1B15ED52-F352-441B-82BF-E0EA34836D08}"/>
+                <a16:creationId xmlns:a16="http://schemas.microsoft.com/office/drawing/2014/main" id="{8537B233-9CDD-4A90-AABB-A8963DEE4FBC}"/>
               </a:ext>
               <a:ext uri="{C183D7F6-B498-43B3-948B-1728B52AA6E4}">
                 <adec:decorative xmlns:adec="http://schemas.microsoft.com/office/drawing/2017/decorative" val="1"/>
@@ -13071,101 +12794,12 @@
         </p:nvSpPr>
         <p:spPr>
           <a:xfrm>
-            <a:off x="0" y="0"/>
+            <a:off x="0" y="1"/>
             <a:ext cx="12192000" cy="6858000"/>
           </a:xfrm>
           <a:prstGeom prst="rect">
             <a:avLst/>
           </a:prstGeom>
-          <a:ln w="12700" cap="flat" cmpd="sng" algn="ctr">
-            <a:noFill/>
-            <a:prstDash val="solid"/>
-            <a:miter lim="800000"/>
-          </a:ln>
-          <a:effectLst/>
-          <a:extLst>
-            <a:ext uri="{91240B29-F687-4F45-9708-019B960494DF}">
-              <a14:hiddenLine xmlns:a14="http://schemas.microsoft.com/office/drawing/2010/main" w="12700" cap="flat" cmpd="sng" algn="ctr">
-                <a:solidFill>
-                  <a:schemeClr val="accent1">
-                    <a:shade val="50000"/>
-                  </a:schemeClr>
-                </a:solidFill>
-                <a:prstDash val="solid"/>
-                <a:miter lim="800000"/>
-              </a14:hiddenLine>
-            </a:ext>
-          </a:extLst>
-        </p:spPr>
-        <p:style>
-          <a:lnRef idx="2">
-            <a:schemeClr val="accent1">
-              <a:shade val="50000"/>
-            </a:schemeClr>
-          </a:lnRef>
-          <a:fillRef idx="1">
-            <a:schemeClr val="accent1"/>
-          </a:fillRef>
-          <a:effectRef idx="0">
-            <a:schemeClr val="accent1"/>
-          </a:effectRef>
-          <a:fontRef idx="minor">
-            <a:schemeClr val="lt1"/>
-          </a:fontRef>
-        </p:style>
-        <p:txBody>
-          <a:bodyPr rtlCol="0" anchor="ctr"/>
-          <a:lstStyle/>
-          <a:p>
-            <a:pPr algn="ctr"/>
-            <a:endParaRPr lang="en-US"/>
-          </a:p>
-        </p:txBody>
-      </p:sp>
-      <p:sp>
-        <p:nvSpPr>
-          <p:cNvPr id="46" name="Rectangle 9">
-            <a:extLst>
-              <a:ext uri="{FF2B5EF4-FFF2-40B4-BE49-F238E27FC236}">
-                <a16:creationId xmlns:a16="http://schemas.microsoft.com/office/drawing/2014/main" id="{3B2E3793-BFE6-45A2-9B7B-E18844431C99}"/>
-              </a:ext>
-              <a:ext uri="{C183D7F6-B498-43B3-948B-1728B52AA6E4}">
-                <adec:decorative xmlns:adec="http://schemas.microsoft.com/office/drawing/2017/decorative" val="1"/>
-              </a:ext>
-            </a:extLst>
-          </p:cNvPr>
-          <p:cNvSpPr>
-            <a:spLocks noGrp="1" noRot="1" noChangeAspect="1" noMove="1" noResize="1" noEditPoints="1" noAdjustHandles="1" noChangeArrowheads="1" noChangeShapeType="1" noTextEdit="1"/>
-          </p:cNvSpPr>
-          <p:nvPr>
-            <p:extLst>
-              <p:ext uri="{386F3935-93C4-4BCD-93E2-E3B085C9AB24}">
-                <p16:designElem xmlns:p16="http://schemas.microsoft.com/office/powerpoint/2015/main" val="1"/>
-              </p:ext>
-            </p:extLst>
-          </p:nvPr>
-        </p:nvSpPr>
-        <p:spPr>
-          <a:xfrm flipH="1">
-            <a:off x="-1" y="-1"/>
-            <a:ext cx="12191998" cy="1590742"/>
-          </a:xfrm>
-          <a:prstGeom prst="rect">
-            <a:avLst/>
-          </a:prstGeom>
-          <a:gradFill>
-            <a:gsLst>
-              <a:gs pos="0">
-                <a:srgbClr val="000000"/>
-              </a:gs>
-              <a:gs pos="100000">
-                <a:schemeClr val="accent1">
-                  <a:lumMod val="75000"/>
-                </a:schemeClr>
-              </a:gs>
-            </a:gsLst>
-            <a:lin ang="8400000" scaled="0"/>
-          </a:gradFill>
           <a:ln>
             <a:noFill/>
           </a:ln>
@@ -13190,235 +12824,37 @@
           <a:bodyPr rtlCol="0" anchor="ctr"/>
           <a:lstStyle/>
           <a:p>
-            <a:pPr algn="ctr"/>
-            <a:endParaRPr lang="en-US"/>
-          </a:p>
-        </p:txBody>
-      </p:sp>
-      <p:sp>
-        <p:nvSpPr>
-          <p:cNvPr id="47" name="Rectangle 11">
-            <a:extLst>
-              <a:ext uri="{FF2B5EF4-FFF2-40B4-BE49-F238E27FC236}">
-                <a16:creationId xmlns:a16="http://schemas.microsoft.com/office/drawing/2014/main" id="{BC4C4868-CB8F-4AF9-9CDB-8108F2C19B67}"/>
-              </a:ext>
-              <a:ext uri="{C183D7F6-B498-43B3-948B-1728B52AA6E4}">
-                <adec:decorative xmlns:adec="http://schemas.microsoft.com/office/drawing/2017/decorative" val="1"/>
-              </a:ext>
-            </a:extLst>
-          </p:cNvPr>
-          <p:cNvSpPr>
-            <a:spLocks noGrp="1" noRot="1" noChangeAspect="1" noMove="1" noResize="1" noEditPoints="1" noAdjustHandles="1" noChangeArrowheads="1" noChangeShapeType="1" noTextEdit="1"/>
-          </p:cNvSpPr>
-          <p:nvPr>
-            <p:extLst>
-              <p:ext uri="{386F3935-93C4-4BCD-93E2-E3B085C9AB24}">
-                <p16:designElem xmlns:p16="http://schemas.microsoft.com/office/powerpoint/2015/main" val="1"/>
-              </p:ext>
-            </p:extLst>
-          </p:nvPr>
-        </p:nvSpPr>
-        <p:spPr>
-          <a:xfrm rot="10800000" flipH="1">
-            <a:off x="-3" y="0"/>
-            <a:ext cx="8115306" cy="1590742"/>
-          </a:xfrm>
-          <a:prstGeom prst="rect">
-            <a:avLst/>
-          </a:prstGeom>
-          <a:gradFill>
-            <a:gsLst>
-              <a:gs pos="20000">
-                <a:schemeClr val="accent1">
-                  <a:alpha val="0"/>
-                </a:schemeClr>
-              </a:gs>
-              <a:gs pos="100000">
-                <a:schemeClr val="accent1">
-                  <a:lumMod val="50000"/>
-                  <a:alpha val="55000"/>
-                </a:schemeClr>
-              </a:gs>
-            </a:gsLst>
-            <a:lin ang="13800000" scaled="0"/>
-          </a:gradFill>
-          <a:ln>
-            <a:noFill/>
-          </a:ln>
-        </p:spPr>
-        <p:style>
-          <a:lnRef idx="2">
-            <a:schemeClr val="accent1">
-              <a:shade val="50000"/>
-            </a:schemeClr>
-          </a:lnRef>
-          <a:fillRef idx="1">
-            <a:schemeClr val="accent1"/>
-          </a:fillRef>
-          <a:effectRef idx="0">
-            <a:schemeClr val="accent1"/>
-          </a:effectRef>
-          <a:fontRef idx="minor">
-            <a:schemeClr val="lt1"/>
-          </a:fontRef>
-        </p:style>
-        <p:txBody>
-          <a:bodyPr rtlCol="0" anchor="ctr"/>
-          <a:lstStyle/>
-          <a:p>
-            <a:pPr algn="ctr"/>
-            <a:endParaRPr lang="en-US"/>
-          </a:p>
-        </p:txBody>
-      </p:sp>
-      <p:sp>
-        <p:nvSpPr>
-          <p:cNvPr id="48" name="Rectangle 13">
-            <a:extLst>
-              <a:ext uri="{FF2B5EF4-FFF2-40B4-BE49-F238E27FC236}">
-                <a16:creationId xmlns:a16="http://schemas.microsoft.com/office/drawing/2014/main" id="{375E0459-6403-40CD-989D-56A4407CA12E}"/>
-              </a:ext>
-              <a:ext uri="{C183D7F6-B498-43B3-948B-1728B52AA6E4}">
-                <adec:decorative xmlns:adec="http://schemas.microsoft.com/office/drawing/2017/decorative" val="1"/>
-              </a:ext>
-            </a:extLst>
-          </p:cNvPr>
-          <p:cNvSpPr>
-            <a:spLocks noGrp="1" noRot="1" noChangeAspect="1" noMove="1" noResize="1" noEditPoints="1" noAdjustHandles="1" noChangeArrowheads="1" noChangeShapeType="1" noTextEdit="1"/>
-          </p:cNvSpPr>
-          <p:nvPr>
-            <p:extLst>
-              <p:ext uri="{386F3935-93C4-4BCD-93E2-E3B085C9AB24}">
-                <p16:designElem xmlns:p16="http://schemas.microsoft.com/office/powerpoint/2015/main" val="1"/>
-              </p:ext>
-            </p:extLst>
-          </p:nvPr>
-        </p:nvSpPr>
-        <p:spPr>
-          <a:xfrm flipH="1">
-            <a:off x="8115299" y="-1"/>
-            <a:ext cx="4076698" cy="1590742"/>
-          </a:xfrm>
-          <a:prstGeom prst="rect">
-            <a:avLst/>
-          </a:prstGeom>
-          <a:gradFill>
-            <a:gsLst>
-              <a:gs pos="0">
-                <a:schemeClr val="accent1">
-                  <a:alpha val="66000"/>
-                </a:schemeClr>
-              </a:gs>
-              <a:gs pos="100000">
-                <a:srgbClr val="000000">
-                  <a:alpha val="30000"/>
-                </a:srgbClr>
-              </a:gs>
-            </a:gsLst>
-            <a:lin ang="13200000" scaled="0"/>
-          </a:gradFill>
-          <a:ln>
-            <a:noFill/>
-          </a:ln>
-        </p:spPr>
-        <p:style>
-          <a:lnRef idx="2">
-            <a:schemeClr val="accent1">
-              <a:shade val="50000"/>
-            </a:schemeClr>
-          </a:lnRef>
-          <a:fillRef idx="1">
-            <a:schemeClr val="accent1"/>
-          </a:fillRef>
-          <a:effectRef idx="0">
-            <a:schemeClr val="accent1"/>
-          </a:effectRef>
-          <a:fontRef idx="minor">
-            <a:schemeClr val="lt1"/>
-          </a:fontRef>
-        </p:style>
-        <p:txBody>
-          <a:bodyPr rtlCol="0" anchor="ctr"/>
-          <a:lstStyle/>
-          <a:p>
-            <a:pPr algn="ctr"/>
-            <a:endParaRPr lang="en-US"/>
-          </a:p>
-        </p:txBody>
-      </p:sp>
-      <p:sp>
-        <p:nvSpPr>
-          <p:cNvPr id="49" name="Rectangle 15">
-            <a:extLst>
-              <a:ext uri="{FF2B5EF4-FFF2-40B4-BE49-F238E27FC236}">
-                <a16:creationId xmlns:a16="http://schemas.microsoft.com/office/drawing/2014/main" id="{53E5B1A8-3AC9-4BD1-9BBC-78CA94F2D1BA}"/>
-              </a:ext>
-              <a:ext uri="{C183D7F6-B498-43B3-948B-1728B52AA6E4}">
-                <adec:decorative xmlns:adec="http://schemas.microsoft.com/office/drawing/2017/decorative" val="1"/>
-              </a:ext>
-            </a:extLst>
-          </p:cNvPr>
-          <p:cNvSpPr>
-            <a:spLocks noGrp="1" noRot="1" noChangeAspect="1" noMove="1" noResize="1" noEditPoints="1" noAdjustHandles="1" noChangeArrowheads="1" noChangeShapeType="1" noTextEdit="1"/>
-          </p:cNvSpPr>
-          <p:nvPr>
-            <p:extLst>
-              <p:ext uri="{386F3935-93C4-4BCD-93E2-E3B085C9AB24}">
-                <p16:designElem xmlns:p16="http://schemas.microsoft.com/office/powerpoint/2015/main" val="1"/>
-              </p:ext>
-            </p:extLst>
-          </p:nvPr>
-        </p:nvSpPr>
-        <p:spPr>
-          <a:xfrm>
-            <a:off x="459350" y="-1"/>
-            <a:ext cx="11732646" cy="1597433"/>
-          </a:xfrm>
-          <a:prstGeom prst="rect">
-            <a:avLst/>
-          </a:prstGeom>
-          <a:gradFill>
-            <a:gsLst>
-              <a:gs pos="50000">
-                <a:srgbClr val="000000">
-                  <a:alpha val="0"/>
-                </a:srgbClr>
-              </a:gs>
-              <a:gs pos="99000">
-                <a:schemeClr val="accent1">
-                  <a:lumMod val="50000"/>
-                  <a:alpha val="52000"/>
-                </a:schemeClr>
-              </a:gs>
-            </a:gsLst>
-            <a:lin ang="16800000" scaled="0"/>
-          </a:gradFill>
-          <a:ln>
-            <a:noFill/>
-          </a:ln>
-        </p:spPr>
-        <p:style>
-          <a:lnRef idx="2">
-            <a:schemeClr val="accent1">
-              <a:shade val="50000"/>
-            </a:schemeClr>
-          </a:lnRef>
-          <a:fillRef idx="1">
-            <a:schemeClr val="accent1"/>
-          </a:fillRef>
-          <a:effectRef idx="0">
-            <a:schemeClr val="accent1"/>
-          </a:effectRef>
-          <a:fontRef idx="minor">
-            <a:schemeClr val="lt1"/>
-          </a:fontRef>
-        </p:style>
-        <p:txBody>
-          <a:bodyPr rtlCol="0" anchor="ctr"/>
-          <a:lstStyle/>
-          <a:p>
-            <a:pPr algn="ctr"/>
-            <a:endParaRPr lang="en-US"/>
+            <a:pPr marL="0" marR="0" lvl="0" indent="0" algn="ctr" defTabSz="914400" rtl="0" eaLnBrk="1" fontAlgn="auto" latinLnBrk="0" hangingPunct="1">
+              <a:lnSpc>
+                <a:spcPct val="100000"/>
+              </a:lnSpc>
+              <a:spcBef>
+                <a:spcPts val="0"/>
+              </a:spcBef>
+              <a:spcAft>
+                <a:spcPts val="0"/>
+              </a:spcAft>
+              <a:buClrTx/>
+              <a:buSzTx/>
+              <a:buFontTx/>
+              <a:buNone/>
+              <a:tabLst/>
+              <a:defRPr/>
+            </a:pPr>
+            <a:endParaRPr kumimoji="0" lang="en-US" sz="1800" b="0" i="0" u="none" strike="noStrike" kern="1200" cap="none" spc="0" normalizeH="0" baseline="0" noProof="0">
+              <a:ln>
+                <a:noFill/>
+              </a:ln>
+              <a:solidFill>
+                <a:prstClr val="white"/>
+              </a:solidFill>
+              <a:effectLst/>
+              <a:uLnTx/>
+              <a:uFillTx/>
+              <a:latin typeface="Tw Cen MT" panose="020B0602020104020603"/>
+              <a:ea typeface="+mn-ea"/>
+              <a:cs typeface="+mn-cs"/>
+            </a:endParaRPr>
           </a:p>
         </p:txBody>
       </p:sp>
@@ -13427,7 +12863,7 @@
           <p:cNvPr id="2" name="Title 1">
             <a:extLst>
               <a:ext uri="{FF2B5EF4-FFF2-40B4-BE49-F238E27FC236}">
-                <a16:creationId xmlns:a16="http://schemas.microsoft.com/office/drawing/2014/main" id="{E5F55385-4AF0-4E06-9284-5FD0B13B7F6E}"/>
+                <a16:creationId xmlns:a16="http://schemas.microsoft.com/office/drawing/2014/main" id="{0D0692E2-23A6-41E5-A4B5-9DC60430464A}"/>
               </a:ext>
             </a:extLst>
           </p:cNvPr>
@@ -13440,136 +12876,126 @@
         </p:nvSpPr>
         <p:spPr>
           <a:xfrm>
-            <a:off x="1371599" y="294538"/>
-            <a:ext cx="9895951" cy="1033669"/>
+            <a:off x="841248" y="818457"/>
+            <a:ext cx="3322317" cy="2975876"/>
           </a:xfrm>
         </p:spPr>
         <p:txBody>
-          <a:bodyPr>
+          <a:bodyPr vert="horz" lIns="91440" tIns="45720" rIns="91440" bIns="45720" rtlCol="0" anchor="b">
             <a:normAutofit/>
           </a:bodyPr>
           <a:lstStyle/>
           <a:p>
             <a:r>
-              <a:rPr lang="en-US" sz="4000">
+              <a:rPr lang="en-US" kern="1200">
                 <a:solidFill>
-                  <a:srgbClr val="FFFFFF"/>
+                  <a:schemeClr val="tx1"/>
                 </a:solidFill>
+                <a:latin typeface="+mj-lt"/>
+                <a:ea typeface="+mj-ea"/>
+                <a:cs typeface="+mj-cs"/>
               </a:rPr>
-              <a:t>Agenda</a:t>
+              <a:t>Unit Testing (Overall Coverage)</a:t>
             </a:r>
           </a:p>
         </p:txBody>
       </p:sp>
-      <p:sp>
-        <p:nvSpPr>
-          <p:cNvPr id="3" name="Content Placeholder 2">
+      <p:cxnSp>
+        <p:nvCxnSpPr>
+          <p:cNvPr id="12" name="Straight Connector 11">
             <a:extLst>
               <a:ext uri="{FF2B5EF4-FFF2-40B4-BE49-F238E27FC236}">
-                <a16:creationId xmlns:a16="http://schemas.microsoft.com/office/drawing/2014/main" id="{52762020-A89C-4D00-88B0-31853ADF98A6}"/>
+                <a16:creationId xmlns:a16="http://schemas.microsoft.com/office/drawing/2014/main" id="{040575EE-C594-4566-BC00-663004E52AB5}"/>
+              </a:ext>
+              <a:ext uri="{C183D7F6-B498-43B3-948B-1728B52AA6E4}">
+                <adec:decorative xmlns:adec="http://schemas.microsoft.com/office/drawing/2017/decorative" val="1"/>
               </a:ext>
             </a:extLst>
           </p:cNvPr>
-          <p:cNvSpPr>
-            <a:spLocks noGrp="1"/>
-          </p:cNvSpPr>
+          <p:cNvCxnSpPr>
+            <a:cxnSpLocks noGrp="1" noRot="1" noChangeAspect="1" noMove="1" noResize="1" noEditPoints="1" noAdjustHandles="1" noChangeArrowheads="1" noChangeShapeType="1"/>
+          </p:cNvCxnSpPr>
           <p:nvPr>
-            <p:ph idx="1"/>
+            <p:extLst>
+              <p:ext uri="{386F3935-93C4-4BCD-93E2-E3B085C9AB24}">
+                <p16:designElem xmlns:p16="http://schemas.microsoft.com/office/powerpoint/2015/main" val="1"/>
+              </p:ext>
+            </p:extLst>
           </p:nvPr>
-        </p:nvSpPr>
+        </p:nvCxnSpPr>
         <p:spPr>
           <a:xfrm>
-            <a:off x="1371599" y="2318197"/>
-            <a:ext cx="9724031" cy="3683358"/>
+            <a:off x="4763566" y="1417320"/>
+            <a:ext cx="0" cy="4023360"/>
           </a:xfrm>
+          <a:prstGeom prst="line">
+            <a:avLst/>
+          </a:prstGeom>
+          <a:ln w="15875">
+            <a:solidFill>
+              <a:schemeClr val="tx1"/>
+            </a:solidFill>
+          </a:ln>
         </p:spPr>
-        <p:txBody>
-          <a:bodyPr anchor="ctr">
-            <a:normAutofit/>
-          </a:bodyPr>
-          <a:lstStyle/>
-          <a:p>
-            <a:r>
-              <a:rPr lang="en-US" sz="2000"/>
-              <a:t>Project Scope</a:t>
-            </a:r>
-          </a:p>
-          <a:p>
-            <a:r>
-              <a:rPr lang="en-US" sz="2000"/>
-              <a:t>Product Functions</a:t>
-            </a:r>
-          </a:p>
-          <a:p>
-            <a:r>
-              <a:rPr lang="en-US" sz="2000"/>
-              <a:t>Design and Implementation Constraints</a:t>
-            </a:r>
-          </a:p>
-          <a:p>
-            <a:r>
-              <a:rPr lang="en-US" sz="2000"/>
-              <a:t>Security Measures</a:t>
-            </a:r>
-          </a:p>
-          <a:p>
-            <a:r>
-              <a:rPr lang="en-US" sz="2000"/>
-              <a:t>BackEnd</a:t>
-            </a:r>
-          </a:p>
-          <a:p>
-            <a:r>
-              <a:rPr lang="en-US" sz="2000"/>
-              <a:t>FrontEnd</a:t>
-            </a:r>
-          </a:p>
-          <a:p>
-            <a:r>
-              <a:rPr lang="en-US" sz="2000"/>
-              <a:t>User Stories</a:t>
-            </a:r>
-          </a:p>
-          <a:p>
-            <a:r>
-              <a:rPr lang="en-US" sz="2000"/>
-              <a:t>Proposed Features </a:t>
-            </a:r>
-          </a:p>
-          <a:p>
-            <a:endParaRPr lang="en-US" sz="2000"/>
-          </a:p>
-          <a:p>
-            <a:pPr lvl="1"/>
-            <a:endParaRPr lang="en-US" sz="2000"/>
-          </a:p>
-          <a:p>
-            <a:pPr lvl="1"/>
-            <a:endParaRPr lang="en-US" sz="2000"/>
-          </a:p>
-          <a:p>
-            <a:pPr lvl="1"/>
-            <a:endParaRPr lang="en-US" sz="2000"/>
-          </a:p>
-          <a:p>
-            <a:endParaRPr lang="en-US" sz="2000"/>
-          </a:p>
-        </p:txBody>
-      </p:sp>
+        <p:style>
+          <a:lnRef idx="1">
+            <a:schemeClr val="accent1"/>
+          </a:lnRef>
+          <a:fillRef idx="0">
+            <a:schemeClr val="accent1"/>
+          </a:fillRef>
+          <a:effectRef idx="0">
+            <a:schemeClr val="accent1"/>
+          </a:effectRef>
+          <a:fontRef idx="minor">
+            <a:schemeClr val="tx1"/>
+          </a:fontRef>
+        </p:style>
+      </p:cxnSp>
+      <p:pic>
+        <p:nvPicPr>
+          <p:cNvPr id="5" name="Picture 4">
+            <a:extLst>
+              <a:ext uri="{FF2B5EF4-FFF2-40B4-BE49-F238E27FC236}">
+                <a16:creationId xmlns:a16="http://schemas.microsoft.com/office/drawing/2014/main" id="{2E4DDABB-9CD6-490B-BCE2-3817217C4B89}"/>
+              </a:ext>
+            </a:extLst>
+          </p:cNvPr>
+          <p:cNvPicPr>
+            <a:picLocks noChangeAspect="1"/>
+          </p:cNvPicPr>
+          <p:nvPr/>
+        </p:nvPicPr>
+        <p:blipFill>
+          <a:blip r:embed="rId2"/>
+          <a:stretch>
+            <a:fillRect/>
+          </a:stretch>
+        </p:blipFill>
+        <p:spPr>
+          <a:xfrm>
+            <a:off x="5344678" y="1031386"/>
+            <a:ext cx="6436548" cy="4795227"/>
+          </a:xfrm>
+          <a:prstGeom prst="rect">
+            <a:avLst/>
+          </a:prstGeom>
+        </p:spPr>
+      </p:pic>
     </p:spTree>
     <p:extLst>
       <p:ext uri="{BB962C8B-B14F-4D97-AF65-F5344CB8AC3E}">
-        <p14:creationId xmlns:p14="http://schemas.microsoft.com/office/powerpoint/2010/main" val="3427648315"/>
+        <p14:creationId xmlns:p14="http://schemas.microsoft.com/office/powerpoint/2010/main" val="3650063794"/>
       </p:ext>
     </p:extLst>
   </p:cSld>
   <p:clrMapOvr>
-    <a:masterClrMapping/>
+    <a:overrideClrMapping bg1="dk1" tx1="lt1" bg2="dk2" tx2="lt2" accent1="accent1" accent2="accent2" accent3="accent3" accent4="accent4" accent5="accent5" accent6="accent6" hlink="hlink" folHlink="folHlink"/>
   </p:clrMapOvr>
 </p:sld>
 </file>
 
-<file path=ppt/slides/slide20.xml><?xml version="1.0" encoding="utf-8"?>
+<file path=ppt/slides/slide19.xml><?xml version="1.0" encoding="utf-8"?>
 <p:sld xmlns:a="http://schemas.openxmlformats.org/drawingml/2006/main" xmlns:r="http://schemas.openxmlformats.org/officeDocument/2006/relationships" xmlns:p="http://schemas.openxmlformats.org/presentationml/2006/main">
   <p:cSld>
     <p:bg>
@@ -14151,6 +13577,554 @@
 </p:sld>
 </file>
 
+<file path=ppt/slides/slide2.xml><?xml version="1.0" encoding="utf-8"?>
+<p:sld xmlns:a="http://schemas.openxmlformats.org/drawingml/2006/main" xmlns:r="http://schemas.openxmlformats.org/officeDocument/2006/relationships" xmlns:p="http://schemas.openxmlformats.org/presentationml/2006/main">
+  <p:cSld>
+    <p:bg>
+      <p:bgPr>
+        <a:solidFill>
+          <a:schemeClr val="bg1"/>
+        </a:solidFill>
+        <a:effectLst/>
+      </p:bgPr>
+    </p:bg>
+    <p:spTree>
+      <p:nvGrpSpPr>
+        <p:cNvPr id="1" name=""/>
+        <p:cNvGrpSpPr/>
+        <p:nvPr/>
+      </p:nvGrpSpPr>
+      <p:grpSpPr>
+        <a:xfrm>
+          <a:off x="0" y="0"/>
+          <a:ext cx="0" cy="0"/>
+          <a:chOff x="0" y="0"/>
+          <a:chExt cx="0" cy="0"/>
+        </a:xfrm>
+      </p:grpSpPr>
+      <p:sp useBgFill="1">
+        <p:nvSpPr>
+          <p:cNvPr id="45" name="Rectangle 7">
+            <a:extLst>
+              <a:ext uri="{FF2B5EF4-FFF2-40B4-BE49-F238E27FC236}">
+                <a16:creationId xmlns:a16="http://schemas.microsoft.com/office/drawing/2014/main" id="{1B15ED52-F352-441B-82BF-E0EA34836D08}"/>
+              </a:ext>
+              <a:ext uri="{C183D7F6-B498-43B3-948B-1728B52AA6E4}">
+                <adec:decorative xmlns:adec="http://schemas.microsoft.com/office/drawing/2017/decorative" val="1"/>
+              </a:ext>
+            </a:extLst>
+          </p:cNvPr>
+          <p:cNvSpPr>
+            <a:spLocks noGrp="1" noRot="1" noChangeAspect="1" noMove="1" noResize="1" noEditPoints="1" noAdjustHandles="1" noChangeArrowheads="1" noChangeShapeType="1" noTextEdit="1"/>
+          </p:cNvSpPr>
+          <p:nvPr>
+            <p:extLst>
+              <p:ext uri="{386F3935-93C4-4BCD-93E2-E3B085C9AB24}">
+                <p16:designElem xmlns:p16="http://schemas.microsoft.com/office/powerpoint/2015/main" val="1"/>
+              </p:ext>
+            </p:extLst>
+          </p:nvPr>
+        </p:nvSpPr>
+        <p:spPr>
+          <a:xfrm>
+            <a:off x="0" y="0"/>
+            <a:ext cx="12192000" cy="6858000"/>
+          </a:xfrm>
+          <a:prstGeom prst="rect">
+            <a:avLst/>
+          </a:prstGeom>
+          <a:ln w="12700" cap="flat" cmpd="sng" algn="ctr">
+            <a:noFill/>
+            <a:prstDash val="solid"/>
+            <a:miter lim="800000"/>
+          </a:ln>
+          <a:effectLst/>
+          <a:extLst>
+            <a:ext uri="{91240B29-F687-4F45-9708-019B960494DF}">
+              <a14:hiddenLine xmlns:a14="http://schemas.microsoft.com/office/drawing/2010/main" w="12700" cap="flat" cmpd="sng" algn="ctr">
+                <a:solidFill>
+                  <a:schemeClr val="accent1">
+                    <a:shade val="50000"/>
+                  </a:schemeClr>
+                </a:solidFill>
+                <a:prstDash val="solid"/>
+                <a:miter lim="800000"/>
+              </a14:hiddenLine>
+            </a:ext>
+          </a:extLst>
+        </p:spPr>
+        <p:style>
+          <a:lnRef idx="2">
+            <a:schemeClr val="accent1">
+              <a:shade val="50000"/>
+            </a:schemeClr>
+          </a:lnRef>
+          <a:fillRef idx="1">
+            <a:schemeClr val="accent1"/>
+          </a:fillRef>
+          <a:effectRef idx="0">
+            <a:schemeClr val="accent1"/>
+          </a:effectRef>
+          <a:fontRef idx="minor">
+            <a:schemeClr val="lt1"/>
+          </a:fontRef>
+        </p:style>
+        <p:txBody>
+          <a:bodyPr rtlCol="0" anchor="ctr"/>
+          <a:lstStyle/>
+          <a:p>
+            <a:pPr algn="ctr"/>
+            <a:endParaRPr lang="en-US"/>
+          </a:p>
+        </p:txBody>
+      </p:sp>
+      <p:sp>
+        <p:nvSpPr>
+          <p:cNvPr id="46" name="Rectangle 9">
+            <a:extLst>
+              <a:ext uri="{FF2B5EF4-FFF2-40B4-BE49-F238E27FC236}">
+                <a16:creationId xmlns:a16="http://schemas.microsoft.com/office/drawing/2014/main" id="{3B2E3793-BFE6-45A2-9B7B-E18844431C99}"/>
+              </a:ext>
+              <a:ext uri="{C183D7F6-B498-43B3-948B-1728B52AA6E4}">
+                <adec:decorative xmlns:adec="http://schemas.microsoft.com/office/drawing/2017/decorative" val="1"/>
+              </a:ext>
+            </a:extLst>
+          </p:cNvPr>
+          <p:cNvSpPr>
+            <a:spLocks noGrp="1" noRot="1" noChangeAspect="1" noMove="1" noResize="1" noEditPoints="1" noAdjustHandles="1" noChangeArrowheads="1" noChangeShapeType="1" noTextEdit="1"/>
+          </p:cNvSpPr>
+          <p:nvPr>
+            <p:extLst>
+              <p:ext uri="{386F3935-93C4-4BCD-93E2-E3B085C9AB24}">
+                <p16:designElem xmlns:p16="http://schemas.microsoft.com/office/powerpoint/2015/main" val="1"/>
+              </p:ext>
+            </p:extLst>
+          </p:nvPr>
+        </p:nvSpPr>
+        <p:spPr>
+          <a:xfrm flipH="1">
+            <a:off x="-1" y="-1"/>
+            <a:ext cx="12191998" cy="1590742"/>
+          </a:xfrm>
+          <a:prstGeom prst="rect">
+            <a:avLst/>
+          </a:prstGeom>
+          <a:gradFill>
+            <a:gsLst>
+              <a:gs pos="0">
+                <a:srgbClr val="000000"/>
+              </a:gs>
+              <a:gs pos="100000">
+                <a:schemeClr val="accent1">
+                  <a:lumMod val="75000"/>
+                </a:schemeClr>
+              </a:gs>
+            </a:gsLst>
+            <a:lin ang="8400000" scaled="0"/>
+          </a:gradFill>
+          <a:ln>
+            <a:noFill/>
+          </a:ln>
+        </p:spPr>
+        <p:style>
+          <a:lnRef idx="2">
+            <a:schemeClr val="accent1">
+              <a:shade val="50000"/>
+            </a:schemeClr>
+          </a:lnRef>
+          <a:fillRef idx="1">
+            <a:schemeClr val="accent1"/>
+          </a:fillRef>
+          <a:effectRef idx="0">
+            <a:schemeClr val="accent1"/>
+          </a:effectRef>
+          <a:fontRef idx="minor">
+            <a:schemeClr val="lt1"/>
+          </a:fontRef>
+        </p:style>
+        <p:txBody>
+          <a:bodyPr rtlCol="0" anchor="ctr"/>
+          <a:lstStyle/>
+          <a:p>
+            <a:pPr algn="ctr"/>
+            <a:endParaRPr lang="en-US"/>
+          </a:p>
+        </p:txBody>
+      </p:sp>
+      <p:sp>
+        <p:nvSpPr>
+          <p:cNvPr id="47" name="Rectangle 11">
+            <a:extLst>
+              <a:ext uri="{FF2B5EF4-FFF2-40B4-BE49-F238E27FC236}">
+                <a16:creationId xmlns:a16="http://schemas.microsoft.com/office/drawing/2014/main" id="{BC4C4868-CB8F-4AF9-9CDB-8108F2C19B67}"/>
+              </a:ext>
+              <a:ext uri="{C183D7F6-B498-43B3-948B-1728B52AA6E4}">
+                <adec:decorative xmlns:adec="http://schemas.microsoft.com/office/drawing/2017/decorative" val="1"/>
+              </a:ext>
+            </a:extLst>
+          </p:cNvPr>
+          <p:cNvSpPr>
+            <a:spLocks noGrp="1" noRot="1" noChangeAspect="1" noMove="1" noResize="1" noEditPoints="1" noAdjustHandles="1" noChangeArrowheads="1" noChangeShapeType="1" noTextEdit="1"/>
+          </p:cNvSpPr>
+          <p:nvPr>
+            <p:extLst>
+              <p:ext uri="{386F3935-93C4-4BCD-93E2-E3B085C9AB24}">
+                <p16:designElem xmlns:p16="http://schemas.microsoft.com/office/powerpoint/2015/main" val="1"/>
+              </p:ext>
+            </p:extLst>
+          </p:nvPr>
+        </p:nvSpPr>
+        <p:spPr>
+          <a:xfrm rot="10800000" flipH="1">
+            <a:off x="-3" y="0"/>
+            <a:ext cx="8115306" cy="1590742"/>
+          </a:xfrm>
+          <a:prstGeom prst="rect">
+            <a:avLst/>
+          </a:prstGeom>
+          <a:gradFill>
+            <a:gsLst>
+              <a:gs pos="20000">
+                <a:schemeClr val="accent1">
+                  <a:alpha val="0"/>
+                </a:schemeClr>
+              </a:gs>
+              <a:gs pos="100000">
+                <a:schemeClr val="accent1">
+                  <a:lumMod val="50000"/>
+                  <a:alpha val="55000"/>
+                </a:schemeClr>
+              </a:gs>
+            </a:gsLst>
+            <a:lin ang="13800000" scaled="0"/>
+          </a:gradFill>
+          <a:ln>
+            <a:noFill/>
+          </a:ln>
+        </p:spPr>
+        <p:style>
+          <a:lnRef idx="2">
+            <a:schemeClr val="accent1">
+              <a:shade val="50000"/>
+            </a:schemeClr>
+          </a:lnRef>
+          <a:fillRef idx="1">
+            <a:schemeClr val="accent1"/>
+          </a:fillRef>
+          <a:effectRef idx="0">
+            <a:schemeClr val="accent1"/>
+          </a:effectRef>
+          <a:fontRef idx="minor">
+            <a:schemeClr val="lt1"/>
+          </a:fontRef>
+        </p:style>
+        <p:txBody>
+          <a:bodyPr rtlCol="0" anchor="ctr"/>
+          <a:lstStyle/>
+          <a:p>
+            <a:pPr algn="ctr"/>
+            <a:endParaRPr lang="en-US"/>
+          </a:p>
+        </p:txBody>
+      </p:sp>
+      <p:sp>
+        <p:nvSpPr>
+          <p:cNvPr id="48" name="Rectangle 13">
+            <a:extLst>
+              <a:ext uri="{FF2B5EF4-FFF2-40B4-BE49-F238E27FC236}">
+                <a16:creationId xmlns:a16="http://schemas.microsoft.com/office/drawing/2014/main" id="{375E0459-6403-40CD-989D-56A4407CA12E}"/>
+              </a:ext>
+              <a:ext uri="{C183D7F6-B498-43B3-948B-1728B52AA6E4}">
+                <adec:decorative xmlns:adec="http://schemas.microsoft.com/office/drawing/2017/decorative" val="1"/>
+              </a:ext>
+            </a:extLst>
+          </p:cNvPr>
+          <p:cNvSpPr>
+            <a:spLocks noGrp="1" noRot="1" noChangeAspect="1" noMove="1" noResize="1" noEditPoints="1" noAdjustHandles="1" noChangeArrowheads="1" noChangeShapeType="1" noTextEdit="1"/>
+          </p:cNvSpPr>
+          <p:nvPr>
+            <p:extLst>
+              <p:ext uri="{386F3935-93C4-4BCD-93E2-E3B085C9AB24}">
+                <p16:designElem xmlns:p16="http://schemas.microsoft.com/office/powerpoint/2015/main" val="1"/>
+              </p:ext>
+            </p:extLst>
+          </p:nvPr>
+        </p:nvSpPr>
+        <p:spPr>
+          <a:xfrm flipH="1">
+            <a:off x="8115299" y="-1"/>
+            <a:ext cx="4076698" cy="1590742"/>
+          </a:xfrm>
+          <a:prstGeom prst="rect">
+            <a:avLst/>
+          </a:prstGeom>
+          <a:gradFill>
+            <a:gsLst>
+              <a:gs pos="0">
+                <a:schemeClr val="accent1">
+                  <a:alpha val="66000"/>
+                </a:schemeClr>
+              </a:gs>
+              <a:gs pos="100000">
+                <a:srgbClr val="000000">
+                  <a:alpha val="30000"/>
+                </a:srgbClr>
+              </a:gs>
+            </a:gsLst>
+            <a:lin ang="13200000" scaled="0"/>
+          </a:gradFill>
+          <a:ln>
+            <a:noFill/>
+          </a:ln>
+        </p:spPr>
+        <p:style>
+          <a:lnRef idx="2">
+            <a:schemeClr val="accent1">
+              <a:shade val="50000"/>
+            </a:schemeClr>
+          </a:lnRef>
+          <a:fillRef idx="1">
+            <a:schemeClr val="accent1"/>
+          </a:fillRef>
+          <a:effectRef idx="0">
+            <a:schemeClr val="accent1"/>
+          </a:effectRef>
+          <a:fontRef idx="minor">
+            <a:schemeClr val="lt1"/>
+          </a:fontRef>
+        </p:style>
+        <p:txBody>
+          <a:bodyPr rtlCol="0" anchor="ctr"/>
+          <a:lstStyle/>
+          <a:p>
+            <a:pPr algn="ctr"/>
+            <a:endParaRPr lang="en-US"/>
+          </a:p>
+        </p:txBody>
+      </p:sp>
+      <p:sp>
+        <p:nvSpPr>
+          <p:cNvPr id="49" name="Rectangle 15">
+            <a:extLst>
+              <a:ext uri="{FF2B5EF4-FFF2-40B4-BE49-F238E27FC236}">
+                <a16:creationId xmlns:a16="http://schemas.microsoft.com/office/drawing/2014/main" id="{53E5B1A8-3AC9-4BD1-9BBC-78CA94F2D1BA}"/>
+              </a:ext>
+              <a:ext uri="{C183D7F6-B498-43B3-948B-1728B52AA6E4}">
+                <adec:decorative xmlns:adec="http://schemas.microsoft.com/office/drawing/2017/decorative" val="1"/>
+              </a:ext>
+            </a:extLst>
+          </p:cNvPr>
+          <p:cNvSpPr>
+            <a:spLocks noGrp="1" noRot="1" noChangeAspect="1" noMove="1" noResize="1" noEditPoints="1" noAdjustHandles="1" noChangeArrowheads="1" noChangeShapeType="1" noTextEdit="1"/>
+          </p:cNvSpPr>
+          <p:nvPr>
+            <p:extLst>
+              <p:ext uri="{386F3935-93C4-4BCD-93E2-E3B085C9AB24}">
+                <p16:designElem xmlns:p16="http://schemas.microsoft.com/office/powerpoint/2015/main" val="1"/>
+              </p:ext>
+            </p:extLst>
+          </p:nvPr>
+        </p:nvSpPr>
+        <p:spPr>
+          <a:xfrm>
+            <a:off x="459350" y="-1"/>
+            <a:ext cx="11732646" cy="1597433"/>
+          </a:xfrm>
+          <a:prstGeom prst="rect">
+            <a:avLst/>
+          </a:prstGeom>
+          <a:gradFill>
+            <a:gsLst>
+              <a:gs pos="50000">
+                <a:srgbClr val="000000">
+                  <a:alpha val="0"/>
+                </a:srgbClr>
+              </a:gs>
+              <a:gs pos="99000">
+                <a:schemeClr val="accent1">
+                  <a:lumMod val="50000"/>
+                  <a:alpha val="52000"/>
+                </a:schemeClr>
+              </a:gs>
+            </a:gsLst>
+            <a:lin ang="16800000" scaled="0"/>
+          </a:gradFill>
+          <a:ln>
+            <a:noFill/>
+          </a:ln>
+        </p:spPr>
+        <p:style>
+          <a:lnRef idx="2">
+            <a:schemeClr val="accent1">
+              <a:shade val="50000"/>
+            </a:schemeClr>
+          </a:lnRef>
+          <a:fillRef idx="1">
+            <a:schemeClr val="accent1"/>
+          </a:fillRef>
+          <a:effectRef idx="0">
+            <a:schemeClr val="accent1"/>
+          </a:effectRef>
+          <a:fontRef idx="minor">
+            <a:schemeClr val="lt1"/>
+          </a:fontRef>
+        </p:style>
+        <p:txBody>
+          <a:bodyPr rtlCol="0" anchor="ctr"/>
+          <a:lstStyle/>
+          <a:p>
+            <a:pPr algn="ctr"/>
+            <a:endParaRPr lang="en-US"/>
+          </a:p>
+        </p:txBody>
+      </p:sp>
+      <p:sp>
+        <p:nvSpPr>
+          <p:cNvPr id="2" name="Title 1">
+            <a:extLst>
+              <a:ext uri="{FF2B5EF4-FFF2-40B4-BE49-F238E27FC236}">
+                <a16:creationId xmlns:a16="http://schemas.microsoft.com/office/drawing/2014/main" id="{E5F55385-4AF0-4E06-9284-5FD0B13B7F6E}"/>
+              </a:ext>
+            </a:extLst>
+          </p:cNvPr>
+          <p:cNvSpPr>
+            <a:spLocks noGrp="1"/>
+          </p:cNvSpPr>
+          <p:nvPr>
+            <p:ph type="title"/>
+          </p:nvPr>
+        </p:nvSpPr>
+        <p:spPr>
+          <a:xfrm>
+            <a:off x="1371599" y="294538"/>
+            <a:ext cx="9895951" cy="1033669"/>
+          </a:xfrm>
+        </p:spPr>
+        <p:txBody>
+          <a:bodyPr>
+            <a:normAutofit/>
+          </a:bodyPr>
+          <a:lstStyle/>
+          <a:p>
+            <a:r>
+              <a:rPr lang="en-US" sz="4000">
+                <a:solidFill>
+                  <a:srgbClr val="FFFFFF"/>
+                </a:solidFill>
+              </a:rPr>
+              <a:t>Agenda</a:t>
+            </a:r>
+          </a:p>
+        </p:txBody>
+      </p:sp>
+      <p:sp>
+        <p:nvSpPr>
+          <p:cNvPr id="3" name="Content Placeholder 2">
+            <a:extLst>
+              <a:ext uri="{FF2B5EF4-FFF2-40B4-BE49-F238E27FC236}">
+                <a16:creationId xmlns:a16="http://schemas.microsoft.com/office/drawing/2014/main" id="{52762020-A89C-4D00-88B0-31853ADF98A6}"/>
+              </a:ext>
+            </a:extLst>
+          </p:cNvPr>
+          <p:cNvSpPr>
+            <a:spLocks noGrp="1"/>
+          </p:cNvSpPr>
+          <p:nvPr>
+            <p:ph idx="1"/>
+          </p:nvPr>
+        </p:nvSpPr>
+        <p:spPr>
+          <a:xfrm>
+            <a:off x="1371599" y="2318197"/>
+            <a:ext cx="9724031" cy="3683358"/>
+          </a:xfrm>
+        </p:spPr>
+        <p:txBody>
+          <a:bodyPr anchor="ctr">
+            <a:normAutofit/>
+          </a:bodyPr>
+          <a:lstStyle/>
+          <a:p>
+            <a:r>
+              <a:rPr lang="en-US" sz="2000"/>
+              <a:t>Project Scope</a:t>
+            </a:r>
+          </a:p>
+          <a:p>
+            <a:r>
+              <a:rPr lang="en-US" sz="2000"/>
+              <a:t>Product Functions</a:t>
+            </a:r>
+          </a:p>
+          <a:p>
+            <a:r>
+              <a:rPr lang="en-US" sz="2000"/>
+              <a:t>Design and Implementation Constraints</a:t>
+            </a:r>
+          </a:p>
+          <a:p>
+            <a:r>
+              <a:rPr lang="en-US" sz="2000"/>
+              <a:t>Security Measures</a:t>
+            </a:r>
+          </a:p>
+          <a:p>
+            <a:r>
+              <a:rPr lang="en-US" sz="2000"/>
+              <a:t>BackEnd</a:t>
+            </a:r>
+          </a:p>
+          <a:p>
+            <a:r>
+              <a:rPr lang="en-US" sz="2000"/>
+              <a:t>FrontEnd</a:t>
+            </a:r>
+          </a:p>
+          <a:p>
+            <a:r>
+              <a:rPr lang="en-US" sz="2000"/>
+              <a:t>User Stories</a:t>
+            </a:r>
+          </a:p>
+          <a:p>
+            <a:r>
+              <a:rPr lang="en-US" sz="2000"/>
+              <a:t>Proposed Features </a:t>
+            </a:r>
+          </a:p>
+          <a:p>
+            <a:endParaRPr lang="en-US" sz="2000"/>
+          </a:p>
+          <a:p>
+            <a:pPr lvl="1"/>
+            <a:endParaRPr lang="en-US" sz="2000"/>
+          </a:p>
+          <a:p>
+            <a:pPr lvl="1"/>
+            <a:endParaRPr lang="en-US" sz="2000"/>
+          </a:p>
+          <a:p>
+            <a:pPr lvl="1"/>
+            <a:endParaRPr lang="en-US" sz="2000"/>
+          </a:p>
+          <a:p>
+            <a:endParaRPr lang="en-US" sz="2000"/>
+          </a:p>
+        </p:txBody>
+      </p:sp>
+    </p:spTree>
+    <p:extLst>
+      <p:ext uri="{BB962C8B-B14F-4D97-AF65-F5344CB8AC3E}">
+        <p14:creationId xmlns:p14="http://schemas.microsoft.com/office/powerpoint/2010/main" val="3427648315"/>
+      </p:ext>
+    </p:extLst>
+  </p:cSld>
+  <p:clrMapOvr>
+    <a:masterClrMapping/>
+  </p:clrMapOvr>
+</p:sld>
+</file>
+
 <file path=ppt/slides/slide3.xml><?xml version="1.0" encoding="utf-8"?>
 <p:sld xmlns:a="http://schemas.openxmlformats.org/drawingml/2006/main" xmlns:r="http://schemas.openxmlformats.org/officeDocument/2006/relationships" xmlns:p="http://schemas.openxmlformats.org/presentationml/2006/main">
   <p:cSld>
@@ -16031,6 +16005,14 @@
 <file path=ppt/slides/slide6.xml><?xml version="1.0" encoding="utf-8"?>
 <p:sld xmlns:a="http://schemas.openxmlformats.org/drawingml/2006/main" xmlns:r="http://schemas.openxmlformats.org/officeDocument/2006/relationships" xmlns:p="http://schemas.openxmlformats.org/presentationml/2006/main">
   <p:cSld>
+    <p:bg>
+      <p:bgPr>
+        <a:solidFill>
+          <a:schemeClr val="bg1"/>
+        </a:solidFill>
+        <a:effectLst/>
+      </p:bgPr>
+    </p:bg>
     <p:spTree>
       <p:nvGrpSpPr>
         <p:cNvPr id="1" name=""/>
@@ -16047,10 +16029,10 @@
       </p:grpSpPr>
       <p:sp useBgFill="1">
         <p:nvSpPr>
-          <p:cNvPr id="34" name="Rectangle 8">
+          <p:cNvPr id="41" name="Rectangle 40">
             <a:extLst>
               <a:ext uri="{FF2B5EF4-FFF2-40B4-BE49-F238E27FC236}">
-                <a16:creationId xmlns:a16="http://schemas.microsoft.com/office/drawing/2014/main" id="{C05CBC3C-2E5A-4839-8B9B-2E5A6ADF0F58}"/>
+                <a16:creationId xmlns:a16="http://schemas.microsoft.com/office/drawing/2014/main" id="{E10650BA-D090-4A23-98E3-B48BBAEA9201}"/>
               </a:ext>
               <a:ext uri="{C183D7F6-B498-43B3-948B-1728B52AA6E4}">
                 <adec:decorative xmlns:adec="http://schemas.microsoft.com/office/drawing/2017/decorative" val="1"/>
@@ -16071,7 +16053,7 @@
         <p:spPr>
           <a:xfrm>
             <a:off x="0" y="0"/>
-            <a:ext cx="12188952" cy="6858000"/>
+            <a:ext cx="12191695" cy="6858000"/>
           </a:xfrm>
           <a:prstGeom prst="rect">
             <a:avLst/>
@@ -16105,21 +16087,50 @@
           </a:p>
         </p:txBody>
       </p:sp>
-      <p:sp>
-        <p:nvSpPr>
-          <p:cNvPr id="35" name="Freeform: Shape 10">
+      <p:pic>
+        <p:nvPicPr>
+          <p:cNvPr id="37" name="Picture 36">
             <a:extLst>
               <a:ext uri="{FF2B5EF4-FFF2-40B4-BE49-F238E27FC236}">
-                <a16:creationId xmlns:a16="http://schemas.microsoft.com/office/drawing/2014/main" id="{DB5B423A-57CC-4C58-AA26-8E2E862B03A0}"/>
+                <a16:creationId xmlns:a16="http://schemas.microsoft.com/office/drawing/2014/main" id="{BEDAC01A-A409-472B-976B-A4D22004AE1E}"/>
+              </a:ext>
+            </a:extLst>
+          </p:cNvPr>
+          <p:cNvPicPr>
+            <a:picLocks noChangeAspect="1"/>
+          </p:cNvPicPr>
+          <p:nvPr/>
+        </p:nvPicPr>
+        <p:blipFill rotWithShape="1">
+          <a:blip r:embed="rId3"/>
+          <a:srcRect l="46381" r="1136" b="1"/>
+          <a:stretch/>
+        </p:blipFill>
+        <p:spPr>
+          <a:xfrm>
+            <a:off x="-9527" y="3725"/>
+            <a:ext cx="5846165" cy="6850548"/>
+          </a:xfrm>
+          <a:prstGeom prst="rect">
+            <a:avLst/>
+          </a:prstGeom>
+        </p:spPr>
+      </p:pic>
+      <p:grpSp>
+        <p:nvGrpSpPr>
+          <p:cNvPr id="43" name="Group 42">
+            <a:extLst>
+              <a:ext uri="{FF2B5EF4-FFF2-40B4-BE49-F238E27FC236}">
+                <a16:creationId xmlns:a16="http://schemas.microsoft.com/office/drawing/2014/main" id="{FFB939B9-73CE-4644-87BB-72AEBF001142}"/>
               </a:ext>
               <a:ext uri="{C183D7F6-B498-43B3-948B-1728B52AA6E4}">
                 <adec:decorative xmlns:adec="http://schemas.microsoft.com/office/drawing/2017/decorative" val="1"/>
               </a:ext>
             </a:extLst>
           </p:cNvPr>
-          <p:cNvSpPr>
-            <a:spLocks noGrp="1" noRot="1" noChangeAspect="1" noMove="1" noResize="1" noEditPoints="1" noAdjustHandles="1" noChangeArrowheads="1" noChangeShapeType="1" noTextEdit="1"/>
-          </p:cNvSpPr>
+          <p:cNvGrpSpPr>
+            <a:grpSpLocks noGrp="1" noUngrp="1" noRot="1" noChangeAspect="1" noMove="1" noResize="1"/>
+          </p:cNvGrpSpPr>
           <p:nvPr>
             <p:extLst>
               <p:ext uri="{386F3935-93C4-4BCD-93E2-E3B085C9AB24}">
@@ -16127,385 +16138,2794 @@
               </p:ext>
             </p:extLst>
           </p:nvPr>
-        </p:nvSpPr>
-        <p:spPr>
+        </p:nvGrpSpPr>
+        <p:grpSpPr>
           <a:xfrm>
-            <a:off x="1" y="1"/>
-            <a:ext cx="5217023" cy="3994777"/>
+            <a:off x="-9527" y="-6558"/>
+            <a:ext cx="6254832" cy="6874766"/>
+            <a:chOff x="-9149" y="3725"/>
+            <a:chExt cx="6254832" cy="6887203"/>
           </a:xfrm>
-          <a:custGeom>
-            <a:avLst/>
-            <a:gdLst>
-              <a:gd name="connsiteX0" fmla="*/ 1945461 w 5217023"/>
-              <a:gd name="connsiteY0" fmla="*/ 3787398 h 3994777"/>
-              <a:gd name="connsiteX1" fmla="*/ 1942113 w 5217023"/>
-              <a:gd name="connsiteY1" fmla="*/ 3790053 h 3994777"/>
-              <a:gd name="connsiteX2" fmla="*/ 1946982 w 5217023"/>
-              <a:gd name="connsiteY2" fmla="*/ 3787990 h 3994777"/>
-              <a:gd name="connsiteX3" fmla="*/ 1945461 w 5217023"/>
-              <a:gd name="connsiteY3" fmla="*/ 3787398 h 3994777"/>
-              <a:gd name="connsiteX4" fmla="*/ 0 w 5217023"/>
-              <a:gd name="connsiteY4" fmla="*/ 0 h 3994777"/>
-              <a:gd name="connsiteX5" fmla="*/ 5030958 w 5217023"/>
-              <a:gd name="connsiteY5" fmla="*/ 0 h 3994777"/>
-              <a:gd name="connsiteX6" fmla="*/ 5046198 w 5217023"/>
-              <a:gd name="connsiteY6" fmla="*/ 153449 h 3994777"/>
-              <a:gd name="connsiteX7" fmla="*/ 5055729 w 5217023"/>
-              <a:gd name="connsiteY7" fmla="*/ 415828 h 3994777"/>
-              <a:gd name="connsiteX8" fmla="*/ 4735242 w 5217023"/>
-              <a:gd name="connsiteY8" fmla="*/ 1867130 h 3994777"/>
-              <a:gd name="connsiteX9" fmla="*/ 3907395 w 5217023"/>
-              <a:gd name="connsiteY9" fmla="*/ 2938441 h 3994777"/>
-              <a:gd name="connsiteX10" fmla="*/ 3946497 w 5217023"/>
-              <a:gd name="connsiteY10" fmla="*/ 2908567 h 3994777"/>
-              <a:gd name="connsiteX11" fmla="*/ 4585421 w 5217023"/>
-              <a:gd name="connsiteY11" fmla="*/ 2188401 h 3994777"/>
-              <a:gd name="connsiteX12" fmla="*/ 5142585 w 5217023"/>
-              <a:gd name="connsiteY12" fmla="*/ 276891 h 3994777"/>
-              <a:gd name="connsiteX13" fmla="*/ 5121833 w 5217023"/>
-              <a:gd name="connsiteY13" fmla="*/ 30208 h 3994777"/>
-              <a:gd name="connsiteX14" fmla="*/ 5116229 w 5217023"/>
-              <a:gd name="connsiteY14" fmla="*/ 0 h 3994777"/>
-              <a:gd name="connsiteX15" fmla="*/ 5184724 w 5217023"/>
-              <a:gd name="connsiteY15" fmla="*/ 0 h 3994777"/>
-              <a:gd name="connsiteX16" fmla="*/ 5196265 w 5217023"/>
-              <a:gd name="connsiteY16" fmla="*/ 66113 h 3994777"/>
-              <a:gd name="connsiteX17" fmla="*/ 5058603 w 5217023"/>
-              <a:gd name="connsiteY17" fmla="*/ 1368242 h 3994777"/>
-              <a:gd name="connsiteX18" fmla="*/ 4096624 w 5217023"/>
-              <a:gd name="connsiteY18" fmla="*/ 2870829 h 3994777"/>
-              <a:gd name="connsiteX19" fmla="*/ 3833203 w 5217023"/>
-              <a:gd name="connsiteY19" fmla="*/ 3092190 h 3994777"/>
-              <a:gd name="connsiteX20" fmla="*/ 3536509 w 5217023"/>
-              <a:gd name="connsiteY20" fmla="*/ 3297128 h 3994777"/>
-              <a:gd name="connsiteX21" fmla="*/ 3148966 w 5217023"/>
-              <a:gd name="connsiteY21" fmla="*/ 3485478 h 3994777"/>
-              <a:gd name="connsiteX22" fmla="*/ 1860557 w 5217023"/>
-              <a:gd name="connsiteY22" fmla="*/ 3880910 h 3994777"/>
-              <a:gd name="connsiteX23" fmla="*/ 573715 w 5217023"/>
-              <a:gd name="connsiteY23" fmla="*/ 3983764 h 3994777"/>
-              <a:gd name="connsiteX24" fmla="*/ 108410 w 5217023"/>
-              <a:gd name="connsiteY24" fmla="*/ 3908816 h 3994777"/>
-              <a:gd name="connsiteX25" fmla="*/ 0 w 5217023"/>
-              <a:gd name="connsiteY25" fmla="*/ 3876793 h 3994777"/>
-              <a:gd name="connsiteX26" fmla="*/ 0 w 5217023"/>
-              <a:gd name="connsiteY26" fmla="*/ 3802912 h 3994777"/>
-              <a:gd name="connsiteX27" fmla="*/ 36975 w 5217023"/>
-              <a:gd name="connsiteY27" fmla="*/ 3815954 h 3994777"/>
-              <a:gd name="connsiteX28" fmla="*/ 561628 w 5217023"/>
-              <a:gd name="connsiteY28" fmla="*/ 3912655 h 3994777"/>
-              <a:gd name="connsiteX29" fmla="*/ 1683086 w 5217023"/>
-              <a:gd name="connsiteY29" fmla="*/ 3844334 h 3994777"/>
-              <a:gd name="connsiteX30" fmla="*/ 1806023 w 5217023"/>
-              <a:gd name="connsiteY30" fmla="*/ 3820992 h 3994777"/>
-              <a:gd name="connsiteX31" fmla="*/ 1921817 w 5217023"/>
-              <a:gd name="connsiteY31" fmla="*/ 3795747 h 3994777"/>
-              <a:gd name="connsiteX32" fmla="*/ 1243689 w 5217023"/>
-              <a:gd name="connsiteY32" fmla="*/ 3846539 h 3994777"/>
-              <a:gd name="connsiteX33" fmla="*/ 62875 w 5217023"/>
-              <a:gd name="connsiteY33" fmla="*/ 3668143 h 3994777"/>
-              <a:gd name="connsiteX34" fmla="*/ 0 w 5217023"/>
-              <a:gd name="connsiteY34" fmla="*/ 3644185 h 3994777"/>
-            </a:gdLst>
-            <a:ahLst/>
-            <a:cxnLst>
-              <a:cxn ang="0">
-                <a:pos x="connsiteX0" y="connsiteY0"/>
-              </a:cxn>
-              <a:cxn ang="0">
-                <a:pos x="connsiteX1" y="connsiteY1"/>
-              </a:cxn>
-              <a:cxn ang="0">
-                <a:pos x="connsiteX2" y="connsiteY2"/>
-              </a:cxn>
-              <a:cxn ang="0">
-                <a:pos x="connsiteX3" y="connsiteY3"/>
-              </a:cxn>
-              <a:cxn ang="0">
-                <a:pos x="connsiteX4" y="connsiteY4"/>
-              </a:cxn>
-              <a:cxn ang="0">
-                <a:pos x="connsiteX5" y="connsiteY5"/>
-              </a:cxn>
-              <a:cxn ang="0">
-                <a:pos x="connsiteX6" y="connsiteY6"/>
-              </a:cxn>
-              <a:cxn ang="0">
-                <a:pos x="connsiteX7" y="connsiteY7"/>
-              </a:cxn>
-              <a:cxn ang="0">
-                <a:pos x="connsiteX8" y="connsiteY8"/>
-              </a:cxn>
-              <a:cxn ang="0">
-                <a:pos x="connsiteX9" y="connsiteY9"/>
-              </a:cxn>
-              <a:cxn ang="0">
-                <a:pos x="connsiteX10" y="connsiteY10"/>
-              </a:cxn>
-              <a:cxn ang="0">
-                <a:pos x="connsiteX11" y="connsiteY11"/>
-              </a:cxn>
-              <a:cxn ang="0">
-                <a:pos x="connsiteX12" y="connsiteY12"/>
-              </a:cxn>
-              <a:cxn ang="0">
-                <a:pos x="connsiteX13" y="connsiteY13"/>
-              </a:cxn>
-              <a:cxn ang="0">
-                <a:pos x="connsiteX14" y="connsiteY14"/>
-              </a:cxn>
-              <a:cxn ang="0">
-                <a:pos x="connsiteX15" y="connsiteY15"/>
-              </a:cxn>
-              <a:cxn ang="0">
-                <a:pos x="connsiteX16" y="connsiteY16"/>
-              </a:cxn>
-              <a:cxn ang="0">
-                <a:pos x="connsiteX17" y="connsiteY17"/>
-              </a:cxn>
-              <a:cxn ang="0">
-                <a:pos x="connsiteX18" y="connsiteY18"/>
-              </a:cxn>
-              <a:cxn ang="0">
-                <a:pos x="connsiteX19" y="connsiteY19"/>
-              </a:cxn>
-              <a:cxn ang="0">
-                <a:pos x="connsiteX20" y="connsiteY20"/>
-              </a:cxn>
-              <a:cxn ang="0">
-                <a:pos x="connsiteX21" y="connsiteY21"/>
-              </a:cxn>
-              <a:cxn ang="0">
-                <a:pos x="connsiteX22" y="connsiteY22"/>
-              </a:cxn>
-              <a:cxn ang="0">
-                <a:pos x="connsiteX23" y="connsiteY23"/>
-              </a:cxn>
-              <a:cxn ang="0">
-                <a:pos x="connsiteX24" y="connsiteY24"/>
-              </a:cxn>
-              <a:cxn ang="0">
-                <a:pos x="connsiteX25" y="connsiteY25"/>
-              </a:cxn>
-              <a:cxn ang="0">
-                <a:pos x="connsiteX26" y="connsiteY26"/>
-              </a:cxn>
-              <a:cxn ang="0">
-                <a:pos x="connsiteX27" y="connsiteY27"/>
-              </a:cxn>
-              <a:cxn ang="0">
-                <a:pos x="connsiteX28" y="connsiteY28"/>
-              </a:cxn>
-              <a:cxn ang="0">
-                <a:pos x="connsiteX29" y="connsiteY29"/>
-              </a:cxn>
-              <a:cxn ang="0">
-                <a:pos x="connsiteX30" y="connsiteY30"/>
-              </a:cxn>
-              <a:cxn ang="0">
-                <a:pos x="connsiteX31" y="connsiteY31"/>
-              </a:cxn>
-              <a:cxn ang="0">
-                <a:pos x="connsiteX32" y="connsiteY32"/>
-              </a:cxn>
-              <a:cxn ang="0">
-                <a:pos x="connsiteX33" y="connsiteY33"/>
-              </a:cxn>
-              <a:cxn ang="0">
-                <a:pos x="connsiteX34" y="connsiteY34"/>
-              </a:cxn>
-            </a:cxnLst>
-            <a:rect l="l" t="t" r="r" b="b"/>
-            <a:pathLst>
-              <a:path w="5217023" h="3994777">
-                <a:moveTo>
-                  <a:pt x="1945461" y="3787398"/>
-                </a:moveTo>
-                <a:lnTo>
-                  <a:pt x="1942113" y="3790053"/>
-                </a:lnTo>
-                <a:lnTo>
-                  <a:pt x="1946982" y="3787990"/>
-                </a:lnTo>
-                <a:cubicBezTo>
-                  <a:pt x="1946982" y="3787990"/>
-                  <a:pt x="1946379" y="3787019"/>
-                  <a:pt x="1945461" y="3787398"/>
-                </a:cubicBezTo>
-                <a:close/>
-                <a:moveTo>
-                  <a:pt x="0" y="0"/>
-                </a:moveTo>
-                <a:lnTo>
-                  <a:pt x="5030958" y="0"/>
-                </a:lnTo>
-                <a:lnTo>
-                  <a:pt x="5046198" y="153449"/>
-                </a:lnTo>
-                <a:cubicBezTo>
-                  <a:pt x="5052189" y="240558"/>
-                  <a:pt x="5055458" y="328007"/>
-                  <a:pt x="5055729" y="415828"/>
-                </a:cubicBezTo>
-                <a:cubicBezTo>
-                  <a:pt x="5057604" y="923672"/>
-                  <a:pt x="4959210" y="1409054"/>
-                  <a:pt x="4735242" y="1867130"/>
-                </a:cubicBezTo>
-                <a:cubicBezTo>
-                  <a:pt x="4533284" y="2280198"/>
-                  <a:pt x="4248921" y="2629330"/>
-                  <a:pt x="3907395" y="2938441"/>
-                </a:cubicBezTo>
-                <a:cubicBezTo>
-                  <a:pt x="3922498" y="2931535"/>
-                  <a:pt x="3935859" y="2921330"/>
-                  <a:pt x="3946497" y="2908567"/>
-                </a:cubicBezTo>
-                <a:cubicBezTo>
-                  <a:pt x="4193494" y="2700987"/>
-                  <a:pt x="4408756" y="2458364"/>
-                  <a:pt x="4585421" y="2188401"/>
-                </a:cubicBezTo>
-                <a:cubicBezTo>
-                  <a:pt x="4967641" y="1608533"/>
-                  <a:pt x="5169304" y="975361"/>
-                  <a:pt x="5142585" y="276891"/>
-                </a:cubicBezTo>
-                <a:cubicBezTo>
-                  <a:pt x="5139764" y="194215"/>
-                  <a:pt x="5132824" y="111888"/>
-                  <a:pt x="5121833" y="30208"/>
-                </a:cubicBezTo>
-                <a:lnTo>
-                  <a:pt x="5116229" y="0"/>
-                </a:lnTo>
-                <a:lnTo>
-                  <a:pt x="5184724" y="0"/>
-                </a:lnTo>
-                <a:lnTo>
-                  <a:pt x="5196265" y="66113"/>
-                </a:lnTo>
-                <a:cubicBezTo>
-                  <a:pt x="5249921" y="496647"/>
-                  <a:pt x="5197997" y="931171"/>
-                  <a:pt x="5058603" y="1368242"/>
-                </a:cubicBezTo>
-                <a:cubicBezTo>
-                  <a:pt x="4872414" y="1953929"/>
-                  <a:pt x="4544298" y="2451351"/>
-                  <a:pt x="4096624" y="2870829"/>
-                </a:cubicBezTo>
-                <a:cubicBezTo>
-                  <a:pt x="4012832" y="2949426"/>
-                  <a:pt x="3924415" y="3022439"/>
-                  <a:pt x="3833203" y="3092190"/>
-                </a:cubicBezTo>
-                <a:cubicBezTo>
-                  <a:pt x="3741992" y="3161943"/>
-                  <a:pt x="3648667" y="3225510"/>
-                  <a:pt x="3536509" y="3297128"/>
-                </a:cubicBezTo>
-                <a:cubicBezTo>
-                  <a:pt x="3427215" y="3372735"/>
-                  <a:pt x="3288598" y="3430233"/>
-                  <a:pt x="3148966" y="3485478"/>
-                </a:cubicBezTo>
-                <a:cubicBezTo>
-                  <a:pt x="2729930" y="3651299"/>
-                  <a:pt x="2302194" y="3788890"/>
-                  <a:pt x="1860557" y="3880910"/>
-                </a:cubicBezTo>
-                <a:cubicBezTo>
-                  <a:pt x="1435974" y="3969444"/>
-                  <a:pt x="1008052" y="4017957"/>
-                  <a:pt x="573715" y="3983764"/>
-                </a:cubicBezTo>
-                <a:cubicBezTo>
-                  <a:pt x="415134" y="3971300"/>
-                  <a:pt x="259585" y="3947743"/>
-                  <a:pt x="108410" y="3908816"/>
-                </a:cubicBezTo>
-                <a:lnTo>
-                  <a:pt x="0" y="3876793"/>
-                </a:lnTo>
-                <a:lnTo>
-                  <a:pt x="0" y="3802912"/>
-                </a:lnTo>
-                <a:lnTo>
-                  <a:pt x="36975" y="3815954"/>
-                </a:lnTo>
-                <a:cubicBezTo>
-                  <a:pt x="206404" y="3867475"/>
-                  <a:pt x="382020" y="3897326"/>
-                  <a:pt x="561628" y="3912655"/>
-                </a:cubicBezTo>
-                <a:cubicBezTo>
-                  <a:pt x="938583" y="3944832"/>
-                  <a:pt x="1311814" y="3910697"/>
-                  <a:pt x="1683086" y="3844334"/>
-                </a:cubicBezTo>
-                <a:cubicBezTo>
-                  <a:pt x="1724123" y="3837151"/>
-                  <a:pt x="1765097" y="3829374"/>
-                  <a:pt x="1806023" y="3820992"/>
-                </a:cubicBezTo>
-                <a:cubicBezTo>
-                  <a:pt x="1844740" y="3813079"/>
-                  <a:pt x="1883218" y="3804161"/>
-                  <a:pt x="1921817" y="3795747"/>
-                </a:cubicBezTo>
-                <a:cubicBezTo>
-                  <a:pt x="1697011" y="3826435"/>
-                  <a:pt x="1470551" y="3843387"/>
-                  <a:pt x="1243689" y="3846539"/>
-                </a:cubicBezTo>
-                <a:cubicBezTo>
-                  <a:pt x="839058" y="3849054"/>
-                  <a:pt x="443424" y="3800206"/>
-                  <a:pt x="62875" y="3668143"/>
-                </a:cubicBezTo>
-                <a:lnTo>
-                  <a:pt x="0" y="3644185"/>
-                </a:lnTo>
-                <a:close/>
-              </a:path>
-            </a:pathLst>
-          </a:custGeom>
-          <a:solidFill>
-            <a:schemeClr val="accent2"/>
-          </a:solidFill>
-          <a:ln>
-            <a:noFill/>
-          </a:ln>
-        </p:spPr>
-        <p:style>
-          <a:lnRef idx="2">
-            <a:schemeClr val="accent1">
-              <a:shade val="50000"/>
-            </a:schemeClr>
-          </a:lnRef>
-          <a:fillRef idx="1">
-            <a:schemeClr val="accent1"/>
-          </a:fillRef>
-          <a:effectRef idx="0">
-            <a:schemeClr val="accent1"/>
-          </a:effectRef>
-          <a:fontRef idx="minor">
-            <a:schemeClr val="lt1"/>
-          </a:fontRef>
-        </p:style>
-        <p:txBody>
-          <a:bodyPr wrap="square" rtlCol="0" anchor="ctr">
-            <a:noAutofit/>
-          </a:bodyPr>
-          <a:lstStyle/>
-          <a:p>
-            <a:pPr algn="ctr"/>
-            <a:endParaRPr lang="en-US"/>
-          </a:p>
-        </p:txBody>
-      </p:sp>
+        </p:grpSpPr>
+        <p:sp>
+          <p:nvSpPr>
+            <p:cNvPr id="44" name="Freeform: Shape 43">
+              <a:extLst>
+                <a:ext uri="{FF2B5EF4-FFF2-40B4-BE49-F238E27FC236}">
+                  <a16:creationId xmlns:a16="http://schemas.microsoft.com/office/drawing/2014/main" id="{15F2A0CF-7879-4629-AC2B-4069D77A3C45}"/>
+                </a:ext>
+                <a:ext uri="{C183D7F6-B498-43B3-948B-1728B52AA6E4}">
+                  <adec:decorative xmlns:adec="http://schemas.microsoft.com/office/drawing/2017/decorative" val="1"/>
+                </a:ext>
+              </a:extLst>
+            </p:cNvPr>
+            <p:cNvSpPr/>
+            <p:nvPr>
+              <p:extLst>
+                <p:ext uri="{386F3935-93C4-4BCD-93E2-E3B085C9AB24}">
+                  <p16:designElem xmlns:p16="http://schemas.microsoft.com/office/powerpoint/2015/main" val="1"/>
+                </p:ext>
+              </p:extLst>
+            </p:nvPr>
+          </p:nvSpPr>
+          <p:spPr>
+            <a:xfrm>
+              <a:off x="-9149" y="238645"/>
+              <a:ext cx="5933139" cy="6387893"/>
+            </a:xfrm>
+            <a:custGeom>
+              <a:avLst/>
+              <a:gdLst>
+                <a:gd name="connsiteX0" fmla="*/ 5852909 w 5933139"/>
+                <a:gd name="connsiteY0" fmla="*/ 2469528 h 6335678"/>
+                <a:gd name="connsiteX1" fmla="*/ 5830799 w 5933139"/>
+                <a:gd name="connsiteY1" fmla="*/ 2394015 h 6335678"/>
+                <a:gd name="connsiteX2" fmla="*/ 5805878 w 5933139"/>
+                <a:gd name="connsiteY2" fmla="*/ 2319439 h 6335678"/>
+                <a:gd name="connsiteX3" fmla="*/ 5778708 w 5933139"/>
+                <a:gd name="connsiteY3" fmla="*/ 2245800 h 6335678"/>
+                <a:gd name="connsiteX4" fmla="*/ 5652978 w 5933139"/>
+                <a:gd name="connsiteY4" fmla="*/ 1959675 h 6335678"/>
+                <a:gd name="connsiteX5" fmla="*/ 5327691 w 5933139"/>
+                <a:gd name="connsiteY5" fmla="*/ 1432958 h 6335678"/>
+                <a:gd name="connsiteX6" fmla="*/ 4921458 w 5933139"/>
+                <a:gd name="connsiteY6" fmla="*/ 973322 h 6335678"/>
+                <a:gd name="connsiteX7" fmla="*/ 4450018 w 5933139"/>
+                <a:gd name="connsiteY7" fmla="*/ 586764 h 6335678"/>
+                <a:gd name="connsiteX8" fmla="*/ 4193311 w 5933139"/>
+                <a:gd name="connsiteY8" fmla="*/ 423558 h 6335678"/>
+                <a:gd name="connsiteX9" fmla="*/ 3924237 w 5933139"/>
+                <a:gd name="connsiteY9" fmla="*/ 281901 h 6335678"/>
+                <a:gd name="connsiteX10" fmla="*/ 3352175 w 5933139"/>
+                <a:gd name="connsiteY10" fmla="*/ 75786 h 6335678"/>
+                <a:gd name="connsiteX11" fmla="*/ 3051997 w 5933139"/>
+                <a:gd name="connsiteY11" fmla="*/ 19011 h 6335678"/>
+                <a:gd name="connsiteX12" fmla="*/ 2745823 w 5933139"/>
+                <a:gd name="connsiteY12" fmla="*/ 86 h 6335678"/>
+                <a:gd name="connsiteX13" fmla="*/ 2141720 w 5933139"/>
+                <a:gd name="connsiteY13" fmla="*/ 55550 h 6335678"/>
+                <a:gd name="connsiteX14" fmla="*/ 1551295 w 5933139"/>
+                <a:gd name="connsiteY14" fmla="*/ 216319 h 6335678"/>
+                <a:gd name="connsiteX15" fmla="*/ 1001718 w 5933139"/>
+                <a:gd name="connsiteY15" fmla="*/ 498134 h 6335678"/>
+                <a:gd name="connsiteX16" fmla="*/ 754755 w 5933139"/>
+                <a:gd name="connsiteY16" fmla="*/ 685886 h 6335678"/>
+                <a:gd name="connsiteX17" fmla="*/ 533462 w 5933139"/>
+                <a:gd name="connsiteY17" fmla="*/ 903056 h 6335678"/>
+                <a:gd name="connsiteX18" fmla="*/ 0 w 5933139"/>
+                <a:gd name="connsiteY18" fmla="*/ 1646568 h 6335678"/>
+                <a:gd name="connsiteX19" fmla="*/ 0 w 5933139"/>
+                <a:gd name="connsiteY19" fmla="*/ 4709059 h 6335678"/>
+                <a:gd name="connsiteX20" fmla="*/ 120671 w 5933139"/>
+                <a:gd name="connsiteY20" fmla="*/ 4907491 h 6335678"/>
+                <a:gd name="connsiteX21" fmla="*/ 507979 w 5933139"/>
+                <a:gd name="connsiteY21" fmla="*/ 5384178 h 6335678"/>
+                <a:gd name="connsiteX22" fmla="*/ 972112 w 5933139"/>
+                <a:gd name="connsiteY22" fmla="*/ 5778607 h 6335678"/>
+                <a:gd name="connsiteX23" fmla="*/ 1229943 w 5933139"/>
+                <a:gd name="connsiteY23" fmla="*/ 5939939 h 6335678"/>
+                <a:gd name="connsiteX24" fmla="*/ 1502389 w 5933139"/>
+                <a:gd name="connsiteY24" fmla="*/ 6073913 h 6335678"/>
+                <a:gd name="connsiteX25" fmla="*/ 2673870 w 5933139"/>
+                <a:gd name="connsiteY25" fmla="*/ 6333993 h 6335678"/>
+                <a:gd name="connsiteX26" fmla="*/ 2749196 w 5933139"/>
+                <a:gd name="connsiteY26" fmla="*/ 6335679 h 6335678"/>
+                <a:gd name="connsiteX27" fmla="*/ 2787983 w 5933139"/>
+                <a:gd name="connsiteY27" fmla="*/ 6335492 h 6335678"/>
+                <a:gd name="connsiteX28" fmla="*/ 2826770 w 5933139"/>
+                <a:gd name="connsiteY28" fmla="*/ 6334368 h 6335678"/>
+                <a:gd name="connsiteX29" fmla="*/ 2981918 w 5933139"/>
+                <a:gd name="connsiteY29" fmla="*/ 6319939 h 6335678"/>
+                <a:gd name="connsiteX30" fmla="*/ 3285282 w 5933139"/>
+                <a:gd name="connsiteY30" fmla="*/ 6241803 h 6335678"/>
+                <a:gd name="connsiteX31" fmla="*/ 3566347 w 5933139"/>
+                <a:gd name="connsiteY31" fmla="*/ 6104831 h 6335678"/>
+                <a:gd name="connsiteX32" fmla="*/ 3818369 w 5933139"/>
+                <a:gd name="connsiteY32" fmla="*/ 5926823 h 6335678"/>
+                <a:gd name="connsiteX33" fmla="*/ 4044908 w 5933139"/>
+                <a:gd name="connsiteY33" fmla="*/ 5726329 h 6335678"/>
+                <a:gd name="connsiteX34" fmla="*/ 4151151 w 5933139"/>
+                <a:gd name="connsiteY34" fmla="*/ 5622147 h 6335678"/>
+                <a:gd name="connsiteX35" fmla="*/ 4253834 w 5933139"/>
+                <a:gd name="connsiteY35" fmla="*/ 5516841 h 6335678"/>
+                <a:gd name="connsiteX36" fmla="*/ 4452453 w 5933139"/>
+                <a:gd name="connsiteY36" fmla="*/ 5306979 h 6335678"/>
+                <a:gd name="connsiteX37" fmla="*/ 4548578 w 5933139"/>
+                <a:gd name="connsiteY37" fmla="*/ 5202797 h 6335678"/>
+                <a:gd name="connsiteX38" fmla="*/ 4596546 w 5933139"/>
+                <a:gd name="connsiteY38" fmla="*/ 5151456 h 6335678"/>
+                <a:gd name="connsiteX39" fmla="*/ 4643016 w 5933139"/>
+                <a:gd name="connsiteY39" fmla="*/ 5103300 h 6335678"/>
+                <a:gd name="connsiteX40" fmla="*/ 4739515 w 5933139"/>
+                <a:gd name="connsiteY40" fmla="*/ 5013172 h 6335678"/>
+                <a:gd name="connsiteX41" fmla="*/ 4842198 w 5933139"/>
+                <a:gd name="connsiteY41" fmla="*/ 4930164 h 6335678"/>
+                <a:gd name="connsiteX42" fmla="*/ 5071360 w 5933139"/>
+                <a:gd name="connsiteY42" fmla="*/ 4780449 h 6335678"/>
+                <a:gd name="connsiteX43" fmla="*/ 5332001 w 5933139"/>
+                <a:gd name="connsiteY43" fmla="*/ 4615932 h 6335678"/>
+                <a:gd name="connsiteX44" fmla="*/ 5397396 w 5933139"/>
+                <a:gd name="connsiteY44" fmla="*/ 4563655 h 6335678"/>
+                <a:gd name="connsiteX45" fmla="*/ 5459417 w 5933139"/>
+                <a:gd name="connsiteY45" fmla="*/ 4505380 h 6335678"/>
+                <a:gd name="connsiteX46" fmla="*/ 5567159 w 5933139"/>
+                <a:gd name="connsiteY46" fmla="*/ 4374029 h 6335678"/>
+                <a:gd name="connsiteX47" fmla="*/ 5651292 w 5933139"/>
+                <a:gd name="connsiteY47" fmla="*/ 4231810 h 6335678"/>
+                <a:gd name="connsiteX48" fmla="*/ 5716686 w 5933139"/>
+                <a:gd name="connsiteY48" fmla="*/ 4085655 h 6335678"/>
+                <a:gd name="connsiteX49" fmla="*/ 5820681 w 5933139"/>
+                <a:gd name="connsiteY49" fmla="*/ 3791848 h 6335678"/>
+                <a:gd name="connsiteX50" fmla="*/ 5898629 w 5933139"/>
+                <a:gd name="connsiteY50" fmla="*/ 3487922 h 6335678"/>
+                <a:gd name="connsiteX51" fmla="*/ 5932170 w 5933139"/>
+                <a:gd name="connsiteY51" fmla="*/ 3174066 h 6335678"/>
+                <a:gd name="connsiteX52" fmla="*/ 5872209 w 5933139"/>
+                <a:gd name="connsiteY52" fmla="*/ 2545978 h 6335678"/>
+                <a:gd name="connsiteX53" fmla="*/ 5852909 w 5933139"/>
+                <a:gd name="connsiteY53" fmla="*/ 2469528 h 6335678"/>
+                <a:gd name="connsiteX54" fmla="*/ 5507386 w 5933139"/>
+                <a:gd name="connsiteY54" fmla="*/ 3724580 h 6335678"/>
+                <a:gd name="connsiteX55" fmla="*/ 5453609 w 5933139"/>
+                <a:gd name="connsiteY55" fmla="*/ 3989906 h 6335678"/>
+                <a:gd name="connsiteX56" fmla="*/ 5344181 w 5933139"/>
+                <a:gd name="connsiteY56" fmla="*/ 4220380 h 6335678"/>
+                <a:gd name="connsiteX57" fmla="*/ 5171419 w 5933139"/>
+                <a:gd name="connsiteY57" fmla="*/ 4388644 h 6335678"/>
+                <a:gd name="connsiteX58" fmla="*/ 5057868 w 5933139"/>
+                <a:gd name="connsiteY58" fmla="*/ 4453851 h 6335678"/>
+                <a:gd name="connsiteX59" fmla="*/ 4930265 w 5933139"/>
+                <a:gd name="connsiteY59" fmla="*/ 4516810 h 6335678"/>
+                <a:gd name="connsiteX60" fmla="*/ 4660067 w 5933139"/>
+                <a:gd name="connsiteY60" fmla="*/ 4664276 h 6335678"/>
+                <a:gd name="connsiteX61" fmla="*/ 4408794 w 5933139"/>
+                <a:gd name="connsiteY61" fmla="*/ 4857836 h 6335678"/>
+                <a:gd name="connsiteX62" fmla="*/ 4352207 w 5933139"/>
+                <a:gd name="connsiteY62" fmla="*/ 4911988 h 6335678"/>
+                <a:gd name="connsiteX63" fmla="*/ 4299366 w 5933139"/>
+                <a:gd name="connsiteY63" fmla="*/ 4965390 h 6335678"/>
+                <a:gd name="connsiteX64" fmla="*/ 4197621 w 5933139"/>
+                <a:gd name="connsiteY64" fmla="*/ 5074257 h 6335678"/>
+                <a:gd name="connsiteX65" fmla="*/ 4008744 w 5933139"/>
+                <a:gd name="connsiteY65" fmla="*/ 5297985 h 6335678"/>
+                <a:gd name="connsiteX66" fmla="*/ 3917304 w 5933139"/>
+                <a:gd name="connsiteY66" fmla="*/ 5409100 h 6335678"/>
+                <a:gd name="connsiteX67" fmla="*/ 3826052 w 5933139"/>
+                <a:gd name="connsiteY67" fmla="*/ 5518153 h 6335678"/>
+                <a:gd name="connsiteX68" fmla="*/ 3637925 w 5933139"/>
+                <a:gd name="connsiteY68" fmla="*/ 5725017 h 6335678"/>
+                <a:gd name="connsiteX69" fmla="*/ 3433497 w 5933139"/>
+                <a:gd name="connsiteY69" fmla="*/ 5906586 h 6335678"/>
+                <a:gd name="connsiteX70" fmla="*/ 3204522 w 5933139"/>
+                <a:gd name="connsiteY70" fmla="*/ 6046744 h 6335678"/>
+                <a:gd name="connsiteX71" fmla="*/ 2950439 w 5933139"/>
+                <a:gd name="connsiteY71" fmla="*/ 6129190 h 6335678"/>
+                <a:gd name="connsiteX72" fmla="*/ 2816839 w 5933139"/>
+                <a:gd name="connsiteY72" fmla="*/ 6146428 h 6335678"/>
+                <a:gd name="connsiteX73" fmla="*/ 2749009 w 5933139"/>
+                <a:gd name="connsiteY73" fmla="*/ 6149051 h 6335678"/>
+                <a:gd name="connsiteX74" fmla="*/ 2678930 w 5933139"/>
+                <a:gd name="connsiteY74" fmla="*/ 6148677 h 6335678"/>
+                <a:gd name="connsiteX75" fmla="*/ 2125793 w 5933139"/>
+                <a:gd name="connsiteY75" fmla="*/ 6065481 h 6335678"/>
+                <a:gd name="connsiteX76" fmla="*/ 1610506 w 5933139"/>
+                <a:gd name="connsiteY76" fmla="*/ 5851310 h 6335678"/>
+                <a:gd name="connsiteX77" fmla="*/ 1373099 w 5933139"/>
+                <a:gd name="connsiteY77" fmla="*/ 5706279 h 6335678"/>
+                <a:gd name="connsiteX78" fmla="*/ 1315949 w 5933139"/>
+                <a:gd name="connsiteY78" fmla="*/ 5666743 h 6335678"/>
+                <a:gd name="connsiteX79" fmla="*/ 1259923 w 5933139"/>
+                <a:gd name="connsiteY79" fmla="*/ 5625894 h 6335678"/>
+                <a:gd name="connsiteX80" fmla="*/ 1204647 w 5933139"/>
+                <a:gd name="connsiteY80" fmla="*/ 5583922 h 6335678"/>
+                <a:gd name="connsiteX81" fmla="*/ 1150308 w 5933139"/>
+                <a:gd name="connsiteY81" fmla="*/ 5540826 h 6335678"/>
+                <a:gd name="connsiteX82" fmla="*/ 751569 w 5933139"/>
+                <a:gd name="connsiteY82" fmla="*/ 5158015 h 6335678"/>
+                <a:gd name="connsiteX83" fmla="*/ 663315 w 5933139"/>
+                <a:gd name="connsiteY83" fmla="*/ 5052146 h 6335678"/>
+                <a:gd name="connsiteX84" fmla="*/ 580869 w 5933139"/>
+                <a:gd name="connsiteY84" fmla="*/ 4942718 h 6335678"/>
+                <a:gd name="connsiteX85" fmla="*/ 432279 w 5933139"/>
+                <a:gd name="connsiteY85" fmla="*/ 4713369 h 6335678"/>
+                <a:gd name="connsiteX86" fmla="*/ 205553 w 5933139"/>
+                <a:gd name="connsiteY86" fmla="*/ 4219443 h 6335678"/>
+                <a:gd name="connsiteX87" fmla="*/ 79448 w 5933139"/>
+                <a:gd name="connsiteY87" fmla="*/ 3693850 h 6335678"/>
+                <a:gd name="connsiteX88" fmla="*/ 53590 w 5933139"/>
+                <a:gd name="connsiteY88" fmla="*/ 3425339 h 6335678"/>
+                <a:gd name="connsiteX89" fmla="*/ 49655 w 5933139"/>
+                <a:gd name="connsiteY89" fmla="*/ 3155890 h 6335678"/>
+                <a:gd name="connsiteX90" fmla="*/ 67830 w 5933139"/>
+                <a:gd name="connsiteY90" fmla="*/ 2886817 h 6335678"/>
+                <a:gd name="connsiteX91" fmla="*/ 108679 w 5933139"/>
+                <a:gd name="connsiteY91" fmla="*/ 2619992 h 6335678"/>
+                <a:gd name="connsiteX92" fmla="*/ 263077 w 5933139"/>
+                <a:gd name="connsiteY92" fmla="*/ 2101520 h 6335678"/>
+                <a:gd name="connsiteX93" fmla="*/ 837575 w 5933139"/>
+                <a:gd name="connsiteY93" fmla="*/ 1186370 h 6335678"/>
+                <a:gd name="connsiteX94" fmla="*/ 1031698 w 5933139"/>
+                <a:gd name="connsiteY94" fmla="*/ 996932 h 6335678"/>
+                <a:gd name="connsiteX95" fmla="*/ 1236688 w 5933139"/>
+                <a:gd name="connsiteY95" fmla="*/ 819298 h 6335678"/>
+                <a:gd name="connsiteX96" fmla="*/ 1687143 w 5933139"/>
+                <a:gd name="connsiteY96" fmla="*/ 511438 h 6335678"/>
+                <a:gd name="connsiteX97" fmla="*/ 2196246 w 5933139"/>
+                <a:gd name="connsiteY97" fmla="*/ 300639 h 6335678"/>
+                <a:gd name="connsiteX98" fmla="*/ 2745823 w 5933139"/>
+                <a:gd name="connsiteY98" fmla="*/ 229248 h 6335678"/>
+                <a:gd name="connsiteX99" fmla="*/ 3019206 w 5933139"/>
+                <a:gd name="connsiteY99" fmla="*/ 252108 h 6335678"/>
+                <a:gd name="connsiteX100" fmla="*/ 3288092 w 5933139"/>
+                <a:gd name="connsiteY100" fmla="*/ 313006 h 6335678"/>
+                <a:gd name="connsiteX101" fmla="*/ 3548172 w 5933139"/>
+                <a:gd name="connsiteY101" fmla="*/ 407069 h 6335678"/>
+                <a:gd name="connsiteX102" fmla="*/ 3611505 w 5933139"/>
+                <a:gd name="connsiteY102" fmla="*/ 435176 h 6335678"/>
+                <a:gd name="connsiteX103" fmla="*/ 3674089 w 5933139"/>
+                <a:gd name="connsiteY103" fmla="*/ 464968 h 6335678"/>
+                <a:gd name="connsiteX104" fmla="*/ 3735736 w 5933139"/>
+                <a:gd name="connsiteY104" fmla="*/ 496823 h 6335678"/>
+                <a:gd name="connsiteX105" fmla="*/ 3796634 w 5933139"/>
+                <a:gd name="connsiteY105" fmla="*/ 530176 h 6335678"/>
+                <a:gd name="connsiteX106" fmla="*/ 4251585 w 5933139"/>
+                <a:gd name="connsiteY106" fmla="*/ 847405 h 6335678"/>
+                <a:gd name="connsiteX107" fmla="*/ 4644515 w 5933139"/>
+                <a:gd name="connsiteY107" fmla="*/ 1236775 h 6335678"/>
+                <a:gd name="connsiteX108" fmla="*/ 4816527 w 5933139"/>
+                <a:gd name="connsiteY108" fmla="*/ 1451883 h 6335678"/>
+                <a:gd name="connsiteX109" fmla="*/ 4970738 w 5933139"/>
+                <a:gd name="connsiteY109" fmla="*/ 1678610 h 6335678"/>
+                <a:gd name="connsiteX110" fmla="*/ 5223885 w 5933139"/>
+                <a:gd name="connsiteY110" fmla="*/ 2159232 h 6335678"/>
+                <a:gd name="connsiteX111" fmla="*/ 5395709 w 5933139"/>
+                <a:gd name="connsiteY111" fmla="*/ 2666087 h 6335678"/>
+                <a:gd name="connsiteX112" fmla="*/ 5458855 w 5933139"/>
+                <a:gd name="connsiteY112" fmla="*/ 2924292 h 6335678"/>
+                <a:gd name="connsiteX113" fmla="*/ 5499142 w 5933139"/>
+                <a:gd name="connsiteY113" fmla="*/ 3186995 h 6335678"/>
+                <a:gd name="connsiteX114" fmla="*/ 5516755 w 5933139"/>
+                <a:gd name="connsiteY114" fmla="*/ 3454007 h 6335678"/>
+                <a:gd name="connsiteX115" fmla="*/ 5507386 w 5933139"/>
+                <a:gd name="connsiteY115" fmla="*/ 3724580 h 6335678"/>
+              </a:gdLst>
+              <a:ahLst/>
+              <a:cxnLst>
+                <a:cxn ang="0">
+                  <a:pos x="connsiteX0" y="connsiteY0"/>
+                </a:cxn>
+                <a:cxn ang="0">
+                  <a:pos x="connsiteX1" y="connsiteY1"/>
+                </a:cxn>
+                <a:cxn ang="0">
+                  <a:pos x="connsiteX2" y="connsiteY2"/>
+                </a:cxn>
+                <a:cxn ang="0">
+                  <a:pos x="connsiteX3" y="connsiteY3"/>
+                </a:cxn>
+                <a:cxn ang="0">
+                  <a:pos x="connsiteX4" y="connsiteY4"/>
+                </a:cxn>
+                <a:cxn ang="0">
+                  <a:pos x="connsiteX5" y="connsiteY5"/>
+                </a:cxn>
+                <a:cxn ang="0">
+                  <a:pos x="connsiteX6" y="connsiteY6"/>
+                </a:cxn>
+                <a:cxn ang="0">
+                  <a:pos x="connsiteX7" y="connsiteY7"/>
+                </a:cxn>
+                <a:cxn ang="0">
+                  <a:pos x="connsiteX8" y="connsiteY8"/>
+                </a:cxn>
+                <a:cxn ang="0">
+                  <a:pos x="connsiteX9" y="connsiteY9"/>
+                </a:cxn>
+                <a:cxn ang="0">
+                  <a:pos x="connsiteX10" y="connsiteY10"/>
+                </a:cxn>
+                <a:cxn ang="0">
+                  <a:pos x="connsiteX11" y="connsiteY11"/>
+                </a:cxn>
+                <a:cxn ang="0">
+                  <a:pos x="connsiteX12" y="connsiteY12"/>
+                </a:cxn>
+                <a:cxn ang="0">
+                  <a:pos x="connsiteX13" y="connsiteY13"/>
+                </a:cxn>
+                <a:cxn ang="0">
+                  <a:pos x="connsiteX14" y="connsiteY14"/>
+                </a:cxn>
+                <a:cxn ang="0">
+                  <a:pos x="connsiteX15" y="connsiteY15"/>
+                </a:cxn>
+                <a:cxn ang="0">
+                  <a:pos x="connsiteX16" y="connsiteY16"/>
+                </a:cxn>
+                <a:cxn ang="0">
+                  <a:pos x="connsiteX17" y="connsiteY17"/>
+                </a:cxn>
+                <a:cxn ang="0">
+                  <a:pos x="connsiteX18" y="connsiteY18"/>
+                </a:cxn>
+                <a:cxn ang="0">
+                  <a:pos x="connsiteX19" y="connsiteY19"/>
+                </a:cxn>
+                <a:cxn ang="0">
+                  <a:pos x="connsiteX20" y="connsiteY20"/>
+                </a:cxn>
+                <a:cxn ang="0">
+                  <a:pos x="connsiteX21" y="connsiteY21"/>
+                </a:cxn>
+                <a:cxn ang="0">
+                  <a:pos x="connsiteX22" y="connsiteY22"/>
+                </a:cxn>
+                <a:cxn ang="0">
+                  <a:pos x="connsiteX23" y="connsiteY23"/>
+                </a:cxn>
+                <a:cxn ang="0">
+                  <a:pos x="connsiteX24" y="connsiteY24"/>
+                </a:cxn>
+                <a:cxn ang="0">
+                  <a:pos x="connsiteX25" y="connsiteY25"/>
+                </a:cxn>
+                <a:cxn ang="0">
+                  <a:pos x="connsiteX26" y="connsiteY26"/>
+                </a:cxn>
+                <a:cxn ang="0">
+                  <a:pos x="connsiteX27" y="connsiteY27"/>
+                </a:cxn>
+                <a:cxn ang="0">
+                  <a:pos x="connsiteX28" y="connsiteY28"/>
+                </a:cxn>
+                <a:cxn ang="0">
+                  <a:pos x="connsiteX29" y="connsiteY29"/>
+                </a:cxn>
+                <a:cxn ang="0">
+                  <a:pos x="connsiteX30" y="connsiteY30"/>
+                </a:cxn>
+                <a:cxn ang="0">
+                  <a:pos x="connsiteX31" y="connsiteY31"/>
+                </a:cxn>
+                <a:cxn ang="0">
+                  <a:pos x="connsiteX32" y="connsiteY32"/>
+                </a:cxn>
+                <a:cxn ang="0">
+                  <a:pos x="connsiteX33" y="connsiteY33"/>
+                </a:cxn>
+                <a:cxn ang="0">
+                  <a:pos x="connsiteX34" y="connsiteY34"/>
+                </a:cxn>
+                <a:cxn ang="0">
+                  <a:pos x="connsiteX35" y="connsiteY35"/>
+                </a:cxn>
+                <a:cxn ang="0">
+                  <a:pos x="connsiteX36" y="connsiteY36"/>
+                </a:cxn>
+                <a:cxn ang="0">
+                  <a:pos x="connsiteX37" y="connsiteY37"/>
+                </a:cxn>
+                <a:cxn ang="0">
+                  <a:pos x="connsiteX38" y="connsiteY38"/>
+                </a:cxn>
+                <a:cxn ang="0">
+                  <a:pos x="connsiteX39" y="connsiteY39"/>
+                </a:cxn>
+                <a:cxn ang="0">
+                  <a:pos x="connsiteX40" y="connsiteY40"/>
+                </a:cxn>
+                <a:cxn ang="0">
+                  <a:pos x="connsiteX41" y="connsiteY41"/>
+                </a:cxn>
+                <a:cxn ang="0">
+                  <a:pos x="connsiteX42" y="connsiteY42"/>
+                </a:cxn>
+                <a:cxn ang="0">
+                  <a:pos x="connsiteX43" y="connsiteY43"/>
+                </a:cxn>
+                <a:cxn ang="0">
+                  <a:pos x="connsiteX44" y="connsiteY44"/>
+                </a:cxn>
+                <a:cxn ang="0">
+                  <a:pos x="connsiteX45" y="connsiteY45"/>
+                </a:cxn>
+                <a:cxn ang="0">
+                  <a:pos x="connsiteX46" y="connsiteY46"/>
+                </a:cxn>
+                <a:cxn ang="0">
+                  <a:pos x="connsiteX47" y="connsiteY47"/>
+                </a:cxn>
+                <a:cxn ang="0">
+                  <a:pos x="connsiteX48" y="connsiteY48"/>
+                </a:cxn>
+                <a:cxn ang="0">
+                  <a:pos x="connsiteX49" y="connsiteY49"/>
+                </a:cxn>
+                <a:cxn ang="0">
+                  <a:pos x="connsiteX50" y="connsiteY50"/>
+                </a:cxn>
+                <a:cxn ang="0">
+                  <a:pos x="connsiteX51" y="connsiteY51"/>
+                </a:cxn>
+                <a:cxn ang="0">
+                  <a:pos x="connsiteX52" y="connsiteY52"/>
+                </a:cxn>
+                <a:cxn ang="0">
+                  <a:pos x="connsiteX53" y="connsiteY53"/>
+                </a:cxn>
+                <a:cxn ang="0">
+                  <a:pos x="connsiteX54" y="connsiteY54"/>
+                </a:cxn>
+                <a:cxn ang="0">
+                  <a:pos x="connsiteX55" y="connsiteY55"/>
+                </a:cxn>
+                <a:cxn ang="0">
+                  <a:pos x="connsiteX56" y="connsiteY56"/>
+                </a:cxn>
+                <a:cxn ang="0">
+                  <a:pos x="connsiteX57" y="connsiteY57"/>
+                </a:cxn>
+                <a:cxn ang="0">
+                  <a:pos x="connsiteX58" y="connsiteY58"/>
+                </a:cxn>
+                <a:cxn ang="0">
+                  <a:pos x="connsiteX59" y="connsiteY59"/>
+                </a:cxn>
+                <a:cxn ang="0">
+                  <a:pos x="connsiteX60" y="connsiteY60"/>
+                </a:cxn>
+                <a:cxn ang="0">
+                  <a:pos x="connsiteX61" y="connsiteY61"/>
+                </a:cxn>
+                <a:cxn ang="0">
+                  <a:pos x="connsiteX62" y="connsiteY62"/>
+                </a:cxn>
+                <a:cxn ang="0">
+                  <a:pos x="connsiteX63" y="connsiteY63"/>
+                </a:cxn>
+                <a:cxn ang="0">
+                  <a:pos x="connsiteX64" y="connsiteY64"/>
+                </a:cxn>
+                <a:cxn ang="0">
+                  <a:pos x="connsiteX65" y="connsiteY65"/>
+                </a:cxn>
+                <a:cxn ang="0">
+                  <a:pos x="connsiteX66" y="connsiteY66"/>
+                </a:cxn>
+                <a:cxn ang="0">
+                  <a:pos x="connsiteX67" y="connsiteY67"/>
+                </a:cxn>
+                <a:cxn ang="0">
+                  <a:pos x="connsiteX68" y="connsiteY68"/>
+                </a:cxn>
+                <a:cxn ang="0">
+                  <a:pos x="connsiteX69" y="connsiteY69"/>
+                </a:cxn>
+                <a:cxn ang="0">
+                  <a:pos x="connsiteX70" y="connsiteY70"/>
+                </a:cxn>
+                <a:cxn ang="0">
+                  <a:pos x="connsiteX71" y="connsiteY71"/>
+                </a:cxn>
+                <a:cxn ang="0">
+                  <a:pos x="connsiteX72" y="connsiteY72"/>
+                </a:cxn>
+                <a:cxn ang="0">
+                  <a:pos x="connsiteX73" y="connsiteY73"/>
+                </a:cxn>
+                <a:cxn ang="0">
+                  <a:pos x="connsiteX74" y="connsiteY74"/>
+                </a:cxn>
+                <a:cxn ang="0">
+                  <a:pos x="connsiteX75" y="connsiteY75"/>
+                </a:cxn>
+                <a:cxn ang="0">
+                  <a:pos x="connsiteX76" y="connsiteY76"/>
+                </a:cxn>
+                <a:cxn ang="0">
+                  <a:pos x="connsiteX77" y="connsiteY77"/>
+                </a:cxn>
+                <a:cxn ang="0">
+                  <a:pos x="connsiteX78" y="connsiteY78"/>
+                </a:cxn>
+                <a:cxn ang="0">
+                  <a:pos x="connsiteX79" y="connsiteY79"/>
+                </a:cxn>
+                <a:cxn ang="0">
+                  <a:pos x="connsiteX80" y="connsiteY80"/>
+                </a:cxn>
+                <a:cxn ang="0">
+                  <a:pos x="connsiteX81" y="connsiteY81"/>
+                </a:cxn>
+                <a:cxn ang="0">
+                  <a:pos x="connsiteX82" y="connsiteY82"/>
+                </a:cxn>
+                <a:cxn ang="0">
+                  <a:pos x="connsiteX83" y="connsiteY83"/>
+                </a:cxn>
+                <a:cxn ang="0">
+                  <a:pos x="connsiteX84" y="connsiteY84"/>
+                </a:cxn>
+                <a:cxn ang="0">
+                  <a:pos x="connsiteX85" y="connsiteY85"/>
+                </a:cxn>
+                <a:cxn ang="0">
+                  <a:pos x="connsiteX86" y="connsiteY86"/>
+                </a:cxn>
+                <a:cxn ang="0">
+                  <a:pos x="connsiteX87" y="connsiteY87"/>
+                </a:cxn>
+                <a:cxn ang="0">
+                  <a:pos x="connsiteX88" y="connsiteY88"/>
+                </a:cxn>
+                <a:cxn ang="0">
+                  <a:pos x="connsiteX89" y="connsiteY89"/>
+                </a:cxn>
+                <a:cxn ang="0">
+                  <a:pos x="connsiteX90" y="connsiteY90"/>
+                </a:cxn>
+                <a:cxn ang="0">
+                  <a:pos x="connsiteX91" y="connsiteY91"/>
+                </a:cxn>
+                <a:cxn ang="0">
+                  <a:pos x="connsiteX92" y="connsiteY92"/>
+                </a:cxn>
+                <a:cxn ang="0">
+                  <a:pos x="connsiteX93" y="connsiteY93"/>
+                </a:cxn>
+                <a:cxn ang="0">
+                  <a:pos x="connsiteX94" y="connsiteY94"/>
+                </a:cxn>
+                <a:cxn ang="0">
+                  <a:pos x="connsiteX95" y="connsiteY95"/>
+                </a:cxn>
+                <a:cxn ang="0">
+                  <a:pos x="connsiteX96" y="connsiteY96"/>
+                </a:cxn>
+                <a:cxn ang="0">
+                  <a:pos x="connsiteX97" y="connsiteY97"/>
+                </a:cxn>
+                <a:cxn ang="0">
+                  <a:pos x="connsiteX98" y="connsiteY98"/>
+                </a:cxn>
+                <a:cxn ang="0">
+                  <a:pos x="connsiteX99" y="connsiteY99"/>
+                </a:cxn>
+                <a:cxn ang="0">
+                  <a:pos x="connsiteX100" y="connsiteY100"/>
+                </a:cxn>
+                <a:cxn ang="0">
+                  <a:pos x="connsiteX101" y="connsiteY101"/>
+                </a:cxn>
+                <a:cxn ang="0">
+                  <a:pos x="connsiteX102" y="connsiteY102"/>
+                </a:cxn>
+                <a:cxn ang="0">
+                  <a:pos x="connsiteX103" y="connsiteY103"/>
+                </a:cxn>
+                <a:cxn ang="0">
+                  <a:pos x="connsiteX104" y="connsiteY104"/>
+                </a:cxn>
+                <a:cxn ang="0">
+                  <a:pos x="connsiteX105" y="connsiteY105"/>
+                </a:cxn>
+                <a:cxn ang="0">
+                  <a:pos x="connsiteX106" y="connsiteY106"/>
+                </a:cxn>
+                <a:cxn ang="0">
+                  <a:pos x="connsiteX107" y="connsiteY107"/>
+                </a:cxn>
+                <a:cxn ang="0">
+                  <a:pos x="connsiteX108" y="connsiteY108"/>
+                </a:cxn>
+                <a:cxn ang="0">
+                  <a:pos x="connsiteX109" y="connsiteY109"/>
+                </a:cxn>
+                <a:cxn ang="0">
+                  <a:pos x="connsiteX110" y="connsiteY110"/>
+                </a:cxn>
+                <a:cxn ang="0">
+                  <a:pos x="connsiteX111" y="connsiteY111"/>
+                </a:cxn>
+                <a:cxn ang="0">
+                  <a:pos x="connsiteX112" y="connsiteY112"/>
+                </a:cxn>
+                <a:cxn ang="0">
+                  <a:pos x="connsiteX113" y="connsiteY113"/>
+                </a:cxn>
+                <a:cxn ang="0">
+                  <a:pos x="connsiteX114" y="connsiteY114"/>
+                </a:cxn>
+                <a:cxn ang="0">
+                  <a:pos x="connsiteX115" y="connsiteY115"/>
+                </a:cxn>
+              </a:cxnLst>
+              <a:rect l="l" t="t" r="r" b="b"/>
+              <a:pathLst>
+                <a:path w="5933139" h="6335678">
+                  <a:moveTo>
+                    <a:pt x="5852909" y="2469528"/>
+                  </a:moveTo>
+                  <a:lnTo>
+                    <a:pt x="5830799" y="2394015"/>
+                  </a:lnTo>
+                  <a:lnTo>
+                    <a:pt x="5805878" y="2319439"/>
+                  </a:lnTo>
+                  <a:cubicBezTo>
+                    <a:pt x="5797446" y="2294705"/>
+                    <a:pt x="5787890" y="2270346"/>
+                    <a:pt x="5778708" y="2245800"/>
+                  </a:cubicBezTo>
+                  <a:cubicBezTo>
+                    <a:pt x="5740858" y="2148364"/>
+                    <a:pt x="5699073" y="2052614"/>
+                    <a:pt x="5652978" y="1959675"/>
+                  </a:cubicBezTo>
+                  <a:cubicBezTo>
+                    <a:pt x="5559664" y="1773985"/>
+                    <a:pt x="5450986" y="1597663"/>
+                    <a:pt x="5327691" y="1432958"/>
+                  </a:cubicBezTo>
+                  <a:cubicBezTo>
+                    <a:pt x="5204960" y="1268067"/>
+                    <a:pt x="5068362" y="1114980"/>
+                    <a:pt x="4921458" y="973322"/>
+                  </a:cubicBezTo>
+                  <a:cubicBezTo>
+                    <a:pt x="4774742" y="831665"/>
+                    <a:pt x="4616408" y="703125"/>
+                    <a:pt x="4450018" y="586764"/>
+                  </a:cubicBezTo>
+                  <a:cubicBezTo>
+                    <a:pt x="4366822" y="528489"/>
+                    <a:pt x="4281003" y="474337"/>
+                    <a:pt x="4193311" y="423558"/>
+                  </a:cubicBezTo>
+                  <a:cubicBezTo>
+                    <a:pt x="4105806" y="372404"/>
+                    <a:pt x="4015865" y="325560"/>
+                    <a:pt x="3924237" y="281901"/>
+                  </a:cubicBezTo>
+                  <a:cubicBezTo>
+                    <a:pt x="3740983" y="195333"/>
+                    <a:pt x="3549483" y="125067"/>
+                    <a:pt x="3352175" y="75786"/>
+                  </a:cubicBezTo>
+                  <a:cubicBezTo>
+                    <a:pt x="3253428" y="51240"/>
+                    <a:pt x="3153368" y="31565"/>
+                    <a:pt x="3051997" y="19011"/>
+                  </a:cubicBezTo>
+                  <a:cubicBezTo>
+                    <a:pt x="2950814" y="5895"/>
+                    <a:pt x="2848506" y="-851"/>
+                    <a:pt x="2745823" y="86"/>
+                  </a:cubicBezTo>
+                  <a:cubicBezTo>
+                    <a:pt x="2543643" y="1585"/>
+                    <a:pt x="2341838" y="20135"/>
+                    <a:pt x="2141720" y="55550"/>
+                  </a:cubicBezTo>
+                  <a:cubicBezTo>
+                    <a:pt x="1941976" y="91339"/>
+                    <a:pt x="1743356" y="143055"/>
+                    <a:pt x="1551295" y="216319"/>
+                  </a:cubicBezTo>
+                  <a:cubicBezTo>
+                    <a:pt x="1359233" y="289396"/>
+                    <a:pt x="1173917" y="383459"/>
+                    <a:pt x="1001718" y="498134"/>
+                  </a:cubicBezTo>
+                  <a:cubicBezTo>
+                    <a:pt x="915712" y="555659"/>
+                    <a:pt x="832141" y="617119"/>
+                    <a:pt x="754755" y="685886"/>
+                  </a:cubicBezTo>
+                  <a:cubicBezTo>
+                    <a:pt x="677555" y="754841"/>
+                    <a:pt x="604666" y="828293"/>
+                    <a:pt x="533462" y="903056"/>
+                  </a:cubicBezTo>
+                  <a:cubicBezTo>
+                    <a:pt x="323413" y="1125660"/>
+                    <a:pt x="143906" y="1376370"/>
+                    <a:pt x="0" y="1646568"/>
+                  </a:cubicBezTo>
+                  <a:lnTo>
+                    <a:pt x="0" y="4709059"/>
+                  </a:lnTo>
+                  <a:cubicBezTo>
+                    <a:pt x="37850" y="4776702"/>
+                    <a:pt x="78136" y="4843033"/>
+                    <a:pt x="120671" y="4907491"/>
+                  </a:cubicBezTo>
+                  <a:cubicBezTo>
+                    <a:pt x="234034" y="5078941"/>
+                    <a:pt x="365198" y="5239336"/>
+                    <a:pt x="507979" y="5384178"/>
+                  </a:cubicBezTo>
+                  <a:cubicBezTo>
+                    <a:pt x="650948" y="5529395"/>
+                    <a:pt x="805909" y="5662059"/>
+                    <a:pt x="972112" y="5778607"/>
+                  </a:cubicBezTo>
+                  <a:cubicBezTo>
+                    <a:pt x="1055308" y="5836881"/>
+                    <a:pt x="1141314" y="5890846"/>
+                    <a:pt x="1229943" y="5939939"/>
+                  </a:cubicBezTo>
+                  <a:cubicBezTo>
+                    <a:pt x="1318385" y="5989406"/>
+                    <a:pt x="1409450" y="6033815"/>
+                    <a:pt x="1502389" y="6073913"/>
+                  </a:cubicBezTo>
+                  <a:cubicBezTo>
+                    <a:pt x="1874145" y="6233559"/>
+                    <a:pt x="2272884" y="6320689"/>
+                    <a:pt x="2673870" y="6333993"/>
+                  </a:cubicBezTo>
+                  <a:lnTo>
+                    <a:pt x="2749196" y="6335679"/>
+                  </a:lnTo>
+                  <a:lnTo>
+                    <a:pt x="2787983" y="6335492"/>
+                  </a:lnTo>
+                  <a:lnTo>
+                    <a:pt x="2826770" y="6334368"/>
+                  </a:lnTo>
+                  <a:cubicBezTo>
+                    <a:pt x="2878486" y="6332494"/>
+                    <a:pt x="2930390" y="6327247"/>
+                    <a:pt x="2981918" y="6319939"/>
+                  </a:cubicBezTo>
+                  <a:cubicBezTo>
+                    <a:pt x="3085163" y="6304949"/>
+                    <a:pt x="3187096" y="6278529"/>
+                    <a:pt x="3285282" y="6241803"/>
+                  </a:cubicBezTo>
+                  <a:cubicBezTo>
+                    <a:pt x="3383467" y="6205265"/>
+                    <a:pt x="3477530" y="6158608"/>
+                    <a:pt x="3566347" y="6104831"/>
+                  </a:cubicBezTo>
+                  <a:cubicBezTo>
+                    <a:pt x="3655164" y="6051053"/>
+                    <a:pt x="3739109" y="5990905"/>
+                    <a:pt x="3818369" y="5926823"/>
+                  </a:cubicBezTo>
+                  <a:cubicBezTo>
+                    <a:pt x="3897630" y="5862739"/>
+                    <a:pt x="3973143" y="5795471"/>
+                    <a:pt x="4044908" y="5726329"/>
+                  </a:cubicBezTo>
+                  <a:cubicBezTo>
+                    <a:pt x="4080884" y="5691852"/>
+                    <a:pt x="4116299" y="5656999"/>
+                    <a:pt x="4151151" y="5622147"/>
+                  </a:cubicBezTo>
+                  <a:cubicBezTo>
+                    <a:pt x="4185816" y="5586920"/>
+                    <a:pt x="4220106" y="5552068"/>
+                    <a:pt x="4253834" y="5516841"/>
+                  </a:cubicBezTo>
+                  <a:cubicBezTo>
+                    <a:pt x="4321289" y="5446388"/>
+                    <a:pt x="4387808" y="5376871"/>
+                    <a:pt x="4452453" y="5306979"/>
+                  </a:cubicBezTo>
+                  <a:lnTo>
+                    <a:pt x="4548578" y="5202797"/>
+                  </a:lnTo>
+                  <a:lnTo>
+                    <a:pt x="4596546" y="5151456"/>
+                  </a:lnTo>
+                  <a:cubicBezTo>
+                    <a:pt x="4612661" y="5134592"/>
+                    <a:pt x="4627276" y="5119040"/>
+                    <a:pt x="4643016" y="5103300"/>
+                  </a:cubicBezTo>
+                  <a:cubicBezTo>
+                    <a:pt x="4674308" y="5072196"/>
+                    <a:pt x="4706162" y="5041841"/>
+                    <a:pt x="4739515" y="5013172"/>
+                  </a:cubicBezTo>
+                  <a:cubicBezTo>
+                    <a:pt x="4772493" y="4984128"/>
+                    <a:pt x="4806596" y="4956397"/>
+                    <a:pt x="4842198" y="4930164"/>
+                  </a:cubicBezTo>
+                  <a:cubicBezTo>
+                    <a:pt x="4913026" y="4876949"/>
+                    <a:pt x="4988914" y="4828980"/>
+                    <a:pt x="5071360" y="4780449"/>
+                  </a:cubicBezTo>
+                  <a:cubicBezTo>
+                    <a:pt x="5153243" y="4731544"/>
+                    <a:pt x="5243372" y="4682076"/>
+                    <a:pt x="5332001" y="4615932"/>
+                  </a:cubicBezTo>
+                  <a:cubicBezTo>
+                    <a:pt x="5354111" y="4599443"/>
+                    <a:pt x="5376035" y="4582205"/>
+                    <a:pt x="5397396" y="4563655"/>
+                  </a:cubicBezTo>
+                  <a:cubicBezTo>
+                    <a:pt x="5418757" y="4545104"/>
+                    <a:pt x="5439368" y="4525617"/>
+                    <a:pt x="5459417" y="4505380"/>
+                  </a:cubicBezTo>
+                  <a:cubicBezTo>
+                    <a:pt x="5499329" y="4464719"/>
+                    <a:pt x="5535493" y="4420311"/>
+                    <a:pt x="5567159" y="4374029"/>
+                  </a:cubicBezTo>
+                  <a:cubicBezTo>
+                    <a:pt x="5599388" y="4328121"/>
+                    <a:pt x="5626558" y="4279965"/>
+                    <a:pt x="5651292" y="4231810"/>
+                  </a:cubicBezTo>
+                  <a:cubicBezTo>
+                    <a:pt x="5675651" y="4183466"/>
+                    <a:pt x="5697012" y="4134561"/>
+                    <a:pt x="5716686" y="4085655"/>
+                  </a:cubicBezTo>
+                  <a:cubicBezTo>
+                    <a:pt x="5756223" y="3987845"/>
+                    <a:pt x="5789576" y="3891158"/>
+                    <a:pt x="5820681" y="3791848"/>
+                  </a:cubicBezTo>
+                  <a:cubicBezTo>
+                    <a:pt x="5851972" y="3692726"/>
+                    <a:pt x="5878955" y="3591167"/>
+                    <a:pt x="5898629" y="3487922"/>
+                  </a:cubicBezTo>
+                  <a:cubicBezTo>
+                    <a:pt x="5918116" y="3384490"/>
+                    <a:pt x="5929172" y="3279372"/>
+                    <a:pt x="5932170" y="3174066"/>
+                  </a:cubicBezTo>
+                  <a:cubicBezTo>
+                    <a:pt x="5937604" y="2963454"/>
+                    <a:pt x="5920552" y="2750968"/>
+                    <a:pt x="5872209" y="2545978"/>
+                  </a:cubicBezTo>
+                  <a:cubicBezTo>
+                    <a:pt x="5865838" y="2520307"/>
+                    <a:pt x="5860029" y="2494637"/>
+                    <a:pt x="5852909" y="2469528"/>
+                  </a:cubicBezTo>
+                  <a:close/>
+                  <a:moveTo>
+                    <a:pt x="5507386" y="3724580"/>
+                  </a:moveTo>
+                  <a:cubicBezTo>
+                    <a:pt x="5497830" y="3814521"/>
+                    <a:pt x="5480591" y="3905586"/>
+                    <a:pt x="5453609" y="3989906"/>
+                  </a:cubicBezTo>
+                  <a:cubicBezTo>
+                    <a:pt x="5426439" y="4074413"/>
+                    <a:pt x="5390088" y="4152924"/>
+                    <a:pt x="5344181" y="4220380"/>
+                  </a:cubicBezTo>
+                  <a:cubicBezTo>
+                    <a:pt x="5297898" y="4287835"/>
+                    <a:pt x="5241311" y="4342549"/>
+                    <a:pt x="5171419" y="4388644"/>
+                  </a:cubicBezTo>
+                  <a:cubicBezTo>
+                    <a:pt x="5136755" y="4411879"/>
+                    <a:pt x="5098342" y="4433052"/>
+                    <a:pt x="5057868" y="4453851"/>
+                  </a:cubicBezTo>
+                  <a:cubicBezTo>
+                    <a:pt x="5017395" y="4474837"/>
+                    <a:pt x="4974298" y="4495449"/>
+                    <a:pt x="4930265" y="4516810"/>
+                  </a:cubicBezTo>
+                  <a:cubicBezTo>
+                    <a:pt x="4841823" y="4559719"/>
+                    <a:pt x="4748696" y="4607126"/>
+                    <a:pt x="4660067" y="4664276"/>
+                  </a:cubicBezTo>
+                  <a:cubicBezTo>
+                    <a:pt x="4571251" y="4721238"/>
+                    <a:pt x="4486181" y="4786071"/>
+                    <a:pt x="4408794" y="4857836"/>
+                  </a:cubicBezTo>
+                  <a:cubicBezTo>
+                    <a:pt x="4389682" y="4875637"/>
+                    <a:pt x="4370008" y="4894375"/>
+                    <a:pt x="4352207" y="4911988"/>
+                  </a:cubicBezTo>
+                  <a:lnTo>
+                    <a:pt x="4299366" y="4965390"/>
+                  </a:lnTo>
+                  <a:cubicBezTo>
+                    <a:pt x="4264514" y="5001179"/>
+                    <a:pt x="4230599" y="5037531"/>
+                    <a:pt x="4197621" y="5074257"/>
+                  </a:cubicBezTo>
+                  <a:cubicBezTo>
+                    <a:pt x="4131664" y="5147896"/>
+                    <a:pt x="4070204" y="5223784"/>
+                    <a:pt x="4008744" y="5297985"/>
+                  </a:cubicBezTo>
+                  <a:lnTo>
+                    <a:pt x="3917304" y="5409100"/>
+                  </a:lnTo>
+                  <a:cubicBezTo>
+                    <a:pt x="3886949" y="5446013"/>
+                    <a:pt x="3856782" y="5482364"/>
+                    <a:pt x="3826052" y="5518153"/>
+                  </a:cubicBezTo>
+                  <a:cubicBezTo>
+                    <a:pt x="3764592" y="5589544"/>
+                    <a:pt x="3702758" y="5659435"/>
+                    <a:pt x="3637925" y="5725017"/>
+                  </a:cubicBezTo>
+                  <a:cubicBezTo>
+                    <a:pt x="3573093" y="5790412"/>
+                    <a:pt x="3505637" y="5852059"/>
+                    <a:pt x="3433497" y="5906586"/>
+                  </a:cubicBezTo>
+                  <a:cubicBezTo>
+                    <a:pt x="3361544" y="5961112"/>
+                    <a:pt x="3285469" y="6009268"/>
+                    <a:pt x="3204522" y="6046744"/>
+                  </a:cubicBezTo>
+                  <a:cubicBezTo>
+                    <a:pt x="3123763" y="6084594"/>
+                    <a:pt x="3038506" y="6112513"/>
+                    <a:pt x="2950439" y="6129190"/>
+                  </a:cubicBezTo>
+                  <a:cubicBezTo>
+                    <a:pt x="2906405" y="6137809"/>
+                    <a:pt x="2861810" y="6143055"/>
+                    <a:pt x="2816839" y="6146428"/>
+                  </a:cubicBezTo>
+                  <a:cubicBezTo>
+                    <a:pt x="2794354" y="6147927"/>
+                    <a:pt x="2771681" y="6148677"/>
+                    <a:pt x="2749009" y="6149051"/>
+                  </a:cubicBezTo>
+                  <a:lnTo>
+                    <a:pt x="2678930" y="6148677"/>
+                  </a:lnTo>
+                  <a:cubicBezTo>
+                    <a:pt x="2491927" y="6144367"/>
+                    <a:pt x="2305675" y="6116260"/>
+                    <a:pt x="2125793" y="6065481"/>
+                  </a:cubicBezTo>
+                  <a:cubicBezTo>
+                    <a:pt x="1945911" y="6014515"/>
+                    <a:pt x="1773524" y="5940501"/>
+                    <a:pt x="1610506" y="5851310"/>
+                  </a:cubicBezTo>
+                  <a:cubicBezTo>
+                    <a:pt x="1528997" y="5806714"/>
+                    <a:pt x="1449924" y="5757808"/>
+                    <a:pt x="1373099" y="5706279"/>
+                  </a:cubicBezTo>
+                  <a:lnTo>
+                    <a:pt x="1315949" y="5666743"/>
+                  </a:lnTo>
+                  <a:lnTo>
+                    <a:pt x="1259923" y="5625894"/>
+                  </a:lnTo>
+                  <a:lnTo>
+                    <a:pt x="1204647" y="5583922"/>
+                  </a:lnTo>
+                  <a:cubicBezTo>
+                    <a:pt x="1186284" y="5569869"/>
+                    <a:pt x="1168483" y="5555066"/>
+                    <a:pt x="1150308" y="5540826"/>
+                  </a:cubicBezTo>
+                  <a:cubicBezTo>
+                    <a:pt x="1006402" y="5424839"/>
+                    <a:pt x="872615" y="5296860"/>
+                    <a:pt x="751569" y="5158015"/>
+                  </a:cubicBezTo>
+                  <a:cubicBezTo>
+                    <a:pt x="721214" y="5123350"/>
+                    <a:pt x="691983" y="5087935"/>
+                    <a:pt x="663315" y="5052146"/>
+                  </a:cubicBezTo>
+                  <a:cubicBezTo>
+                    <a:pt x="635021" y="5016170"/>
+                    <a:pt x="607289" y="4980006"/>
+                    <a:pt x="580869" y="4942718"/>
+                  </a:cubicBezTo>
+                  <a:cubicBezTo>
+                    <a:pt x="527654" y="4868517"/>
+                    <a:pt x="478186" y="4791880"/>
+                    <a:pt x="432279" y="4713369"/>
+                  </a:cubicBezTo>
+                  <a:cubicBezTo>
+                    <a:pt x="340651" y="4556159"/>
+                    <a:pt x="264764" y="4390330"/>
+                    <a:pt x="205553" y="4219443"/>
+                  </a:cubicBezTo>
+                  <a:cubicBezTo>
+                    <a:pt x="146154" y="4048555"/>
+                    <a:pt x="104369" y="3872045"/>
+                    <a:pt x="79448" y="3693850"/>
+                  </a:cubicBezTo>
+                  <a:cubicBezTo>
+                    <a:pt x="67268" y="3604659"/>
+                    <a:pt x="58087" y="3515092"/>
+                    <a:pt x="53590" y="3425339"/>
+                  </a:cubicBezTo>
+                  <a:cubicBezTo>
+                    <a:pt x="47969" y="3335585"/>
+                    <a:pt x="47406" y="3245644"/>
+                    <a:pt x="49655" y="3155890"/>
+                  </a:cubicBezTo>
+                  <a:cubicBezTo>
+                    <a:pt x="52278" y="3066137"/>
+                    <a:pt x="58274" y="2976383"/>
+                    <a:pt x="67830" y="2886817"/>
+                  </a:cubicBezTo>
+                  <a:cubicBezTo>
+                    <a:pt x="77761" y="2797438"/>
+                    <a:pt x="91253" y="2708246"/>
+                    <a:pt x="108679" y="2619992"/>
+                  </a:cubicBezTo>
+                  <a:cubicBezTo>
+                    <a:pt x="143906" y="2443108"/>
+                    <a:pt x="195809" y="2269409"/>
+                    <a:pt x="263077" y="2101520"/>
+                  </a:cubicBezTo>
+                  <a:cubicBezTo>
+                    <a:pt x="397614" y="1765740"/>
+                    <a:pt x="593048" y="1453382"/>
+                    <a:pt x="837575" y="1186370"/>
+                  </a:cubicBezTo>
+                  <a:cubicBezTo>
+                    <a:pt x="898473" y="1119289"/>
+                    <a:pt x="964242" y="1056893"/>
+                    <a:pt x="1031698" y="996932"/>
+                  </a:cubicBezTo>
+                  <a:cubicBezTo>
+                    <a:pt x="1099154" y="936784"/>
+                    <a:pt x="1166235" y="876261"/>
+                    <a:pt x="1236688" y="819298"/>
+                  </a:cubicBezTo>
+                  <a:cubicBezTo>
+                    <a:pt x="1377221" y="704999"/>
+                    <a:pt x="1526935" y="600442"/>
+                    <a:pt x="1687143" y="511438"/>
+                  </a:cubicBezTo>
+                  <a:cubicBezTo>
+                    <a:pt x="1847163" y="422621"/>
+                    <a:pt x="2017676" y="348795"/>
+                    <a:pt x="2196246" y="300639"/>
+                  </a:cubicBezTo>
+                  <a:cubicBezTo>
+                    <a:pt x="2374629" y="251921"/>
+                    <a:pt x="2560320" y="227749"/>
+                    <a:pt x="2745823" y="229248"/>
+                  </a:cubicBezTo>
+                  <a:cubicBezTo>
+                    <a:pt x="2837076" y="230372"/>
+                    <a:pt x="2928516" y="238055"/>
+                    <a:pt x="3019206" y="252108"/>
+                  </a:cubicBezTo>
+                  <a:cubicBezTo>
+                    <a:pt x="3109710" y="266724"/>
+                    <a:pt x="3199650" y="286773"/>
+                    <a:pt x="3288092" y="313006"/>
+                  </a:cubicBezTo>
+                  <a:cubicBezTo>
+                    <a:pt x="3376347" y="339426"/>
+                    <a:pt x="3463477" y="370343"/>
+                    <a:pt x="3548172" y="407069"/>
+                  </a:cubicBezTo>
+                  <a:cubicBezTo>
+                    <a:pt x="3569345" y="416438"/>
+                    <a:pt x="3590519" y="425432"/>
+                    <a:pt x="3611505" y="435176"/>
+                  </a:cubicBezTo>
+                  <a:lnTo>
+                    <a:pt x="3674089" y="464968"/>
+                  </a:lnTo>
+                  <a:lnTo>
+                    <a:pt x="3735736" y="496823"/>
+                  </a:lnTo>
+                  <a:cubicBezTo>
+                    <a:pt x="3756160" y="507690"/>
+                    <a:pt x="3776397" y="519120"/>
+                    <a:pt x="3796634" y="530176"/>
+                  </a:cubicBezTo>
+                  <a:cubicBezTo>
+                    <a:pt x="3957965" y="621054"/>
+                    <a:pt x="4110303" y="728046"/>
+                    <a:pt x="4251585" y="847405"/>
+                  </a:cubicBezTo>
+                  <a:cubicBezTo>
+                    <a:pt x="4393242" y="966390"/>
+                    <a:pt x="4524781" y="1096991"/>
+                    <a:pt x="4644515" y="1236775"/>
+                  </a:cubicBezTo>
+                  <a:cubicBezTo>
+                    <a:pt x="4704663" y="1306479"/>
+                    <a:pt x="4762375" y="1378057"/>
+                    <a:pt x="4816527" y="1451883"/>
+                  </a:cubicBezTo>
+                  <a:cubicBezTo>
+                    <a:pt x="4870679" y="1525897"/>
+                    <a:pt x="4922020" y="1601598"/>
+                    <a:pt x="4970738" y="1678610"/>
+                  </a:cubicBezTo>
+                  <a:cubicBezTo>
+                    <a:pt x="5067799" y="1833008"/>
+                    <a:pt x="5152494" y="1993965"/>
+                    <a:pt x="5223885" y="2159232"/>
+                  </a:cubicBezTo>
+                  <a:cubicBezTo>
+                    <a:pt x="5295275" y="2324686"/>
+                    <a:pt x="5349615" y="2495199"/>
+                    <a:pt x="5395709" y="2666087"/>
+                  </a:cubicBezTo>
+                  <a:cubicBezTo>
+                    <a:pt x="5418757" y="2751718"/>
+                    <a:pt x="5440680" y="2837537"/>
+                    <a:pt x="5458855" y="2924292"/>
+                  </a:cubicBezTo>
+                  <a:cubicBezTo>
+                    <a:pt x="5477406" y="3011048"/>
+                    <a:pt x="5490522" y="3098740"/>
+                    <a:pt x="5499142" y="3186995"/>
+                  </a:cubicBezTo>
+                  <a:cubicBezTo>
+                    <a:pt x="5507761" y="3275250"/>
+                    <a:pt x="5513944" y="3364254"/>
+                    <a:pt x="5516755" y="3454007"/>
+                  </a:cubicBezTo>
+                  <a:cubicBezTo>
+                    <a:pt x="5518629" y="3543761"/>
+                    <a:pt x="5516755" y="3634264"/>
+                    <a:pt x="5507386" y="3724580"/>
+                  </a:cubicBezTo>
+                  <a:close/>
+                </a:path>
+              </a:pathLst>
+            </a:custGeom>
+            <a:solidFill>
+              <a:schemeClr val="bg1">
+                <a:alpha val="30000"/>
+              </a:schemeClr>
+            </a:solidFill>
+            <a:ln w="18736" cap="flat">
+              <a:noFill/>
+              <a:prstDash val="solid"/>
+              <a:miter/>
+            </a:ln>
+          </p:spPr>
+          <p:txBody>
+            <a:bodyPr rtlCol="0" anchor="ctr"/>
+            <a:lstStyle/>
+            <a:p>
+              <a:endParaRPr lang="en-US"/>
+            </a:p>
+          </p:txBody>
+        </p:sp>
+        <p:sp>
+          <p:nvSpPr>
+            <p:cNvPr id="45" name="Freeform: Shape 44">
+              <a:extLst>
+                <a:ext uri="{FF2B5EF4-FFF2-40B4-BE49-F238E27FC236}">
+                  <a16:creationId xmlns:a16="http://schemas.microsoft.com/office/drawing/2014/main" id="{C7E50BFD-51AC-4ACE-820C-A285E667238E}"/>
+                </a:ext>
+                <a:ext uri="{C183D7F6-B498-43B3-948B-1728B52AA6E4}">
+                  <adec:decorative xmlns:adec="http://schemas.microsoft.com/office/drawing/2017/decorative" val="1"/>
+                </a:ext>
+              </a:extLst>
+            </p:cNvPr>
+            <p:cNvSpPr/>
+            <p:nvPr>
+              <p:extLst>
+                <p:ext uri="{386F3935-93C4-4BCD-93E2-E3B085C9AB24}">
+                  <p16:designElem xmlns:p16="http://schemas.microsoft.com/office/powerpoint/2015/main" val="1"/>
+                </p:ext>
+              </p:extLst>
+            </p:nvPr>
+          </p:nvSpPr>
+          <p:spPr>
+            <a:xfrm>
+              <a:off x="-9149" y="241478"/>
+              <a:ext cx="5953893" cy="6434152"/>
+            </a:xfrm>
+            <a:custGeom>
+              <a:avLst/>
+              <a:gdLst>
+                <a:gd name="connsiteX0" fmla="*/ 2739452 w 5953893"/>
+                <a:gd name="connsiteY0" fmla="*/ 0 h 6434152"/>
+                <a:gd name="connsiteX1" fmla="*/ 0 w 5953893"/>
+                <a:gd name="connsiteY1" fmla="*/ 1610693 h 6434152"/>
+                <a:gd name="connsiteX2" fmla="*/ 0 w 5953893"/>
+                <a:gd name="connsiteY2" fmla="*/ 4823273 h 6434152"/>
+                <a:gd name="connsiteX3" fmla="*/ 352456 w 5953893"/>
+                <a:gd name="connsiteY3" fmla="*/ 5326193 h 6434152"/>
+                <a:gd name="connsiteX4" fmla="*/ 2739452 w 5953893"/>
+                <a:gd name="connsiteY4" fmla="*/ 6434153 h 6434152"/>
+                <a:gd name="connsiteX5" fmla="*/ 4618282 w 5953893"/>
+                <a:gd name="connsiteY5" fmla="*/ 5167859 h 6434152"/>
+                <a:gd name="connsiteX6" fmla="*/ 5860029 w 5953893"/>
+                <a:gd name="connsiteY6" fmla="*/ 3948409 h 6434152"/>
+                <a:gd name="connsiteX7" fmla="*/ 2739452 w 5953893"/>
+                <a:gd name="connsiteY7" fmla="*/ 0 h 6434152"/>
+                <a:gd name="connsiteX8" fmla="*/ 5317011 w 5953893"/>
+                <a:gd name="connsiteY8" fmla="*/ 3797009 h 6434152"/>
+                <a:gd name="connsiteX9" fmla="*/ 5176478 w 5953893"/>
+                <a:gd name="connsiteY9" fmla="*/ 4100747 h 6434152"/>
+                <a:gd name="connsiteX10" fmla="*/ 4942257 w 5953893"/>
+                <a:gd name="connsiteY10" fmla="*/ 4250274 h 6434152"/>
+                <a:gd name="connsiteX11" fmla="*/ 4216171 w 5953893"/>
+                <a:gd name="connsiteY11" fmla="*/ 4773243 h 6434152"/>
+                <a:gd name="connsiteX12" fmla="*/ 3905125 w 5953893"/>
+                <a:gd name="connsiteY12" fmla="*/ 5105837 h 6434152"/>
+                <a:gd name="connsiteX13" fmla="*/ 3308329 w 5953893"/>
+                <a:gd name="connsiteY13" fmla="*/ 5682022 h 6434152"/>
+                <a:gd name="connsiteX14" fmla="*/ 2739452 w 5953893"/>
+                <a:gd name="connsiteY14" fmla="*/ 5870898 h 6434152"/>
+                <a:gd name="connsiteX15" fmla="*/ 1647419 w 5953893"/>
+                <a:gd name="connsiteY15" fmla="*/ 5625809 h 6434152"/>
+                <a:gd name="connsiteX16" fmla="*/ 781175 w 5953893"/>
+                <a:gd name="connsiteY16" fmla="*/ 4960620 h 6434152"/>
+                <a:gd name="connsiteX17" fmla="*/ 312545 w 5953893"/>
+                <a:gd name="connsiteY17" fmla="*/ 4165205 h 6434152"/>
+                <a:gd name="connsiteX18" fmla="*/ 142032 w 5953893"/>
+                <a:gd name="connsiteY18" fmla="*/ 3217451 h 6434152"/>
+                <a:gd name="connsiteX19" fmla="*/ 347210 w 5953893"/>
+                <a:gd name="connsiteY19" fmla="*/ 2181444 h 6434152"/>
+                <a:gd name="connsiteX20" fmla="*/ 906155 w 5953893"/>
+                <a:gd name="connsiteY20" fmla="*/ 1337497 h 6434152"/>
+                <a:gd name="connsiteX21" fmla="*/ 2739265 w 5953893"/>
+                <a:gd name="connsiteY21" fmla="*/ 563818 h 6434152"/>
+                <a:gd name="connsiteX22" fmla="*/ 3849849 w 5953893"/>
+                <a:gd name="connsiteY22" fmla="*/ 881796 h 6434152"/>
+                <a:gd name="connsiteX23" fmla="*/ 4834515 w 5953893"/>
+                <a:gd name="connsiteY23" fmla="*/ 1742419 h 6434152"/>
+                <a:gd name="connsiteX24" fmla="*/ 5325256 w 5953893"/>
+                <a:gd name="connsiteY24" fmla="*/ 2742076 h 6434152"/>
+                <a:gd name="connsiteX25" fmla="*/ 5317011 w 5953893"/>
+                <a:gd name="connsiteY25" fmla="*/ 3797009 h 6434152"/>
+              </a:gdLst>
+              <a:ahLst/>
+              <a:cxnLst>
+                <a:cxn ang="0">
+                  <a:pos x="connsiteX0" y="connsiteY0"/>
+                </a:cxn>
+                <a:cxn ang="0">
+                  <a:pos x="connsiteX1" y="connsiteY1"/>
+                </a:cxn>
+                <a:cxn ang="0">
+                  <a:pos x="connsiteX2" y="connsiteY2"/>
+                </a:cxn>
+                <a:cxn ang="0">
+                  <a:pos x="connsiteX3" y="connsiteY3"/>
+                </a:cxn>
+                <a:cxn ang="0">
+                  <a:pos x="connsiteX4" y="connsiteY4"/>
+                </a:cxn>
+                <a:cxn ang="0">
+                  <a:pos x="connsiteX5" y="connsiteY5"/>
+                </a:cxn>
+                <a:cxn ang="0">
+                  <a:pos x="connsiteX6" y="connsiteY6"/>
+                </a:cxn>
+                <a:cxn ang="0">
+                  <a:pos x="connsiteX7" y="connsiteY7"/>
+                </a:cxn>
+                <a:cxn ang="0">
+                  <a:pos x="connsiteX8" y="connsiteY8"/>
+                </a:cxn>
+                <a:cxn ang="0">
+                  <a:pos x="connsiteX9" y="connsiteY9"/>
+                </a:cxn>
+                <a:cxn ang="0">
+                  <a:pos x="connsiteX10" y="connsiteY10"/>
+                </a:cxn>
+                <a:cxn ang="0">
+                  <a:pos x="connsiteX11" y="connsiteY11"/>
+                </a:cxn>
+                <a:cxn ang="0">
+                  <a:pos x="connsiteX12" y="connsiteY12"/>
+                </a:cxn>
+                <a:cxn ang="0">
+                  <a:pos x="connsiteX13" y="connsiteY13"/>
+                </a:cxn>
+                <a:cxn ang="0">
+                  <a:pos x="connsiteX14" y="connsiteY14"/>
+                </a:cxn>
+                <a:cxn ang="0">
+                  <a:pos x="connsiteX15" y="connsiteY15"/>
+                </a:cxn>
+                <a:cxn ang="0">
+                  <a:pos x="connsiteX16" y="connsiteY16"/>
+                </a:cxn>
+                <a:cxn ang="0">
+                  <a:pos x="connsiteX17" y="connsiteY17"/>
+                </a:cxn>
+                <a:cxn ang="0">
+                  <a:pos x="connsiteX18" y="connsiteY18"/>
+                </a:cxn>
+                <a:cxn ang="0">
+                  <a:pos x="connsiteX19" y="connsiteY19"/>
+                </a:cxn>
+                <a:cxn ang="0">
+                  <a:pos x="connsiteX20" y="connsiteY20"/>
+                </a:cxn>
+                <a:cxn ang="0">
+                  <a:pos x="connsiteX21" y="connsiteY21"/>
+                </a:cxn>
+                <a:cxn ang="0">
+                  <a:pos x="connsiteX22" y="connsiteY22"/>
+                </a:cxn>
+                <a:cxn ang="0">
+                  <a:pos x="connsiteX23" y="connsiteY23"/>
+                </a:cxn>
+                <a:cxn ang="0">
+                  <a:pos x="connsiteX24" y="connsiteY24"/>
+                </a:cxn>
+                <a:cxn ang="0">
+                  <a:pos x="connsiteX25" y="connsiteY25"/>
+                </a:cxn>
+              </a:cxnLst>
+              <a:rect l="l" t="t" r="r" b="b"/>
+              <a:pathLst>
+                <a:path w="5953893" h="6434152">
+                  <a:moveTo>
+                    <a:pt x="2739452" y="0"/>
+                  </a:moveTo>
+                  <a:cubicBezTo>
+                    <a:pt x="1568346" y="0"/>
+                    <a:pt x="546204" y="647950"/>
+                    <a:pt x="0" y="1610693"/>
+                  </a:cubicBezTo>
+                  <a:lnTo>
+                    <a:pt x="0" y="4823273"/>
+                  </a:lnTo>
+                  <a:cubicBezTo>
+                    <a:pt x="101746" y="5002593"/>
+                    <a:pt x="219793" y="5171045"/>
+                    <a:pt x="352456" y="5326193"/>
+                  </a:cubicBezTo>
+                  <a:cubicBezTo>
+                    <a:pt x="932013" y="6005060"/>
+                    <a:pt x="1786453" y="6434153"/>
+                    <a:pt x="2739452" y="6434153"/>
+                  </a:cubicBezTo>
+                  <a:cubicBezTo>
+                    <a:pt x="3612442" y="6434153"/>
+                    <a:pt x="4046220" y="5750227"/>
+                    <a:pt x="4618282" y="5167859"/>
+                  </a:cubicBezTo>
+                  <a:cubicBezTo>
+                    <a:pt x="5190344" y="4585679"/>
+                    <a:pt x="5621311" y="4803036"/>
+                    <a:pt x="5860029" y="3948409"/>
+                  </a:cubicBezTo>
+                  <a:cubicBezTo>
+                    <a:pt x="6403423" y="2003810"/>
+                    <a:pt x="4485244" y="0"/>
+                    <a:pt x="2739452" y="0"/>
+                  </a:cubicBezTo>
+                  <a:close/>
+                  <a:moveTo>
+                    <a:pt x="5317011" y="3797009"/>
+                  </a:moveTo>
+                  <a:cubicBezTo>
+                    <a:pt x="5275976" y="3943538"/>
+                    <a:pt x="5228756" y="4045658"/>
+                    <a:pt x="5176478" y="4100747"/>
+                  </a:cubicBezTo>
+                  <a:cubicBezTo>
+                    <a:pt x="5131883" y="4147591"/>
+                    <a:pt x="5061991" y="4186004"/>
+                    <a:pt x="4942257" y="4250274"/>
+                  </a:cubicBezTo>
+                  <a:cubicBezTo>
+                    <a:pt x="4753381" y="4351458"/>
+                    <a:pt x="4494613" y="4489929"/>
+                    <a:pt x="4216171" y="4773243"/>
+                  </a:cubicBezTo>
+                  <a:cubicBezTo>
+                    <a:pt x="4106555" y="4884733"/>
+                    <a:pt x="4004247" y="4997159"/>
+                    <a:pt x="3905125" y="5105837"/>
+                  </a:cubicBezTo>
+                  <a:cubicBezTo>
+                    <a:pt x="3701071" y="5329753"/>
+                    <a:pt x="3508260" y="5541302"/>
+                    <a:pt x="3308329" y="5682022"/>
+                  </a:cubicBezTo>
+                  <a:cubicBezTo>
+                    <a:pt x="3122826" y="5812624"/>
+                    <a:pt x="2947441" y="5870898"/>
+                    <a:pt x="2739452" y="5870898"/>
+                  </a:cubicBezTo>
+                  <a:cubicBezTo>
+                    <a:pt x="2357765" y="5870898"/>
+                    <a:pt x="1990319" y="5788452"/>
+                    <a:pt x="1647419" y="5625809"/>
+                  </a:cubicBezTo>
+                  <a:cubicBezTo>
+                    <a:pt x="1319509" y="5470286"/>
+                    <a:pt x="1019893" y="5240187"/>
+                    <a:pt x="781175" y="4960620"/>
+                  </a:cubicBezTo>
+                  <a:cubicBezTo>
+                    <a:pt x="579370" y="4724151"/>
+                    <a:pt x="421598" y="4456576"/>
+                    <a:pt x="312545" y="4165205"/>
+                  </a:cubicBezTo>
+                  <a:cubicBezTo>
+                    <a:pt x="199369" y="3863153"/>
+                    <a:pt x="142032" y="3544237"/>
+                    <a:pt x="142032" y="3217451"/>
+                  </a:cubicBezTo>
+                  <a:cubicBezTo>
+                    <a:pt x="142032" y="2857688"/>
+                    <a:pt x="211174" y="2509166"/>
+                    <a:pt x="347210" y="2181444"/>
+                  </a:cubicBezTo>
+                  <a:cubicBezTo>
+                    <a:pt x="478561" y="1865339"/>
+                    <a:pt x="666688" y="1581275"/>
+                    <a:pt x="906155" y="1337497"/>
+                  </a:cubicBezTo>
+                  <a:cubicBezTo>
+                    <a:pt x="1396334" y="838512"/>
+                    <a:pt x="2047469" y="563818"/>
+                    <a:pt x="2739265" y="563818"/>
+                  </a:cubicBezTo>
+                  <a:cubicBezTo>
+                    <a:pt x="3094157" y="563818"/>
+                    <a:pt x="3478280" y="673808"/>
+                    <a:pt x="3849849" y="881796"/>
+                  </a:cubicBezTo>
+                  <a:cubicBezTo>
+                    <a:pt x="4226851" y="1092783"/>
+                    <a:pt x="4567316" y="1390338"/>
+                    <a:pt x="4834515" y="1742419"/>
+                  </a:cubicBezTo>
+                  <a:cubicBezTo>
+                    <a:pt x="5070798" y="2053653"/>
+                    <a:pt x="5240374" y="2399363"/>
+                    <a:pt x="5325256" y="2742076"/>
+                  </a:cubicBezTo>
+                  <a:cubicBezTo>
+                    <a:pt x="5414634" y="3102964"/>
+                    <a:pt x="5411824" y="3458044"/>
+                    <a:pt x="5317011" y="3797009"/>
+                  </a:cubicBezTo>
+                  <a:close/>
+                </a:path>
+              </a:pathLst>
+            </a:custGeom>
+            <a:solidFill>
+              <a:schemeClr val="bg1">
+                <a:alpha val="30000"/>
+              </a:schemeClr>
+            </a:solidFill>
+            <a:ln w="18736" cap="flat">
+              <a:noFill/>
+              <a:prstDash val="solid"/>
+              <a:miter/>
+            </a:ln>
+          </p:spPr>
+          <p:txBody>
+            <a:bodyPr rtlCol="0" anchor="ctr"/>
+            <a:lstStyle/>
+            <a:p>
+              <a:endParaRPr lang="en-US"/>
+            </a:p>
+          </p:txBody>
+        </p:sp>
+        <p:sp>
+          <p:nvSpPr>
+            <p:cNvPr id="46" name="Freeform: Shape 45">
+              <a:extLst>
+                <a:ext uri="{FF2B5EF4-FFF2-40B4-BE49-F238E27FC236}">
+                  <a16:creationId xmlns:a16="http://schemas.microsoft.com/office/drawing/2014/main" id="{A0394888-C50F-41C1-92D4-0E2B4315A894}"/>
+                </a:ext>
+                <a:ext uri="{C183D7F6-B498-43B3-948B-1728B52AA6E4}">
+                  <adec:decorative xmlns:adec="http://schemas.microsoft.com/office/drawing/2017/decorative" val="1"/>
+                </a:ext>
+              </a:extLst>
+            </p:cNvPr>
+            <p:cNvSpPr/>
+            <p:nvPr>
+              <p:extLst>
+                <p:ext uri="{386F3935-93C4-4BCD-93E2-E3B085C9AB24}">
+                  <p16:designElem xmlns:p16="http://schemas.microsoft.com/office/powerpoint/2015/main" val="1"/>
+                </p:ext>
+              </p:extLst>
+            </p:nvPr>
+          </p:nvSpPr>
+          <p:spPr>
+            <a:xfrm>
+              <a:off x="-9149" y="231462"/>
+              <a:ext cx="5953893" cy="6444167"/>
+            </a:xfrm>
+            <a:custGeom>
+              <a:avLst/>
+              <a:gdLst>
+                <a:gd name="connsiteX0" fmla="*/ 2739452 w 5953893"/>
+                <a:gd name="connsiteY0" fmla="*/ 0 h 6434152"/>
+                <a:gd name="connsiteX1" fmla="*/ 0 w 5953893"/>
+                <a:gd name="connsiteY1" fmla="*/ 1610693 h 6434152"/>
+                <a:gd name="connsiteX2" fmla="*/ 0 w 5953893"/>
+                <a:gd name="connsiteY2" fmla="*/ 4823273 h 6434152"/>
+                <a:gd name="connsiteX3" fmla="*/ 352456 w 5953893"/>
+                <a:gd name="connsiteY3" fmla="*/ 5326193 h 6434152"/>
+                <a:gd name="connsiteX4" fmla="*/ 2739452 w 5953893"/>
+                <a:gd name="connsiteY4" fmla="*/ 6434153 h 6434152"/>
+                <a:gd name="connsiteX5" fmla="*/ 4618282 w 5953893"/>
+                <a:gd name="connsiteY5" fmla="*/ 5167859 h 6434152"/>
+                <a:gd name="connsiteX6" fmla="*/ 5860029 w 5953893"/>
+                <a:gd name="connsiteY6" fmla="*/ 3948409 h 6434152"/>
+                <a:gd name="connsiteX7" fmla="*/ 2739452 w 5953893"/>
+                <a:gd name="connsiteY7" fmla="*/ 0 h 6434152"/>
+                <a:gd name="connsiteX8" fmla="*/ 5208520 w 5953893"/>
+                <a:gd name="connsiteY8" fmla="*/ 3766654 h 6434152"/>
+                <a:gd name="connsiteX9" fmla="*/ 5094782 w 5953893"/>
+                <a:gd name="connsiteY9" fmla="*/ 4022985 h 6434152"/>
+                <a:gd name="connsiteX10" fmla="*/ 4888855 w 5953893"/>
+                <a:gd name="connsiteY10" fmla="*/ 4150777 h 6434152"/>
+                <a:gd name="connsiteX11" fmla="*/ 4135411 w 5953893"/>
+                <a:gd name="connsiteY11" fmla="*/ 4694170 h 6434152"/>
+                <a:gd name="connsiteX12" fmla="*/ 3821555 w 5953893"/>
+                <a:gd name="connsiteY12" fmla="*/ 5029762 h 6434152"/>
+                <a:gd name="connsiteX13" fmla="*/ 2739265 w 5953893"/>
+                <a:gd name="connsiteY13" fmla="*/ 5758097 h 6434152"/>
+                <a:gd name="connsiteX14" fmla="*/ 1695575 w 5953893"/>
+                <a:gd name="connsiteY14" fmla="*/ 5523876 h 6434152"/>
+                <a:gd name="connsiteX15" fmla="*/ 866619 w 5953893"/>
+                <a:gd name="connsiteY15" fmla="*/ 4887356 h 6434152"/>
+                <a:gd name="connsiteX16" fmla="*/ 417851 w 5953893"/>
+                <a:gd name="connsiteY16" fmla="*/ 4125481 h 6434152"/>
+                <a:gd name="connsiteX17" fmla="*/ 254645 w 5953893"/>
+                <a:gd name="connsiteY17" fmla="*/ 3217264 h 6434152"/>
+                <a:gd name="connsiteX18" fmla="*/ 451204 w 5953893"/>
+                <a:gd name="connsiteY18" fmla="*/ 2224540 h 6434152"/>
+                <a:gd name="connsiteX19" fmla="*/ 986540 w 5953893"/>
+                <a:gd name="connsiteY19" fmla="*/ 1416383 h 6434152"/>
+                <a:gd name="connsiteX20" fmla="*/ 2739452 w 5953893"/>
+                <a:gd name="connsiteY20" fmla="*/ 676244 h 6434152"/>
+                <a:gd name="connsiteX21" fmla="*/ 3794947 w 5953893"/>
+                <a:gd name="connsiteY21" fmla="*/ 979795 h 6434152"/>
+                <a:gd name="connsiteX22" fmla="*/ 4744762 w 5953893"/>
+                <a:gd name="connsiteY22" fmla="*/ 1810250 h 6434152"/>
+                <a:gd name="connsiteX23" fmla="*/ 5215827 w 5953893"/>
+                <a:gd name="connsiteY23" fmla="*/ 2768871 h 6434152"/>
+                <a:gd name="connsiteX24" fmla="*/ 5208520 w 5953893"/>
+                <a:gd name="connsiteY24" fmla="*/ 3766654 h 6434152"/>
+              </a:gdLst>
+              <a:ahLst/>
+              <a:cxnLst>
+                <a:cxn ang="0">
+                  <a:pos x="connsiteX0" y="connsiteY0"/>
+                </a:cxn>
+                <a:cxn ang="0">
+                  <a:pos x="connsiteX1" y="connsiteY1"/>
+                </a:cxn>
+                <a:cxn ang="0">
+                  <a:pos x="connsiteX2" y="connsiteY2"/>
+                </a:cxn>
+                <a:cxn ang="0">
+                  <a:pos x="connsiteX3" y="connsiteY3"/>
+                </a:cxn>
+                <a:cxn ang="0">
+                  <a:pos x="connsiteX4" y="connsiteY4"/>
+                </a:cxn>
+                <a:cxn ang="0">
+                  <a:pos x="connsiteX5" y="connsiteY5"/>
+                </a:cxn>
+                <a:cxn ang="0">
+                  <a:pos x="connsiteX6" y="connsiteY6"/>
+                </a:cxn>
+                <a:cxn ang="0">
+                  <a:pos x="connsiteX7" y="connsiteY7"/>
+                </a:cxn>
+                <a:cxn ang="0">
+                  <a:pos x="connsiteX8" y="connsiteY8"/>
+                </a:cxn>
+                <a:cxn ang="0">
+                  <a:pos x="connsiteX9" y="connsiteY9"/>
+                </a:cxn>
+                <a:cxn ang="0">
+                  <a:pos x="connsiteX10" y="connsiteY10"/>
+                </a:cxn>
+                <a:cxn ang="0">
+                  <a:pos x="connsiteX11" y="connsiteY11"/>
+                </a:cxn>
+                <a:cxn ang="0">
+                  <a:pos x="connsiteX12" y="connsiteY12"/>
+                </a:cxn>
+                <a:cxn ang="0">
+                  <a:pos x="connsiteX13" y="connsiteY13"/>
+                </a:cxn>
+                <a:cxn ang="0">
+                  <a:pos x="connsiteX14" y="connsiteY14"/>
+                </a:cxn>
+                <a:cxn ang="0">
+                  <a:pos x="connsiteX15" y="connsiteY15"/>
+                </a:cxn>
+                <a:cxn ang="0">
+                  <a:pos x="connsiteX16" y="connsiteY16"/>
+                </a:cxn>
+                <a:cxn ang="0">
+                  <a:pos x="connsiteX17" y="connsiteY17"/>
+                </a:cxn>
+                <a:cxn ang="0">
+                  <a:pos x="connsiteX18" y="connsiteY18"/>
+                </a:cxn>
+                <a:cxn ang="0">
+                  <a:pos x="connsiteX19" y="connsiteY19"/>
+                </a:cxn>
+                <a:cxn ang="0">
+                  <a:pos x="connsiteX20" y="connsiteY20"/>
+                </a:cxn>
+                <a:cxn ang="0">
+                  <a:pos x="connsiteX21" y="connsiteY21"/>
+                </a:cxn>
+                <a:cxn ang="0">
+                  <a:pos x="connsiteX22" y="connsiteY22"/>
+                </a:cxn>
+                <a:cxn ang="0">
+                  <a:pos x="connsiteX23" y="connsiteY23"/>
+                </a:cxn>
+                <a:cxn ang="0">
+                  <a:pos x="connsiteX24" y="connsiteY24"/>
+                </a:cxn>
+              </a:cxnLst>
+              <a:rect l="l" t="t" r="r" b="b"/>
+              <a:pathLst>
+                <a:path w="5953893" h="6434152">
+                  <a:moveTo>
+                    <a:pt x="2739452" y="0"/>
+                  </a:moveTo>
+                  <a:cubicBezTo>
+                    <a:pt x="1568346" y="0"/>
+                    <a:pt x="546204" y="647950"/>
+                    <a:pt x="0" y="1610693"/>
+                  </a:cubicBezTo>
+                  <a:lnTo>
+                    <a:pt x="0" y="4823273"/>
+                  </a:lnTo>
+                  <a:cubicBezTo>
+                    <a:pt x="101746" y="5002593"/>
+                    <a:pt x="219793" y="5171045"/>
+                    <a:pt x="352456" y="5326193"/>
+                  </a:cubicBezTo>
+                  <a:cubicBezTo>
+                    <a:pt x="932013" y="6005060"/>
+                    <a:pt x="1786453" y="6434153"/>
+                    <a:pt x="2739452" y="6434153"/>
+                  </a:cubicBezTo>
+                  <a:cubicBezTo>
+                    <a:pt x="3612442" y="6434153"/>
+                    <a:pt x="4046220" y="5750227"/>
+                    <a:pt x="4618282" y="5167859"/>
+                  </a:cubicBezTo>
+                  <a:cubicBezTo>
+                    <a:pt x="5190344" y="4585679"/>
+                    <a:pt x="5621311" y="4803036"/>
+                    <a:pt x="5860029" y="3948409"/>
+                  </a:cubicBezTo>
+                  <a:cubicBezTo>
+                    <a:pt x="6403423" y="2003810"/>
+                    <a:pt x="4485244" y="0"/>
+                    <a:pt x="2739452" y="0"/>
+                  </a:cubicBezTo>
+                  <a:close/>
+                  <a:moveTo>
+                    <a:pt x="5208520" y="3766654"/>
+                  </a:moveTo>
+                  <a:cubicBezTo>
+                    <a:pt x="5173667" y="3891634"/>
+                    <a:pt x="5133194" y="3982699"/>
+                    <a:pt x="5094782" y="4022985"/>
+                  </a:cubicBezTo>
+                  <a:cubicBezTo>
+                    <a:pt x="5060492" y="4058962"/>
+                    <a:pt x="4984792" y="4099435"/>
+                    <a:pt x="4888855" y="4150777"/>
+                  </a:cubicBezTo>
+                  <a:cubicBezTo>
+                    <a:pt x="4693420" y="4255333"/>
+                    <a:pt x="4426033" y="4398489"/>
+                    <a:pt x="4135411" y="4694170"/>
+                  </a:cubicBezTo>
+                  <a:cubicBezTo>
+                    <a:pt x="4024297" y="4807158"/>
+                    <a:pt x="3921239" y="4920334"/>
+                    <a:pt x="3821555" y="5029762"/>
+                  </a:cubicBezTo>
+                  <a:cubicBezTo>
+                    <a:pt x="3385341" y="5508324"/>
+                    <a:pt x="3138940" y="5758097"/>
+                    <a:pt x="2739265" y="5758097"/>
+                  </a:cubicBezTo>
+                  <a:cubicBezTo>
+                    <a:pt x="2374442" y="5758097"/>
+                    <a:pt x="2023297" y="5679211"/>
+                    <a:pt x="1695575" y="5523876"/>
+                  </a:cubicBezTo>
+                  <a:cubicBezTo>
+                    <a:pt x="1381906" y="5375098"/>
+                    <a:pt x="1095219" y="5154930"/>
+                    <a:pt x="866619" y="4887356"/>
+                  </a:cubicBezTo>
+                  <a:cubicBezTo>
+                    <a:pt x="673246" y="4661005"/>
+                    <a:pt x="522220" y="4404673"/>
+                    <a:pt x="417851" y="4125481"/>
+                  </a:cubicBezTo>
+                  <a:cubicBezTo>
+                    <a:pt x="309547" y="3836171"/>
+                    <a:pt x="254645" y="3530558"/>
+                    <a:pt x="254645" y="3217264"/>
+                  </a:cubicBezTo>
+                  <a:cubicBezTo>
+                    <a:pt x="254645" y="2872490"/>
+                    <a:pt x="320790" y="2538585"/>
+                    <a:pt x="451204" y="2224540"/>
+                  </a:cubicBezTo>
+                  <a:cubicBezTo>
+                    <a:pt x="577121" y="1921739"/>
+                    <a:pt x="757191" y="1649855"/>
+                    <a:pt x="986540" y="1416383"/>
+                  </a:cubicBezTo>
+                  <a:cubicBezTo>
+                    <a:pt x="1455357" y="939134"/>
+                    <a:pt x="2078011" y="676244"/>
+                    <a:pt x="2739452" y="676244"/>
+                  </a:cubicBezTo>
+                  <a:cubicBezTo>
+                    <a:pt x="3075232" y="676244"/>
+                    <a:pt x="3440243" y="781175"/>
+                    <a:pt x="3794947" y="979795"/>
+                  </a:cubicBezTo>
+                  <a:cubicBezTo>
+                    <a:pt x="4158459" y="1183286"/>
+                    <a:pt x="4486931" y="1470348"/>
+                    <a:pt x="4744762" y="1810250"/>
+                  </a:cubicBezTo>
+                  <a:cubicBezTo>
+                    <a:pt x="4971862" y="2109491"/>
+                    <a:pt x="5134693" y="2440961"/>
+                    <a:pt x="5215827" y="2768871"/>
+                  </a:cubicBezTo>
+                  <a:cubicBezTo>
+                    <a:pt x="5300334" y="3110834"/>
+                    <a:pt x="5297898" y="3446614"/>
+                    <a:pt x="5208520" y="3766654"/>
+                  </a:cubicBezTo>
+                  <a:close/>
+                </a:path>
+              </a:pathLst>
+            </a:custGeom>
+            <a:solidFill>
+              <a:schemeClr val="bg1">
+                <a:alpha val="30000"/>
+              </a:schemeClr>
+            </a:solidFill>
+            <a:ln w="18736" cap="flat">
+              <a:noFill/>
+              <a:prstDash val="solid"/>
+              <a:miter/>
+            </a:ln>
+          </p:spPr>
+          <p:txBody>
+            <a:bodyPr rtlCol="0" anchor="ctr"/>
+            <a:lstStyle/>
+            <a:p>
+              <a:endParaRPr lang="en-US" dirty="0"/>
+            </a:p>
+          </p:txBody>
+        </p:sp>
+        <p:sp useBgFill="1">
+          <p:nvSpPr>
+            <p:cNvPr id="47" name="Freeform: Shape 46">
+              <a:extLst>
+                <a:ext uri="{FF2B5EF4-FFF2-40B4-BE49-F238E27FC236}">
+                  <a16:creationId xmlns:a16="http://schemas.microsoft.com/office/drawing/2014/main" id="{F22C906F-48B7-4ABF-B36E-0C0A056A577A}"/>
+                </a:ext>
+                <a:ext uri="{C183D7F6-B498-43B3-948B-1728B52AA6E4}">
+                  <adec:decorative xmlns:adec="http://schemas.microsoft.com/office/drawing/2017/decorative" val="1"/>
+                </a:ext>
+              </a:extLst>
+            </p:cNvPr>
+            <p:cNvSpPr/>
+            <p:nvPr>
+              <p:extLst>
+                <p:ext uri="{386F3935-93C4-4BCD-93E2-E3B085C9AB24}">
+                  <p16:designElem xmlns:p16="http://schemas.microsoft.com/office/powerpoint/2015/main" val="1"/>
+                </p:ext>
+              </p:extLst>
+            </p:nvPr>
+          </p:nvSpPr>
+          <p:spPr>
+            <a:xfrm>
+              <a:off x="-9149" y="3725"/>
+              <a:ext cx="5855313" cy="6880645"/>
+            </a:xfrm>
+            <a:custGeom>
+              <a:avLst/>
+              <a:gdLst>
+                <a:gd name="connsiteX0" fmla="*/ 5855313 w 5855313"/>
+                <a:gd name="connsiteY0" fmla="*/ 4717843 h 6880645"/>
+                <a:gd name="connsiteX1" fmla="*/ 5855313 w 5855313"/>
+                <a:gd name="connsiteY1" fmla="*/ 6880645 h 6880645"/>
+                <a:gd name="connsiteX2" fmla="*/ 0 w 5855313"/>
+                <a:gd name="connsiteY2" fmla="*/ 6880645 h 6880645"/>
+                <a:gd name="connsiteX3" fmla="*/ 0 w 5855313"/>
+                <a:gd name="connsiteY3" fmla="*/ 5268859 h 6880645"/>
+                <a:gd name="connsiteX4" fmla="*/ 36130 w 5855313"/>
+                <a:gd name="connsiteY4" fmla="*/ 5327430 h 6880645"/>
+                <a:gd name="connsiteX5" fmla="*/ 2782721 w 5855313"/>
+                <a:gd name="connsiteY5" fmla="*/ 6765687 h 6880645"/>
+                <a:gd name="connsiteX6" fmla="*/ 5834702 w 5855313"/>
+                <a:gd name="connsiteY6" fmla="*/ 4773305 h 6880645"/>
+                <a:gd name="connsiteX7" fmla="*/ 9148 w 5855313"/>
+                <a:gd name="connsiteY7" fmla="*/ 0 h 6880645"/>
+                <a:gd name="connsiteX8" fmla="*/ 5855312 w 5855313"/>
+                <a:gd name="connsiteY8" fmla="*/ 0 h 6880645"/>
+                <a:gd name="connsiteX9" fmla="*/ 5855312 w 5855313"/>
+                <a:gd name="connsiteY9" fmla="*/ 96759 h 6880645"/>
+                <a:gd name="connsiteX10" fmla="*/ 5855313 w 5855313"/>
+                <a:gd name="connsiteY10" fmla="*/ 96759 h 6880645"/>
+                <a:gd name="connsiteX11" fmla="*/ 5855313 w 5855313"/>
+                <a:gd name="connsiteY11" fmla="*/ 2289203 h 6880645"/>
+                <a:gd name="connsiteX12" fmla="*/ 5834702 w 5855313"/>
+                <a:gd name="connsiteY12" fmla="*/ 2233742 h 6880645"/>
+                <a:gd name="connsiteX13" fmla="*/ 2782721 w 5855313"/>
+                <a:gd name="connsiteY13" fmla="*/ 241359 h 6880645"/>
+                <a:gd name="connsiteX14" fmla="*/ 36130 w 5855313"/>
+                <a:gd name="connsiteY14" fmla="*/ 1679616 h 6880645"/>
+                <a:gd name="connsiteX15" fmla="*/ 0 w 5855313"/>
+                <a:gd name="connsiteY15" fmla="*/ 1738187 h 6880645"/>
+                <a:gd name="connsiteX16" fmla="*/ 0 w 5855313"/>
+                <a:gd name="connsiteY16" fmla="*/ 96759 h 6880645"/>
+                <a:gd name="connsiteX17" fmla="*/ 9148 w 5855313"/>
+                <a:gd name="connsiteY17" fmla="*/ 96759 h 6880645"/>
+              </a:gdLst>
+              <a:ahLst/>
+              <a:cxnLst>
+                <a:cxn ang="0">
+                  <a:pos x="connsiteX0" y="connsiteY0"/>
+                </a:cxn>
+                <a:cxn ang="0">
+                  <a:pos x="connsiteX1" y="connsiteY1"/>
+                </a:cxn>
+                <a:cxn ang="0">
+                  <a:pos x="connsiteX2" y="connsiteY2"/>
+                </a:cxn>
+                <a:cxn ang="0">
+                  <a:pos x="connsiteX3" y="connsiteY3"/>
+                </a:cxn>
+                <a:cxn ang="0">
+                  <a:pos x="connsiteX4" y="connsiteY4"/>
+                </a:cxn>
+                <a:cxn ang="0">
+                  <a:pos x="connsiteX5" y="connsiteY5"/>
+                </a:cxn>
+                <a:cxn ang="0">
+                  <a:pos x="connsiteX6" y="connsiteY6"/>
+                </a:cxn>
+                <a:cxn ang="0">
+                  <a:pos x="connsiteX7" y="connsiteY7"/>
+                </a:cxn>
+                <a:cxn ang="0">
+                  <a:pos x="connsiteX8" y="connsiteY8"/>
+                </a:cxn>
+                <a:cxn ang="0">
+                  <a:pos x="connsiteX9" y="connsiteY9"/>
+                </a:cxn>
+                <a:cxn ang="0">
+                  <a:pos x="connsiteX10" y="connsiteY10"/>
+                </a:cxn>
+                <a:cxn ang="0">
+                  <a:pos x="connsiteX11" y="connsiteY11"/>
+                </a:cxn>
+                <a:cxn ang="0">
+                  <a:pos x="connsiteX12" y="connsiteY12"/>
+                </a:cxn>
+                <a:cxn ang="0">
+                  <a:pos x="connsiteX13" y="connsiteY13"/>
+                </a:cxn>
+                <a:cxn ang="0">
+                  <a:pos x="connsiteX14" y="connsiteY14"/>
+                </a:cxn>
+                <a:cxn ang="0">
+                  <a:pos x="connsiteX15" y="connsiteY15"/>
+                </a:cxn>
+                <a:cxn ang="0">
+                  <a:pos x="connsiteX16" y="connsiteY16"/>
+                </a:cxn>
+                <a:cxn ang="0">
+                  <a:pos x="connsiteX17" y="connsiteY17"/>
+                </a:cxn>
+              </a:cxnLst>
+              <a:rect l="l" t="t" r="r" b="b"/>
+              <a:pathLst>
+                <a:path w="5855313" h="6880645">
+                  <a:moveTo>
+                    <a:pt x="5855313" y="4717843"/>
+                  </a:moveTo>
+                  <a:lnTo>
+                    <a:pt x="5855313" y="6880645"/>
+                  </a:lnTo>
+                  <a:lnTo>
+                    <a:pt x="0" y="6880645"/>
+                  </a:lnTo>
+                  <a:lnTo>
+                    <a:pt x="0" y="5268859"/>
+                  </a:lnTo>
+                  <a:lnTo>
+                    <a:pt x="36130" y="5327430"/>
+                  </a:lnTo>
+                  <a:cubicBezTo>
+                    <a:pt x="631370" y="6195172"/>
+                    <a:pt x="1639396" y="6765687"/>
+                    <a:pt x="2782721" y="6765687"/>
+                  </a:cubicBezTo>
+                  <a:cubicBezTo>
+                    <a:pt x="4154711" y="6765687"/>
+                    <a:pt x="5331871" y="5944145"/>
+                    <a:pt x="5834702" y="4773305"/>
+                  </a:cubicBezTo>
+                  <a:close/>
+                  <a:moveTo>
+                    <a:pt x="9148" y="0"/>
+                  </a:moveTo>
+                  <a:lnTo>
+                    <a:pt x="5855312" y="0"/>
+                  </a:lnTo>
+                  <a:lnTo>
+                    <a:pt x="5855312" y="96759"/>
+                  </a:lnTo>
+                  <a:lnTo>
+                    <a:pt x="5855313" y="96759"/>
+                  </a:lnTo>
+                  <a:lnTo>
+                    <a:pt x="5855313" y="2289203"/>
+                  </a:lnTo>
+                  <a:lnTo>
+                    <a:pt x="5834702" y="2233742"/>
+                  </a:lnTo>
+                  <a:cubicBezTo>
+                    <a:pt x="5331871" y="1062902"/>
+                    <a:pt x="4154711" y="241359"/>
+                    <a:pt x="2782721" y="241359"/>
+                  </a:cubicBezTo>
+                  <a:cubicBezTo>
+                    <a:pt x="1639396" y="241359"/>
+                    <a:pt x="631370" y="811875"/>
+                    <a:pt x="36130" y="1679616"/>
+                  </a:cubicBezTo>
+                  <a:lnTo>
+                    <a:pt x="0" y="1738187"/>
+                  </a:lnTo>
+                  <a:lnTo>
+                    <a:pt x="0" y="96759"/>
+                  </a:lnTo>
+                  <a:lnTo>
+                    <a:pt x="9148" y="96759"/>
+                  </a:lnTo>
+                  <a:close/>
+                </a:path>
+              </a:pathLst>
+            </a:custGeom>
+            <a:ln>
+              <a:noFill/>
+            </a:ln>
+          </p:spPr>
+          <p:style>
+            <a:lnRef idx="2">
+              <a:schemeClr val="accent1">
+                <a:shade val="50000"/>
+              </a:schemeClr>
+            </a:lnRef>
+            <a:fillRef idx="1">
+              <a:schemeClr val="accent1"/>
+            </a:fillRef>
+            <a:effectRef idx="0">
+              <a:schemeClr val="accent1"/>
+            </a:effectRef>
+            <a:fontRef idx="minor">
+              <a:schemeClr val="lt1"/>
+            </a:fontRef>
+          </p:style>
+          <p:txBody>
+            <a:bodyPr rtlCol="0" anchor="ctr"/>
+            <a:lstStyle/>
+            <a:p>
+              <a:pPr algn="ctr"/>
+              <a:endParaRPr lang="en-US"/>
+            </a:p>
+          </p:txBody>
+        </p:sp>
+        <p:sp useBgFill="1">
+          <p:nvSpPr>
+            <p:cNvPr id="48" name="Freeform: Shape 47">
+              <a:extLst>
+                <a:ext uri="{FF2B5EF4-FFF2-40B4-BE49-F238E27FC236}">
+                  <a16:creationId xmlns:a16="http://schemas.microsoft.com/office/drawing/2014/main" id="{B4ABE2AA-A788-450F-94A8-AED4B698F3B3}"/>
+                </a:ext>
+                <a:ext uri="{C183D7F6-B498-43B3-948B-1728B52AA6E4}">
+                  <adec:decorative xmlns:adec="http://schemas.microsoft.com/office/drawing/2017/decorative" val="1"/>
+                </a:ext>
+              </a:extLst>
+            </p:cNvPr>
+            <p:cNvSpPr/>
+            <p:nvPr>
+              <p:extLst>
+                <p:ext uri="{386F3935-93C4-4BCD-93E2-E3B085C9AB24}">
+                  <p16:designElem xmlns:p16="http://schemas.microsoft.com/office/powerpoint/2015/main" val="1"/>
+                </p:ext>
+              </p:extLst>
+            </p:nvPr>
+          </p:nvSpPr>
+          <p:spPr>
+            <a:xfrm>
+              <a:off x="-9149" y="26370"/>
+              <a:ext cx="6254832" cy="6864558"/>
+            </a:xfrm>
+            <a:custGeom>
+              <a:avLst/>
+              <a:gdLst>
+                <a:gd name="connsiteX0" fmla="*/ 2766060 w 6254832"/>
+                <a:gd name="connsiteY0" fmla="*/ 0 h 6864558"/>
+                <a:gd name="connsiteX1" fmla="*/ 0 w 6254832"/>
+                <a:gd name="connsiteY1" fmla="*/ 1340683 h 6864558"/>
+                <a:gd name="connsiteX2" fmla="*/ 0 w 6254832"/>
+                <a:gd name="connsiteY2" fmla="*/ 2201306 h 6864558"/>
+                <a:gd name="connsiteX3" fmla="*/ 1312 w 6254832"/>
+                <a:gd name="connsiteY3" fmla="*/ 2197746 h 6864558"/>
+                <a:gd name="connsiteX4" fmla="*/ 612723 w 6254832"/>
+                <a:gd name="connsiteY4" fmla="*/ 1201649 h 6864558"/>
+                <a:gd name="connsiteX5" fmla="*/ 1571344 w 6254832"/>
+                <a:gd name="connsiteY5" fmla="*/ 483245 h 6864558"/>
+                <a:gd name="connsiteX6" fmla="*/ 1641235 w 6254832"/>
+                <a:gd name="connsiteY6" fmla="*/ 452328 h 6864558"/>
+                <a:gd name="connsiteX7" fmla="*/ 1711502 w 6254832"/>
+                <a:gd name="connsiteY7" fmla="*/ 422348 h 6864558"/>
+                <a:gd name="connsiteX8" fmla="*/ 1783080 w 6254832"/>
+                <a:gd name="connsiteY8" fmla="*/ 395178 h 6864558"/>
+                <a:gd name="connsiteX9" fmla="*/ 1855220 w 6254832"/>
+                <a:gd name="connsiteY9" fmla="*/ 369133 h 6864558"/>
+                <a:gd name="connsiteX10" fmla="*/ 1928297 w 6254832"/>
+                <a:gd name="connsiteY10" fmla="*/ 345711 h 6864558"/>
+                <a:gd name="connsiteX11" fmla="*/ 2001749 w 6254832"/>
+                <a:gd name="connsiteY11" fmla="*/ 323600 h 6864558"/>
+                <a:gd name="connsiteX12" fmla="*/ 2076138 w 6254832"/>
+                <a:gd name="connsiteY12" fmla="*/ 304300 h 6864558"/>
+                <a:gd name="connsiteX13" fmla="*/ 2113426 w 6254832"/>
+                <a:gd name="connsiteY13" fmla="*/ 294744 h 6864558"/>
+                <a:gd name="connsiteX14" fmla="*/ 2132163 w 6254832"/>
+                <a:gd name="connsiteY14" fmla="*/ 290060 h 6864558"/>
+                <a:gd name="connsiteX15" fmla="*/ 2151089 w 6254832"/>
+                <a:gd name="connsiteY15" fmla="*/ 286312 h 6864558"/>
+                <a:gd name="connsiteX16" fmla="*/ 2763249 w 6254832"/>
+                <a:gd name="connsiteY16" fmla="*/ 218482 h 6864558"/>
+                <a:gd name="connsiteX17" fmla="*/ 3372225 w 6254832"/>
+                <a:gd name="connsiteY17" fmla="*/ 301302 h 6864558"/>
+                <a:gd name="connsiteX18" fmla="*/ 3663596 w 6254832"/>
+                <a:gd name="connsiteY18" fmla="*/ 398364 h 6864558"/>
+                <a:gd name="connsiteX19" fmla="*/ 3941663 w 6254832"/>
+                <a:gd name="connsiteY19" fmla="*/ 526717 h 6864558"/>
+                <a:gd name="connsiteX20" fmla="*/ 4204366 w 6254832"/>
+                <a:gd name="connsiteY20" fmla="*/ 681678 h 6864558"/>
+                <a:gd name="connsiteX21" fmla="*/ 4450018 w 6254832"/>
+                <a:gd name="connsiteY21" fmla="*/ 860061 h 6864558"/>
+                <a:gd name="connsiteX22" fmla="*/ 4678992 w 6254832"/>
+                <a:gd name="connsiteY22" fmla="*/ 1057181 h 6864558"/>
+                <a:gd name="connsiteX23" fmla="*/ 4889791 w 6254832"/>
+                <a:gd name="connsiteY23" fmla="*/ 1271166 h 6864558"/>
+                <a:gd name="connsiteX24" fmla="*/ 5083164 w 6254832"/>
+                <a:gd name="connsiteY24" fmla="*/ 1498642 h 6864558"/>
+                <a:gd name="connsiteX25" fmla="*/ 5257987 w 6254832"/>
+                <a:gd name="connsiteY25" fmla="*/ 1738484 h 6864558"/>
+                <a:gd name="connsiteX26" fmla="*/ 5413510 w 6254832"/>
+                <a:gd name="connsiteY26" fmla="*/ 1989195 h 6864558"/>
+                <a:gd name="connsiteX27" fmla="*/ 5548609 w 6254832"/>
+                <a:gd name="connsiteY27" fmla="*/ 2249462 h 6864558"/>
+                <a:gd name="connsiteX28" fmla="*/ 5747791 w 6254832"/>
+                <a:gd name="connsiteY28" fmla="*/ 2795666 h 6864558"/>
+                <a:gd name="connsiteX29" fmla="*/ 5806814 w 6254832"/>
+                <a:gd name="connsiteY29" fmla="*/ 3078980 h 6864558"/>
+                <a:gd name="connsiteX30" fmla="*/ 5816933 w 6254832"/>
+                <a:gd name="connsiteY30" fmla="*/ 3150558 h 6864558"/>
+                <a:gd name="connsiteX31" fmla="*/ 5825178 w 6254832"/>
+                <a:gd name="connsiteY31" fmla="*/ 3222323 h 6864558"/>
+                <a:gd name="connsiteX32" fmla="*/ 5831923 w 6254832"/>
+                <a:gd name="connsiteY32" fmla="*/ 3294276 h 6864558"/>
+                <a:gd name="connsiteX33" fmla="*/ 5836233 w 6254832"/>
+                <a:gd name="connsiteY33" fmla="*/ 3366416 h 6864558"/>
+                <a:gd name="connsiteX34" fmla="*/ 5833047 w 6254832"/>
+                <a:gd name="connsiteY34" fmla="*/ 3655726 h 6864558"/>
+                <a:gd name="connsiteX35" fmla="*/ 5827426 w 6254832"/>
+                <a:gd name="connsiteY35" fmla="*/ 3728054 h 6864558"/>
+                <a:gd name="connsiteX36" fmla="*/ 5819556 w 6254832"/>
+                <a:gd name="connsiteY36" fmla="*/ 3800194 h 6864558"/>
+                <a:gd name="connsiteX37" fmla="*/ 5809063 w 6254832"/>
+                <a:gd name="connsiteY37" fmla="*/ 3872147 h 6864558"/>
+                <a:gd name="connsiteX38" fmla="*/ 5796696 w 6254832"/>
+                <a:gd name="connsiteY38" fmla="*/ 3943912 h 6864558"/>
+                <a:gd name="connsiteX39" fmla="*/ 5725305 w 6254832"/>
+                <a:gd name="connsiteY39" fmla="*/ 4225165 h 6864558"/>
+                <a:gd name="connsiteX40" fmla="*/ 5605384 w 6254832"/>
+                <a:gd name="connsiteY40" fmla="*/ 4478312 h 6864558"/>
+                <a:gd name="connsiteX41" fmla="*/ 5412573 w 6254832"/>
+                <a:gd name="connsiteY41" fmla="*/ 4677306 h 6864558"/>
+                <a:gd name="connsiteX42" fmla="*/ 5155867 w 6254832"/>
+                <a:gd name="connsiteY42" fmla="*/ 4834703 h 6864558"/>
+                <a:gd name="connsiteX43" fmla="*/ 4645452 w 6254832"/>
+                <a:gd name="connsiteY43" fmla="*/ 5207396 h 6864558"/>
+                <a:gd name="connsiteX44" fmla="*/ 4536211 w 6254832"/>
+                <a:gd name="connsiteY44" fmla="*/ 5319072 h 6864558"/>
+                <a:gd name="connsiteX45" fmla="*/ 4430343 w 6254832"/>
+                <a:gd name="connsiteY45" fmla="*/ 5432061 h 6864558"/>
+                <a:gd name="connsiteX46" fmla="*/ 4220668 w 6254832"/>
+                <a:gd name="connsiteY46" fmla="*/ 5657663 h 6864558"/>
+                <a:gd name="connsiteX47" fmla="*/ 4115174 w 6254832"/>
+                <a:gd name="connsiteY47" fmla="*/ 5768777 h 6864558"/>
+                <a:gd name="connsiteX48" fmla="*/ 4007245 w 6254832"/>
+                <a:gd name="connsiteY48" fmla="*/ 5876707 h 6864558"/>
+                <a:gd name="connsiteX49" fmla="*/ 3781081 w 6254832"/>
+                <a:gd name="connsiteY49" fmla="*/ 6078887 h 6864558"/>
+                <a:gd name="connsiteX50" fmla="*/ 3534493 w 6254832"/>
+                <a:gd name="connsiteY50" fmla="*/ 6249775 h 6864558"/>
+                <a:gd name="connsiteX51" fmla="*/ 3265232 w 6254832"/>
+                <a:gd name="connsiteY51" fmla="*/ 6373068 h 6864558"/>
+                <a:gd name="connsiteX52" fmla="*/ 3194779 w 6254832"/>
+                <a:gd name="connsiteY52" fmla="*/ 6394804 h 6864558"/>
+                <a:gd name="connsiteX53" fmla="*/ 3123575 w 6254832"/>
+                <a:gd name="connsiteY53" fmla="*/ 6412792 h 6864558"/>
+                <a:gd name="connsiteX54" fmla="*/ 3051435 w 6254832"/>
+                <a:gd name="connsiteY54" fmla="*/ 6426471 h 6864558"/>
+                <a:gd name="connsiteX55" fmla="*/ 2978733 w 6254832"/>
+                <a:gd name="connsiteY55" fmla="*/ 6436214 h 6864558"/>
+                <a:gd name="connsiteX56" fmla="*/ 2905656 w 6254832"/>
+                <a:gd name="connsiteY56" fmla="*/ 6442211 h 6864558"/>
+                <a:gd name="connsiteX57" fmla="*/ 2832204 w 6254832"/>
+                <a:gd name="connsiteY57" fmla="*/ 6444459 h 6864558"/>
+                <a:gd name="connsiteX58" fmla="*/ 2758565 w 6254832"/>
+                <a:gd name="connsiteY58" fmla="*/ 6443335 h 6864558"/>
+                <a:gd name="connsiteX59" fmla="*/ 2683239 w 6254832"/>
+                <a:gd name="connsiteY59" fmla="*/ 6438463 h 6864558"/>
+                <a:gd name="connsiteX60" fmla="*/ 2091503 w 6254832"/>
+                <a:gd name="connsiteY60" fmla="*/ 6343275 h 6864558"/>
+                <a:gd name="connsiteX61" fmla="*/ 1948347 w 6254832"/>
+                <a:gd name="connsiteY61" fmla="*/ 6301490 h 6864558"/>
+                <a:gd name="connsiteX62" fmla="*/ 1807626 w 6254832"/>
+                <a:gd name="connsiteY62" fmla="*/ 6252585 h 6864558"/>
+                <a:gd name="connsiteX63" fmla="*/ 1738297 w 6254832"/>
+                <a:gd name="connsiteY63" fmla="*/ 6225790 h 6864558"/>
+                <a:gd name="connsiteX64" fmla="*/ 1669529 w 6254832"/>
+                <a:gd name="connsiteY64" fmla="*/ 6197684 h 6864558"/>
+                <a:gd name="connsiteX65" fmla="*/ 1635239 w 6254832"/>
+                <a:gd name="connsiteY65" fmla="*/ 6183630 h 6864558"/>
+                <a:gd name="connsiteX66" fmla="*/ 1601699 w 6254832"/>
+                <a:gd name="connsiteY66" fmla="*/ 6167891 h 6864558"/>
+                <a:gd name="connsiteX67" fmla="*/ 1534618 w 6254832"/>
+                <a:gd name="connsiteY67" fmla="*/ 6136411 h 6864558"/>
+                <a:gd name="connsiteX68" fmla="*/ 592299 w 6254832"/>
+                <a:gd name="connsiteY68" fmla="*/ 5443116 h 6864558"/>
+                <a:gd name="connsiteX69" fmla="*/ 0 w 6254832"/>
+                <a:gd name="connsiteY69" fmla="*/ 4496675 h 6864558"/>
+                <a:gd name="connsiteX70" fmla="*/ 0 w 6254832"/>
+                <a:gd name="connsiteY70" fmla="*/ 5523875 h 6864558"/>
+                <a:gd name="connsiteX71" fmla="*/ 2766060 w 6254832"/>
+                <a:gd name="connsiteY71" fmla="*/ 6864559 h 6864558"/>
+                <a:gd name="connsiteX72" fmla="*/ 6254833 w 6254832"/>
+                <a:gd name="connsiteY72" fmla="*/ 3432373 h 6864558"/>
+                <a:gd name="connsiteX73" fmla="*/ 2766060 w 6254832"/>
+                <a:gd name="connsiteY73" fmla="*/ 0 h 6864558"/>
+              </a:gdLst>
+              <a:ahLst/>
+              <a:cxnLst>
+                <a:cxn ang="0">
+                  <a:pos x="connsiteX0" y="connsiteY0"/>
+                </a:cxn>
+                <a:cxn ang="0">
+                  <a:pos x="connsiteX1" y="connsiteY1"/>
+                </a:cxn>
+                <a:cxn ang="0">
+                  <a:pos x="connsiteX2" y="connsiteY2"/>
+                </a:cxn>
+                <a:cxn ang="0">
+                  <a:pos x="connsiteX3" y="connsiteY3"/>
+                </a:cxn>
+                <a:cxn ang="0">
+                  <a:pos x="connsiteX4" y="connsiteY4"/>
+                </a:cxn>
+                <a:cxn ang="0">
+                  <a:pos x="connsiteX5" y="connsiteY5"/>
+                </a:cxn>
+                <a:cxn ang="0">
+                  <a:pos x="connsiteX6" y="connsiteY6"/>
+                </a:cxn>
+                <a:cxn ang="0">
+                  <a:pos x="connsiteX7" y="connsiteY7"/>
+                </a:cxn>
+                <a:cxn ang="0">
+                  <a:pos x="connsiteX8" y="connsiteY8"/>
+                </a:cxn>
+                <a:cxn ang="0">
+                  <a:pos x="connsiteX9" y="connsiteY9"/>
+                </a:cxn>
+                <a:cxn ang="0">
+                  <a:pos x="connsiteX10" y="connsiteY10"/>
+                </a:cxn>
+                <a:cxn ang="0">
+                  <a:pos x="connsiteX11" y="connsiteY11"/>
+                </a:cxn>
+                <a:cxn ang="0">
+                  <a:pos x="connsiteX12" y="connsiteY12"/>
+                </a:cxn>
+                <a:cxn ang="0">
+                  <a:pos x="connsiteX13" y="connsiteY13"/>
+                </a:cxn>
+                <a:cxn ang="0">
+                  <a:pos x="connsiteX14" y="connsiteY14"/>
+                </a:cxn>
+                <a:cxn ang="0">
+                  <a:pos x="connsiteX15" y="connsiteY15"/>
+                </a:cxn>
+                <a:cxn ang="0">
+                  <a:pos x="connsiteX16" y="connsiteY16"/>
+                </a:cxn>
+                <a:cxn ang="0">
+                  <a:pos x="connsiteX17" y="connsiteY17"/>
+                </a:cxn>
+                <a:cxn ang="0">
+                  <a:pos x="connsiteX18" y="connsiteY18"/>
+                </a:cxn>
+                <a:cxn ang="0">
+                  <a:pos x="connsiteX19" y="connsiteY19"/>
+                </a:cxn>
+                <a:cxn ang="0">
+                  <a:pos x="connsiteX20" y="connsiteY20"/>
+                </a:cxn>
+                <a:cxn ang="0">
+                  <a:pos x="connsiteX21" y="connsiteY21"/>
+                </a:cxn>
+                <a:cxn ang="0">
+                  <a:pos x="connsiteX22" y="connsiteY22"/>
+                </a:cxn>
+                <a:cxn ang="0">
+                  <a:pos x="connsiteX23" y="connsiteY23"/>
+                </a:cxn>
+                <a:cxn ang="0">
+                  <a:pos x="connsiteX24" y="connsiteY24"/>
+                </a:cxn>
+                <a:cxn ang="0">
+                  <a:pos x="connsiteX25" y="connsiteY25"/>
+                </a:cxn>
+                <a:cxn ang="0">
+                  <a:pos x="connsiteX26" y="connsiteY26"/>
+                </a:cxn>
+                <a:cxn ang="0">
+                  <a:pos x="connsiteX27" y="connsiteY27"/>
+                </a:cxn>
+                <a:cxn ang="0">
+                  <a:pos x="connsiteX28" y="connsiteY28"/>
+                </a:cxn>
+                <a:cxn ang="0">
+                  <a:pos x="connsiteX29" y="connsiteY29"/>
+                </a:cxn>
+                <a:cxn ang="0">
+                  <a:pos x="connsiteX30" y="connsiteY30"/>
+                </a:cxn>
+                <a:cxn ang="0">
+                  <a:pos x="connsiteX31" y="connsiteY31"/>
+                </a:cxn>
+                <a:cxn ang="0">
+                  <a:pos x="connsiteX32" y="connsiteY32"/>
+                </a:cxn>
+                <a:cxn ang="0">
+                  <a:pos x="connsiteX33" y="connsiteY33"/>
+                </a:cxn>
+                <a:cxn ang="0">
+                  <a:pos x="connsiteX34" y="connsiteY34"/>
+                </a:cxn>
+                <a:cxn ang="0">
+                  <a:pos x="connsiteX35" y="connsiteY35"/>
+                </a:cxn>
+                <a:cxn ang="0">
+                  <a:pos x="connsiteX36" y="connsiteY36"/>
+                </a:cxn>
+                <a:cxn ang="0">
+                  <a:pos x="connsiteX37" y="connsiteY37"/>
+                </a:cxn>
+                <a:cxn ang="0">
+                  <a:pos x="connsiteX38" y="connsiteY38"/>
+                </a:cxn>
+                <a:cxn ang="0">
+                  <a:pos x="connsiteX39" y="connsiteY39"/>
+                </a:cxn>
+                <a:cxn ang="0">
+                  <a:pos x="connsiteX40" y="connsiteY40"/>
+                </a:cxn>
+                <a:cxn ang="0">
+                  <a:pos x="connsiteX41" y="connsiteY41"/>
+                </a:cxn>
+                <a:cxn ang="0">
+                  <a:pos x="connsiteX42" y="connsiteY42"/>
+                </a:cxn>
+                <a:cxn ang="0">
+                  <a:pos x="connsiteX43" y="connsiteY43"/>
+                </a:cxn>
+                <a:cxn ang="0">
+                  <a:pos x="connsiteX44" y="connsiteY44"/>
+                </a:cxn>
+                <a:cxn ang="0">
+                  <a:pos x="connsiteX45" y="connsiteY45"/>
+                </a:cxn>
+                <a:cxn ang="0">
+                  <a:pos x="connsiteX46" y="connsiteY46"/>
+                </a:cxn>
+                <a:cxn ang="0">
+                  <a:pos x="connsiteX47" y="connsiteY47"/>
+                </a:cxn>
+                <a:cxn ang="0">
+                  <a:pos x="connsiteX48" y="connsiteY48"/>
+                </a:cxn>
+                <a:cxn ang="0">
+                  <a:pos x="connsiteX49" y="connsiteY49"/>
+                </a:cxn>
+                <a:cxn ang="0">
+                  <a:pos x="connsiteX50" y="connsiteY50"/>
+                </a:cxn>
+                <a:cxn ang="0">
+                  <a:pos x="connsiteX51" y="connsiteY51"/>
+                </a:cxn>
+                <a:cxn ang="0">
+                  <a:pos x="connsiteX52" y="connsiteY52"/>
+                </a:cxn>
+                <a:cxn ang="0">
+                  <a:pos x="connsiteX53" y="connsiteY53"/>
+                </a:cxn>
+                <a:cxn ang="0">
+                  <a:pos x="connsiteX54" y="connsiteY54"/>
+                </a:cxn>
+                <a:cxn ang="0">
+                  <a:pos x="connsiteX55" y="connsiteY55"/>
+                </a:cxn>
+                <a:cxn ang="0">
+                  <a:pos x="connsiteX56" y="connsiteY56"/>
+                </a:cxn>
+                <a:cxn ang="0">
+                  <a:pos x="connsiteX57" y="connsiteY57"/>
+                </a:cxn>
+                <a:cxn ang="0">
+                  <a:pos x="connsiteX58" y="connsiteY58"/>
+                </a:cxn>
+                <a:cxn ang="0">
+                  <a:pos x="connsiteX59" y="connsiteY59"/>
+                </a:cxn>
+                <a:cxn ang="0">
+                  <a:pos x="connsiteX60" y="connsiteY60"/>
+                </a:cxn>
+                <a:cxn ang="0">
+                  <a:pos x="connsiteX61" y="connsiteY61"/>
+                </a:cxn>
+                <a:cxn ang="0">
+                  <a:pos x="connsiteX62" y="connsiteY62"/>
+                </a:cxn>
+                <a:cxn ang="0">
+                  <a:pos x="connsiteX63" y="connsiteY63"/>
+                </a:cxn>
+                <a:cxn ang="0">
+                  <a:pos x="connsiteX64" y="connsiteY64"/>
+                </a:cxn>
+                <a:cxn ang="0">
+                  <a:pos x="connsiteX65" y="connsiteY65"/>
+                </a:cxn>
+                <a:cxn ang="0">
+                  <a:pos x="connsiteX66" y="connsiteY66"/>
+                </a:cxn>
+                <a:cxn ang="0">
+                  <a:pos x="connsiteX67" y="connsiteY67"/>
+                </a:cxn>
+                <a:cxn ang="0">
+                  <a:pos x="connsiteX68" y="connsiteY68"/>
+                </a:cxn>
+                <a:cxn ang="0">
+                  <a:pos x="connsiteX69" y="connsiteY69"/>
+                </a:cxn>
+                <a:cxn ang="0">
+                  <a:pos x="connsiteX70" y="connsiteY70"/>
+                </a:cxn>
+                <a:cxn ang="0">
+                  <a:pos x="connsiteX71" y="connsiteY71"/>
+                </a:cxn>
+                <a:cxn ang="0">
+                  <a:pos x="connsiteX72" y="connsiteY72"/>
+                </a:cxn>
+                <a:cxn ang="0">
+                  <a:pos x="connsiteX73" y="connsiteY73"/>
+                </a:cxn>
+              </a:cxnLst>
+              <a:rect l="l" t="t" r="r" b="b"/>
+              <a:pathLst>
+                <a:path w="6254832" h="6864558">
+                  <a:moveTo>
+                    <a:pt x="2766060" y="0"/>
+                  </a:moveTo>
+                  <a:cubicBezTo>
+                    <a:pt x="1639549" y="0"/>
+                    <a:pt x="637831" y="525405"/>
+                    <a:pt x="0" y="1340683"/>
+                  </a:cubicBezTo>
+                  <a:lnTo>
+                    <a:pt x="0" y="2201306"/>
+                  </a:lnTo>
+                  <a:cubicBezTo>
+                    <a:pt x="375" y="2200181"/>
+                    <a:pt x="937" y="2198870"/>
+                    <a:pt x="1312" y="2197746"/>
+                  </a:cubicBezTo>
+                  <a:cubicBezTo>
+                    <a:pt x="142969" y="1837045"/>
+                    <a:pt x="347959" y="1497143"/>
+                    <a:pt x="612723" y="1201649"/>
+                  </a:cubicBezTo>
+                  <a:cubicBezTo>
+                    <a:pt x="876550" y="906155"/>
+                    <a:pt x="1201836" y="655258"/>
+                    <a:pt x="1571344" y="483245"/>
+                  </a:cubicBezTo>
+                  <a:lnTo>
+                    <a:pt x="1641235" y="452328"/>
+                  </a:lnTo>
+                  <a:cubicBezTo>
+                    <a:pt x="1664658" y="442210"/>
+                    <a:pt x="1687518" y="430967"/>
+                    <a:pt x="1711502" y="422348"/>
+                  </a:cubicBezTo>
+                  <a:lnTo>
+                    <a:pt x="1783080" y="395178"/>
+                  </a:lnTo>
+                  <a:cubicBezTo>
+                    <a:pt x="1807064" y="386372"/>
+                    <a:pt x="1830674" y="376441"/>
+                    <a:pt x="1855220" y="369133"/>
+                  </a:cubicBezTo>
+                  <a:lnTo>
+                    <a:pt x="1928297" y="345711"/>
+                  </a:lnTo>
+                  <a:cubicBezTo>
+                    <a:pt x="1952656" y="338028"/>
+                    <a:pt x="1976828" y="329409"/>
+                    <a:pt x="2001749" y="323600"/>
+                  </a:cubicBezTo>
+                  <a:lnTo>
+                    <a:pt x="2076138" y="304300"/>
+                  </a:lnTo>
+                  <a:lnTo>
+                    <a:pt x="2113426" y="294744"/>
+                  </a:lnTo>
+                  <a:lnTo>
+                    <a:pt x="2132163" y="290060"/>
+                  </a:lnTo>
+                  <a:lnTo>
+                    <a:pt x="2151089" y="286312"/>
+                  </a:lnTo>
+                  <a:cubicBezTo>
+                    <a:pt x="2351395" y="241716"/>
+                    <a:pt x="2557322" y="219044"/>
+                    <a:pt x="2763249" y="218482"/>
+                  </a:cubicBezTo>
+                  <a:cubicBezTo>
+                    <a:pt x="2968802" y="218294"/>
+                    <a:pt x="3174167" y="247900"/>
+                    <a:pt x="3372225" y="301302"/>
+                  </a:cubicBezTo>
+                  <a:cubicBezTo>
+                    <a:pt x="3471347" y="327910"/>
+                    <a:pt x="3568596" y="360513"/>
+                    <a:pt x="3663596" y="398364"/>
+                  </a:cubicBezTo>
+                  <a:cubicBezTo>
+                    <a:pt x="3758784" y="435652"/>
+                    <a:pt x="3851348" y="479311"/>
+                    <a:pt x="3941663" y="526717"/>
+                  </a:cubicBezTo>
+                  <a:cubicBezTo>
+                    <a:pt x="4031979" y="573936"/>
+                    <a:pt x="4119297" y="626402"/>
+                    <a:pt x="4204366" y="681678"/>
+                  </a:cubicBezTo>
+                  <a:cubicBezTo>
+                    <a:pt x="4289060" y="737516"/>
+                    <a:pt x="4370944" y="797289"/>
+                    <a:pt x="4450018" y="860061"/>
+                  </a:cubicBezTo>
+                  <a:cubicBezTo>
+                    <a:pt x="4529091" y="922832"/>
+                    <a:pt x="4605540" y="988601"/>
+                    <a:pt x="4678992" y="1057181"/>
+                  </a:cubicBezTo>
+                  <a:cubicBezTo>
+                    <a:pt x="4752444" y="1125574"/>
+                    <a:pt x="4822335" y="1197527"/>
+                    <a:pt x="4889791" y="1271166"/>
+                  </a:cubicBezTo>
+                  <a:cubicBezTo>
+                    <a:pt x="4957247" y="1344805"/>
+                    <a:pt x="5021705" y="1420693"/>
+                    <a:pt x="5083164" y="1498642"/>
+                  </a:cubicBezTo>
+                  <a:cubicBezTo>
+                    <a:pt x="5144062" y="1576965"/>
+                    <a:pt x="5202899" y="1656601"/>
+                    <a:pt x="5257987" y="1738484"/>
+                  </a:cubicBezTo>
+                  <a:cubicBezTo>
+                    <a:pt x="5313076" y="1820368"/>
+                    <a:pt x="5365354" y="1903751"/>
+                    <a:pt x="5413510" y="1989195"/>
+                  </a:cubicBezTo>
+                  <a:cubicBezTo>
+                    <a:pt x="5462041" y="2074451"/>
+                    <a:pt x="5507011" y="2161207"/>
+                    <a:pt x="5548609" y="2249462"/>
+                  </a:cubicBezTo>
+                  <a:cubicBezTo>
+                    <a:pt x="5631430" y="2426158"/>
+                    <a:pt x="5698323" y="2608851"/>
+                    <a:pt x="5747791" y="2795666"/>
+                  </a:cubicBezTo>
+                  <a:cubicBezTo>
+                    <a:pt x="5771963" y="2889167"/>
+                    <a:pt x="5791825" y="2983792"/>
+                    <a:pt x="5806814" y="3078980"/>
+                  </a:cubicBezTo>
+                  <a:cubicBezTo>
+                    <a:pt x="5810562" y="3102777"/>
+                    <a:pt x="5814497" y="3126574"/>
+                    <a:pt x="5816933" y="3150558"/>
+                  </a:cubicBezTo>
+                  <a:cubicBezTo>
+                    <a:pt x="5819556" y="3174542"/>
+                    <a:pt x="5823304" y="3198339"/>
+                    <a:pt x="5825178" y="3222323"/>
+                  </a:cubicBezTo>
+                  <a:cubicBezTo>
+                    <a:pt x="5827426" y="3246308"/>
+                    <a:pt x="5830050" y="3270292"/>
+                    <a:pt x="5831923" y="3294276"/>
+                  </a:cubicBezTo>
+                  <a:lnTo>
+                    <a:pt x="5836233" y="3366416"/>
+                  </a:lnTo>
+                  <a:cubicBezTo>
+                    <a:pt x="5839981" y="3462728"/>
+                    <a:pt x="5839981" y="3559227"/>
+                    <a:pt x="5833047" y="3655726"/>
+                  </a:cubicBezTo>
+                  <a:cubicBezTo>
+                    <a:pt x="5830986" y="3679711"/>
+                    <a:pt x="5830237" y="3704069"/>
+                    <a:pt x="5827426" y="3728054"/>
+                  </a:cubicBezTo>
+                  <a:lnTo>
+                    <a:pt x="5819556" y="3800194"/>
+                  </a:lnTo>
+                  <a:lnTo>
+                    <a:pt x="5809063" y="3872147"/>
+                  </a:lnTo>
+                  <a:cubicBezTo>
+                    <a:pt x="5805690" y="3896131"/>
+                    <a:pt x="5800818" y="3919928"/>
+                    <a:pt x="5796696" y="3943912"/>
+                  </a:cubicBezTo>
+                  <a:cubicBezTo>
+                    <a:pt x="5778708" y="4039287"/>
+                    <a:pt x="5755848" y="4134662"/>
+                    <a:pt x="5725305" y="4225165"/>
+                  </a:cubicBezTo>
+                  <a:cubicBezTo>
+                    <a:pt x="5694763" y="4315669"/>
+                    <a:pt x="5656726" y="4402237"/>
+                    <a:pt x="5605384" y="4478312"/>
+                  </a:cubicBezTo>
+                  <a:cubicBezTo>
+                    <a:pt x="5554980" y="4555324"/>
+                    <a:pt x="5489960" y="4620718"/>
+                    <a:pt x="5412573" y="4677306"/>
+                  </a:cubicBezTo>
+                  <a:cubicBezTo>
+                    <a:pt x="5335374" y="4734269"/>
+                    <a:pt x="5245995" y="4782987"/>
+                    <a:pt x="5155867" y="4834703"/>
+                  </a:cubicBezTo>
+                  <a:cubicBezTo>
+                    <a:pt x="4973924" y="4936261"/>
+                    <a:pt x="4794791" y="5058806"/>
+                    <a:pt x="4645452" y="5207396"/>
+                  </a:cubicBezTo>
+                  <a:cubicBezTo>
+                    <a:pt x="4607414" y="5244497"/>
+                    <a:pt x="4571813" y="5281597"/>
+                    <a:pt x="4536211" y="5319072"/>
+                  </a:cubicBezTo>
+                  <a:lnTo>
+                    <a:pt x="4430343" y="5432061"/>
+                  </a:lnTo>
+                  <a:cubicBezTo>
+                    <a:pt x="4360264" y="5507574"/>
+                    <a:pt x="4290934" y="5583087"/>
+                    <a:pt x="4220668" y="5657663"/>
+                  </a:cubicBezTo>
+                  <a:cubicBezTo>
+                    <a:pt x="4185628" y="5694951"/>
+                    <a:pt x="4150589" y="5732052"/>
+                    <a:pt x="4115174" y="5768777"/>
+                  </a:cubicBezTo>
+                  <a:cubicBezTo>
+                    <a:pt x="4079573" y="5805316"/>
+                    <a:pt x="4043597" y="5841292"/>
+                    <a:pt x="4007245" y="5876707"/>
+                  </a:cubicBezTo>
+                  <a:cubicBezTo>
+                    <a:pt x="3934543" y="5947723"/>
+                    <a:pt x="3859405" y="6015740"/>
+                    <a:pt x="3781081" y="6078887"/>
+                  </a:cubicBezTo>
+                  <a:cubicBezTo>
+                    <a:pt x="3702945" y="6142220"/>
+                    <a:pt x="3620312" y="6199557"/>
+                    <a:pt x="3534493" y="6249775"/>
+                  </a:cubicBezTo>
+                  <a:cubicBezTo>
+                    <a:pt x="3448300" y="6299429"/>
+                    <a:pt x="3358359" y="6341589"/>
+                    <a:pt x="3265232" y="6373068"/>
+                  </a:cubicBezTo>
+                  <a:cubicBezTo>
+                    <a:pt x="3241998" y="6381313"/>
+                    <a:pt x="3218201" y="6387497"/>
+                    <a:pt x="3194779" y="6394804"/>
+                  </a:cubicBezTo>
+                  <a:cubicBezTo>
+                    <a:pt x="3171169" y="6401175"/>
+                    <a:pt x="3147185" y="6406797"/>
+                    <a:pt x="3123575" y="6412792"/>
+                  </a:cubicBezTo>
+                  <a:cubicBezTo>
+                    <a:pt x="3099404" y="6417477"/>
+                    <a:pt x="3075420" y="6422161"/>
+                    <a:pt x="3051435" y="6426471"/>
+                  </a:cubicBezTo>
+                  <a:cubicBezTo>
+                    <a:pt x="3027076" y="6429657"/>
+                    <a:pt x="3002904" y="6433591"/>
+                    <a:pt x="2978733" y="6436214"/>
+                  </a:cubicBezTo>
+                  <a:cubicBezTo>
+                    <a:pt x="2954374" y="6438088"/>
+                    <a:pt x="2930015" y="6440899"/>
+                    <a:pt x="2905656" y="6442211"/>
+                  </a:cubicBezTo>
+                  <a:cubicBezTo>
+                    <a:pt x="2881109" y="6442960"/>
+                    <a:pt x="2856751" y="6444272"/>
+                    <a:pt x="2832204" y="6444459"/>
+                  </a:cubicBezTo>
+                  <a:cubicBezTo>
+                    <a:pt x="2807658" y="6444084"/>
+                    <a:pt x="2783298" y="6444084"/>
+                    <a:pt x="2758565" y="6443335"/>
+                  </a:cubicBezTo>
+                  <a:lnTo>
+                    <a:pt x="2683239" y="6438463"/>
+                  </a:lnTo>
+                  <a:cubicBezTo>
+                    <a:pt x="2482559" y="6425909"/>
+                    <a:pt x="2284126" y="6393492"/>
+                    <a:pt x="2091503" y="6343275"/>
+                  </a:cubicBezTo>
+                  <a:lnTo>
+                    <a:pt x="1948347" y="6301490"/>
+                  </a:lnTo>
+                  <a:cubicBezTo>
+                    <a:pt x="1901127" y="6286126"/>
+                    <a:pt x="1854658" y="6268699"/>
+                    <a:pt x="1807626" y="6252585"/>
+                  </a:cubicBezTo>
+                  <a:cubicBezTo>
+                    <a:pt x="1784017" y="6245090"/>
+                    <a:pt x="1761344" y="6234972"/>
+                    <a:pt x="1738297" y="6225790"/>
+                  </a:cubicBezTo>
+                  <a:lnTo>
+                    <a:pt x="1669529" y="6197684"/>
+                  </a:lnTo>
+                  <a:lnTo>
+                    <a:pt x="1635239" y="6183630"/>
+                  </a:lnTo>
+                  <a:lnTo>
+                    <a:pt x="1601699" y="6167891"/>
+                  </a:lnTo>
+                  <a:lnTo>
+                    <a:pt x="1534618" y="6136411"/>
+                  </a:lnTo>
+                  <a:cubicBezTo>
+                    <a:pt x="1179164" y="5964961"/>
+                    <a:pt x="857250" y="5729616"/>
+                    <a:pt x="592299" y="5443116"/>
+                  </a:cubicBezTo>
+                  <a:cubicBezTo>
+                    <a:pt x="336904" y="5166173"/>
+                    <a:pt x="137160" y="4842573"/>
+                    <a:pt x="0" y="4496675"/>
+                  </a:cubicBezTo>
+                  <a:lnTo>
+                    <a:pt x="0" y="5523875"/>
+                  </a:lnTo>
+                  <a:cubicBezTo>
+                    <a:pt x="637831" y="6338966"/>
+                    <a:pt x="1639549" y="6864559"/>
+                    <a:pt x="2766060" y="6864559"/>
+                  </a:cubicBezTo>
+                  <a:cubicBezTo>
+                    <a:pt x="4692858" y="6864559"/>
+                    <a:pt x="6254833" y="5327879"/>
+                    <a:pt x="6254833" y="3432373"/>
+                  </a:cubicBezTo>
+                  <a:cubicBezTo>
+                    <a:pt x="6254833" y="1536679"/>
+                    <a:pt x="4692858" y="0"/>
+                    <a:pt x="2766060" y="0"/>
+                  </a:cubicBezTo>
+                  <a:close/>
+                </a:path>
+              </a:pathLst>
+            </a:custGeom>
+            <a:ln w="18736" cap="flat">
+              <a:noFill/>
+              <a:prstDash val="solid"/>
+              <a:miter/>
+            </a:ln>
+          </p:spPr>
+          <p:txBody>
+            <a:bodyPr rtlCol="0" anchor="ctr"/>
+            <a:lstStyle/>
+            <a:p>
+              <a:endParaRPr lang="en-US" dirty="0"/>
+            </a:p>
+          </p:txBody>
+        </p:sp>
+      </p:grpSp>
       <p:sp>
         <p:nvSpPr>
           <p:cNvPr id="2" name="Title 1">
@@ -16524,20 +18944,20 @@
         </p:nvSpPr>
         <p:spPr>
           <a:xfrm>
-            <a:off x="838200" y="673770"/>
-            <a:ext cx="3220329" cy="2027227"/>
+            <a:off x="6094105" y="802955"/>
+            <a:ext cx="4977976" cy="1454051"/>
           </a:xfrm>
         </p:spPr>
         <p:txBody>
-          <a:bodyPr anchor="t">
+          <a:bodyPr anchor="b">
             <a:normAutofit/>
           </a:bodyPr>
           <a:lstStyle/>
           <a:p>
             <a:r>
-              <a:rPr lang="en-US" sz="5400">
+              <a:rPr lang="en-US" sz="3600">
                 <a:solidFill>
-                  <a:srgbClr val="FFFFFF"/>
+                  <a:schemeClr val="tx2"/>
                 </a:solidFill>
               </a:rPr>
               <a:t>Security Measures</a:t>
@@ -16561,66 +18981,21 @@
             <p:ph idx="1"/>
             <p:extLst>
               <p:ext uri="{D42A27DB-BD31-4B8C-83A1-F6EECF244321}">
-                <p14:modId xmlns:p14="http://schemas.microsoft.com/office/powerpoint/2010/main" val="2052993258"/>
+                <p14:modId xmlns:p14="http://schemas.microsoft.com/office/powerpoint/2010/main" val="3710599482"/>
               </p:ext>
             </p:extLst>
           </p:nvPr>
         </p:nvGraphicFramePr>
         <p:xfrm>
-          <a:off x="5542672" y="541606"/>
-          <a:ext cx="5811128" cy="5678219"/>
+          <a:off x="6090574" y="2415756"/>
+          <a:ext cx="4977578" cy="3639289"/>
         </p:xfrm>
         <a:graphic>
           <a:graphicData uri="http://schemas.openxmlformats.org/drawingml/2006/diagram">
-            <dgm:relIds xmlns:dgm="http://schemas.openxmlformats.org/drawingml/2006/diagram" xmlns:r="http://schemas.openxmlformats.org/officeDocument/2006/relationships" r:dm="rId2" r:lo="rId3" r:qs="rId4" r:cs="rId5"/>
+            <dgm:relIds xmlns:dgm="http://schemas.openxmlformats.org/drawingml/2006/diagram" xmlns:r="http://schemas.openxmlformats.org/officeDocument/2006/relationships" r:dm="rId4" r:lo="rId5" r:qs="rId6" r:cs="rId7"/>
           </a:graphicData>
         </a:graphic>
       </p:graphicFrame>
-      <p:sp>
-        <p:nvSpPr>
-          <p:cNvPr id="33" name="TextBox 32">
-            <a:extLst>
-              <a:ext uri="{FF2B5EF4-FFF2-40B4-BE49-F238E27FC236}">
-                <a16:creationId xmlns:a16="http://schemas.microsoft.com/office/drawing/2014/main" id="{8AD1CAA9-BFD9-4521-91BD-CF822FB68AB1}"/>
-              </a:ext>
-            </a:extLst>
-          </p:cNvPr>
-          <p:cNvSpPr txBox="1"/>
-          <p:nvPr/>
-        </p:nvSpPr>
-        <p:spPr>
-          <a:xfrm>
-            <a:off x="294588" y="4206881"/>
-            <a:ext cx="4136010" cy="1200329"/>
-          </a:xfrm>
-          <a:prstGeom prst="rect">
-            <a:avLst/>
-          </a:prstGeom>
-          <a:noFill/>
-        </p:spPr>
-        <p:txBody>
-          <a:bodyPr wrap="square">
-            <a:spAutoFit/>
-          </a:bodyPr>
-          <a:lstStyle/>
-          <a:p>
-            <a:r>
-              <a:rPr lang="en-US" dirty="0"/>
-              <a:t>The following technologies, techniques and practices were incorporated into the project:</a:t>
-            </a:r>
-          </a:p>
-          <a:p>
-            <a:pPr marL="285750" indent="-285750">
-              <a:buFont typeface="Arial" panose="020B0604020202020204" pitchFamily="34" charset="0"/>
-              <a:buChar char="•"/>
-            </a:pPr>
-            <a:r>
-              <a:rPr lang="en-US" dirty="0"/>
-              <a:t>Hibernate</a:t>
-            </a:r>
-          </a:p>
-        </p:txBody>
-      </p:sp>
     </p:spTree>
     <p:extLst>
       <p:ext uri="{BB962C8B-B14F-4D97-AF65-F5344CB8AC3E}">
@@ -16928,7 +19303,7 @@
         </p:blipFill>
         <p:spPr bwMode="auto">
           <a:xfrm>
-            <a:off x="411731" y="2349078"/>
+            <a:off x="8004283" y="2272731"/>
             <a:ext cx="3792797" cy="1855044"/>
           </a:xfrm>
           <a:prstGeom prst="rect">
@@ -16974,7 +19349,7 @@
         </p:blipFill>
         <p:spPr bwMode="auto">
           <a:xfrm>
-            <a:off x="4194675" y="2245490"/>
+            <a:off x="96704" y="2336345"/>
             <a:ext cx="3792797" cy="1780764"/>
           </a:xfrm>
           <a:prstGeom prst="rect">
@@ -17020,7 +19395,7 @@
         </p:blipFill>
         <p:spPr bwMode="auto">
           <a:xfrm>
-            <a:off x="8188032" y="2496232"/>
+            <a:off x="4147276" y="2619834"/>
             <a:ext cx="3792797" cy="1279280"/>
           </a:xfrm>
           <a:prstGeom prst="rect">
